--- a/Docs/Pitch Elevator.pptx
+++ b/Docs/Pitch Elevator.pptx
@@ -2,7 +2,7 @@
 <file path=ppt/presentation.xml><?xml version="1.0" encoding="utf-8"?>
 <p:presentation xmlns:a="http://schemas.openxmlformats.org/drawingml/2006/main" xmlns:r="http://schemas.openxmlformats.org/officeDocument/2006/relationships" xmlns:p="http://schemas.openxmlformats.org/presentationml/2006/main" saveSubsetFonts="1">
   <p:sldMasterIdLst>
-    <p:sldMasterId id="2147483732" r:id="rId1"/>
+    <p:sldMasterId id="2147483761" r:id="rId1"/>
   </p:sldMasterIdLst>
   <p:notesMasterIdLst>
     <p:notesMasterId r:id="rId7"/>
@@ -111,6 +111,11 @@
       </a:defRPr>
     </a:lvl9pPr>
   </p:defaultTextStyle>
+  <p:extLst>
+    <p:ext uri="{EFAFB233-063F-42B5-8137-9DF3F51BA10A}">
+      <p15:sldGuideLst xmlns:p15="http://schemas.microsoft.com/office/powerpoint/2012/main"/>
+    </p:ext>
+  </p:extLst>
 </p:presentation>
 </file>
 
@@ -196,7 +201,7 @@
           <a:p>
             <a:fld id="{F732C8F8-94B2-4901-97F1-14CD2CB2304E}" type="datetimeFigureOut">
               <a:rPr lang="en-US" smtClean="0"/>
-              <a:t>5/8/2024</a:t>
+              <a:t>5/13/2024</a:t>
             </a:fld>
             <a:endParaRPr lang="en-US"/>
           </a:p>
@@ -863,7 +868,7 @@
 </file>
 
 <file path=ppt/slideLayouts/slideLayout1.xml><?xml version="1.0" encoding="utf-8"?>
-<p:sldLayout xmlns:a="http://schemas.openxmlformats.org/drawingml/2006/main" xmlns:r="http://schemas.openxmlformats.org/officeDocument/2006/relationships" xmlns:p="http://schemas.openxmlformats.org/presentationml/2006/main" type="title" preserve="1">
+<p:sldLayout xmlns:a="http://schemas.openxmlformats.org/drawingml/2006/main" xmlns:r="http://schemas.openxmlformats.org/officeDocument/2006/relationships" xmlns:p="http://schemas.openxmlformats.org/presentationml/2006/main" showMasterSp="0" type="title" preserve="1">
   <p:cSld name="Diapositiva titolo">
     <p:spTree>
       <p:nvGrpSpPr>
@@ -879,6 +884,559 @@
           <a:chExt cx="0" cy="0"/>
         </a:xfrm>
       </p:grpSpPr>
+      <p:grpSp>
+        <p:nvGrpSpPr>
+          <p:cNvPr id="16" name="Group 15"/>
+          <p:cNvGrpSpPr/>
+          <p:nvPr/>
+        </p:nvGrpSpPr>
+        <p:grpSpPr>
+          <a:xfrm>
+            <a:off x="0" y="-8467"/>
+            <a:ext cx="12192000" cy="6866467"/>
+            <a:chOff x="0" y="-8467"/>
+            <a:chExt cx="12192000" cy="6866467"/>
+          </a:xfrm>
+        </p:grpSpPr>
+        <p:sp>
+          <p:nvSpPr>
+            <p:cNvPr id="15" name="Freeform 14"/>
+            <p:cNvSpPr/>
+            <p:nvPr/>
+          </p:nvSpPr>
+          <p:spPr>
+            <a:xfrm>
+              <a:off x="0" y="-7862"/>
+              <a:ext cx="863600" cy="5698067"/>
+            </a:xfrm>
+            <a:custGeom>
+              <a:avLst/>
+              <a:gdLst/>
+              <a:ahLst/>
+              <a:cxnLst/>
+              <a:rect l="l" t="t" r="r" b="b"/>
+              <a:pathLst>
+                <a:path w="863600" h="5698067">
+                  <a:moveTo>
+                    <a:pt x="0" y="8467"/>
+                  </a:moveTo>
+                  <a:lnTo>
+                    <a:pt x="863600" y="0"/>
+                  </a:lnTo>
+                  <a:lnTo>
+                    <a:pt x="863600" y="16934"/>
+                  </a:lnTo>
+                  <a:lnTo>
+                    <a:pt x="0" y="5698067"/>
+                  </a:lnTo>
+                  <a:lnTo>
+                    <a:pt x="0" y="8467"/>
+                  </a:lnTo>
+                  <a:close/>
+                </a:path>
+              </a:pathLst>
+            </a:custGeom>
+            <a:solidFill>
+              <a:schemeClr val="accent1">
+                <a:alpha val="70000"/>
+              </a:schemeClr>
+            </a:solidFill>
+            <a:ln>
+              <a:noFill/>
+            </a:ln>
+            <a:effectLst/>
+          </p:spPr>
+          <p:style>
+            <a:lnRef idx="1">
+              <a:schemeClr val="accent1"/>
+            </a:lnRef>
+            <a:fillRef idx="3">
+              <a:schemeClr val="accent1"/>
+            </a:fillRef>
+            <a:effectRef idx="2">
+              <a:schemeClr val="accent1"/>
+            </a:effectRef>
+            <a:fontRef idx="minor">
+              <a:schemeClr val="lt1"/>
+            </a:fontRef>
+          </p:style>
+        </p:sp>
+        <p:cxnSp>
+          <p:nvCxnSpPr>
+            <p:cNvPr id="19" name="Straight Connector 18"/>
+            <p:cNvCxnSpPr/>
+            <p:nvPr/>
+          </p:nvCxnSpPr>
+          <p:spPr>
+            <a:xfrm>
+              <a:off x="9371012" y="0"/>
+              <a:ext cx="1219200" cy="6858000"/>
+            </a:xfrm>
+            <a:prstGeom prst="line">
+              <a:avLst/>
+            </a:prstGeom>
+            <a:ln w="9525">
+              <a:solidFill>
+                <a:schemeClr val="accent1">
+                  <a:alpha val="70000"/>
+                </a:schemeClr>
+              </a:solidFill>
+            </a:ln>
+          </p:spPr>
+          <p:style>
+            <a:lnRef idx="2">
+              <a:schemeClr val="accent1"/>
+            </a:lnRef>
+            <a:fillRef idx="0">
+              <a:schemeClr val="accent1"/>
+            </a:fillRef>
+            <a:effectRef idx="1">
+              <a:schemeClr val="accent1"/>
+            </a:effectRef>
+            <a:fontRef idx="minor">
+              <a:schemeClr val="tx1"/>
+            </a:fontRef>
+          </p:style>
+        </p:cxnSp>
+        <p:cxnSp>
+          <p:nvCxnSpPr>
+            <p:cNvPr id="20" name="Straight Connector 19"/>
+            <p:cNvCxnSpPr/>
+            <p:nvPr/>
+          </p:nvCxnSpPr>
+          <p:spPr>
+            <a:xfrm flipH="1">
+              <a:off x="7425267" y="3681413"/>
+              <a:ext cx="4763558" cy="3176587"/>
+            </a:xfrm>
+            <a:prstGeom prst="line">
+              <a:avLst/>
+            </a:prstGeom>
+            <a:ln w="9525">
+              <a:solidFill>
+                <a:schemeClr val="accent1">
+                  <a:alpha val="70000"/>
+                </a:schemeClr>
+              </a:solidFill>
+            </a:ln>
+          </p:spPr>
+          <p:style>
+            <a:lnRef idx="2">
+              <a:schemeClr val="accent1"/>
+            </a:lnRef>
+            <a:fillRef idx="0">
+              <a:schemeClr val="accent1"/>
+            </a:fillRef>
+            <a:effectRef idx="1">
+              <a:schemeClr val="accent1"/>
+            </a:effectRef>
+            <a:fontRef idx="minor">
+              <a:schemeClr val="tx1"/>
+            </a:fontRef>
+          </p:style>
+        </p:cxnSp>
+        <p:sp>
+          <p:nvSpPr>
+            <p:cNvPr id="21" name="Rectangle 23"/>
+            <p:cNvSpPr/>
+            <p:nvPr/>
+          </p:nvSpPr>
+          <p:spPr>
+            <a:xfrm>
+              <a:off x="9181476" y="-8467"/>
+              <a:ext cx="3007349" cy="6866467"/>
+            </a:xfrm>
+            <a:custGeom>
+              <a:avLst/>
+              <a:gdLst/>
+              <a:ahLst/>
+              <a:cxnLst/>
+              <a:rect l="l" t="t" r="r" b="b"/>
+              <a:pathLst>
+                <a:path w="3007349" h="6866467">
+                  <a:moveTo>
+                    <a:pt x="2045532" y="0"/>
+                  </a:moveTo>
+                  <a:lnTo>
+                    <a:pt x="3007349" y="0"/>
+                  </a:lnTo>
+                  <a:lnTo>
+                    <a:pt x="3007349" y="6866467"/>
+                  </a:lnTo>
+                  <a:lnTo>
+                    <a:pt x="0" y="6866467"/>
+                  </a:lnTo>
+                  <a:lnTo>
+                    <a:pt x="2045532" y="0"/>
+                  </a:lnTo>
+                  <a:close/>
+                </a:path>
+              </a:pathLst>
+            </a:custGeom>
+            <a:solidFill>
+              <a:schemeClr val="accent1">
+                <a:alpha val="36000"/>
+              </a:schemeClr>
+            </a:solidFill>
+            <a:ln>
+              <a:noFill/>
+            </a:ln>
+            <a:effectLst/>
+          </p:spPr>
+          <p:style>
+            <a:lnRef idx="1">
+              <a:schemeClr val="accent1"/>
+            </a:lnRef>
+            <a:fillRef idx="3">
+              <a:schemeClr val="accent1"/>
+            </a:fillRef>
+            <a:effectRef idx="2">
+              <a:schemeClr val="accent1"/>
+            </a:effectRef>
+            <a:fontRef idx="minor">
+              <a:schemeClr val="lt1"/>
+            </a:fontRef>
+          </p:style>
+        </p:sp>
+        <p:sp>
+          <p:nvSpPr>
+            <p:cNvPr id="22" name="Rectangle 25"/>
+            <p:cNvSpPr/>
+            <p:nvPr/>
+          </p:nvSpPr>
+          <p:spPr>
+            <a:xfrm>
+              <a:off x="9603442" y="-8467"/>
+              <a:ext cx="2588558" cy="6866467"/>
+            </a:xfrm>
+            <a:custGeom>
+              <a:avLst/>
+              <a:gdLst/>
+              <a:ahLst/>
+              <a:cxnLst/>
+              <a:rect l="l" t="t" r="r" b="b"/>
+              <a:pathLst>
+                <a:path w="2573311" h="6866467">
+                  <a:moveTo>
+                    <a:pt x="0" y="0"/>
+                  </a:moveTo>
+                  <a:lnTo>
+                    <a:pt x="2573311" y="0"/>
+                  </a:lnTo>
+                  <a:lnTo>
+                    <a:pt x="2573311" y="6866467"/>
+                  </a:lnTo>
+                  <a:lnTo>
+                    <a:pt x="1202336" y="6866467"/>
+                  </a:lnTo>
+                  <a:lnTo>
+                    <a:pt x="0" y="0"/>
+                  </a:lnTo>
+                  <a:close/>
+                </a:path>
+              </a:pathLst>
+            </a:custGeom>
+            <a:solidFill>
+              <a:schemeClr val="accent1">
+                <a:alpha val="20000"/>
+              </a:schemeClr>
+            </a:solidFill>
+            <a:ln>
+              <a:noFill/>
+            </a:ln>
+            <a:effectLst/>
+          </p:spPr>
+          <p:style>
+            <a:lnRef idx="1">
+              <a:schemeClr val="accent1"/>
+            </a:lnRef>
+            <a:fillRef idx="3">
+              <a:schemeClr val="accent1"/>
+            </a:fillRef>
+            <a:effectRef idx="2">
+              <a:schemeClr val="accent1"/>
+            </a:effectRef>
+            <a:fontRef idx="minor">
+              <a:schemeClr val="lt1"/>
+            </a:fontRef>
+          </p:style>
+        </p:sp>
+        <p:sp>
+          <p:nvSpPr>
+            <p:cNvPr id="23" name="Isosceles Triangle 22"/>
+            <p:cNvSpPr/>
+            <p:nvPr/>
+          </p:nvSpPr>
+          <p:spPr>
+            <a:xfrm>
+              <a:off x="8932333" y="3048000"/>
+              <a:ext cx="3259667" cy="3810000"/>
+            </a:xfrm>
+            <a:prstGeom prst="triangle">
+              <a:avLst>
+                <a:gd name="adj" fmla="val 100000"/>
+              </a:avLst>
+            </a:prstGeom>
+            <a:solidFill>
+              <a:schemeClr val="accent1">
+                <a:lumMod val="75000"/>
+                <a:alpha val="66000"/>
+              </a:schemeClr>
+            </a:solidFill>
+            <a:ln>
+              <a:noFill/>
+            </a:ln>
+            <a:effectLst/>
+          </p:spPr>
+          <p:style>
+            <a:lnRef idx="1">
+              <a:schemeClr val="accent1"/>
+            </a:lnRef>
+            <a:fillRef idx="3">
+              <a:schemeClr val="accent1"/>
+            </a:fillRef>
+            <a:effectRef idx="2">
+              <a:schemeClr val="accent1"/>
+            </a:effectRef>
+            <a:fontRef idx="minor">
+              <a:schemeClr val="lt1"/>
+            </a:fontRef>
+          </p:style>
+        </p:sp>
+        <p:sp>
+          <p:nvSpPr>
+            <p:cNvPr id="24" name="Rectangle 27"/>
+            <p:cNvSpPr/>
+            <p:nvPr/>
+          </p:nvSpPr>
+          <p:spPr>
+            <a:xfrm>
+              <a:off x="9334500" y="-8467"/>
+              <a:ext cx="2854326" cy="6866467"/>
+            </a:xfrm>
+            <a:custGeom>
+              <a:avLst/>
+              <a:gdLst/>
+              <a:ahLst/>
+              <a:cxnLst/>
+              <a:rect l="l" t="t" r="r" b="b"/>
+              <a:pathLst>
+                <a:path w="2858013" h="6866467">
+                  <a:moveTo>
+                    <a:pt x="0" y="0"/>
+                  </a:moveTo>
+                  <a:lnTo>
+                    <a:pt x="2858013" y="0"/>
+                  </a:lnTo>
+                  <a:lnTo>
+                    <a:pt x="2858013" y="6866467"/>
+                  </a:lnTo>
+                  <a:lnTo>
+                    <a:pt x="2473942" y="6866467"/>
+                  </a:lnTo>
+                  <a:lnTo>
+                    <a:pt x="0" y="0"/>
+                  </a:lnTo>
+                  <a:close/>
+                </a:path>
+              </a:pathLst>
+            </a:custGeom>
+            <a:solidFill>
+              <a:schemeClr val="accent1">
+                <a:lumMod val="75000"/>
+                <a:alpha val="50000"/>
+              </a:schemeClr>
+            </a:solidFill>
+            <a:ln>
+              <a:noFill/>
+            </a:ln>
+            <a:effectLst/>
+          </p:spPr>
+          <p:style>
+            <a:lnRef idx="1">
+              <a:schemeClr val="accent1"/>
+            </a:lnRef>
+            <a:fillRef idx="3">
+              <a:schemeClr val="accent1"/>
+            </a:fillRef>
+            <a:effectRef idx="2">
+              <a:schemeClr val="accent1"/>
+            </a:effectRef>
+            <a:fontRef idx="minor">
+              <a:schemeClr val="lt1"/>
+            </a:fontRef>
+          </p:style>
+        </p:sp>
+        <p:sp>
+          <p:nvSpPr>
+            <p:cNvPr id="25" name="Rectangle 28"/>
+            <p:cNvSpPr/>
+            <p:nvPr/>
+          </p:nvSpPr>
+          <p:spPr>
+            <a:xfrm>
+              <a:off x="10898730" y="-8467"/>
+              <a:ext cx="1290094" cy="6866467"/>
+            </a:xfrm>
+            <a:custGeom>
+              <a:avLst/>
+              <a:gdLst/>
+              <a:ahLst/>
+              <a:cxnLst/>
+              <a:rect l="l" t="t" r="r" b="b"/>
+              <a:pathLst>
+                <a:path w="1290094" h="6858000">
+                  <a:moveTo>
+                    <a:pt x="1019735" y="0"/>
+                  </a:moveTo>
+                  <a:lnTo>
+                    <a:pt x="1290094" y="0"/>
+                  </a:lnTo>
+                  <a:lnTo>
+                    <a:pt x="1290094" y="6858000"/>
+                  </a:lnTo>
+                  <a:lnTo>
+                    <a:pt x="0" y="6858000"/>
+                  </a:lnTo>
+                  <a:lnTo>
+                    <a:pt x="1019735" y="0"/>
+                  </a:lnTo>
+                  <a:close/>
+                </a:path>
+              </a:pathLst>
+            </a:custGeom>
+            <a:solidFill>
+              <a:schemeClr val="accent2">
+                <a:alpha val="70000"/>
+              </a:schemeClr>
+            </a:solidFill>
+            <a:ln>
+              <a:noFill/>
+            </a:ln>
+            <a:effectLst/>
+          </p:spPr>
+          <p:style>
+            <a:lnRef idx="1">
+              <a:schemeClr val="accent1"/>
+            </a:lnRef>
+            <a:fillRef idx="3">
+              <a:schemeClr val="accent1"/>
+            </a:fillRef>
+            <a:effectRef idx="2">
+              <a:schemeClr val="accent1"/>
+            </a:effectRef>
+            <a:fontRef idx="minor">
+              <a:schemeClr val="lt1"/>
+            </a:fontRef>
+          </p:style>
+        </p:sp>
+        <p:sp>
+          <p:nvSpPr>
+            <p:cNvPr id="26" name="Rectangle 29"/>
+            <p:cNvSpPr/>
+            <p:nvPr/>
+          </p:nvSpPr>
+          <p:spPr>
+            <a:xfrm>
+              <a:off x="10938999" y="-8467"/>
+              <a:ext cx="1249825" cy="6866467"/>
+            </a:xfrm>
+            <a:custGeom>
+              <a:avLst/>
+              <a:gdLst/>
+              <a:ahLst/>
+              <a:cxnLst/>
+              <a:rect l="l" t="t" r="r" b="b"/>
+              <a:pathLst>
+                <a:path w="1249825" h="6858000">
+                  <a:moveTo>
+                    <a:pt x="0" y="0"/>
+                  </a:moveTo>
+                  <a:lnTo>
+                    <a:pt x="1249825" y="0"/>
+                  </a:lnTo>
+                  <a:lnTo>
+                    <a:pt x="1249825" y="6858000"/>
+                  </a:lnTo>
+                  <a:lnTo>
+                    <a:pt x="1109382" y="6858000"/>
+                  </a:lnTo>
+                  <a:lnTo>
+                    <a:pt x="0" y="0"/>
+                  </a:lnTo>
+                  <a:close/>
+                </a:path>
+              </a:pathLst>
+            </a:custGeom>
+            <a:solidFill>
+              <a:schemeClr val="accent2">
+                <a:lumMod val="75000"/>
+                <a:alpha val="80000"/>
+              </a:schemeClr>
+            </a:solidFill>
+            <a:ln>
+              <a:noFill/>
+            </a:ln>
+            <a:effectLst/>
+          </p:spPr>
+          <p:style>
+            <a:lnRef idx="1">
+              <a:schemeClr val="accent1"/>
+            </a:lnRef>
+            <a:fillRef idx="3">
+              <a:schemeClr val="accent1"/>
+            </a:fillRef>
+            <a:effectRef idx="2">
+              <a:schemeClr val="accent1"/>
+            </a:effectRef>
+            <a:fontRef idx="minor">
+              <a:schemeClr val="lt1"/>
+            </a:fontRef>
+          </p:style>
+        </p:sp>
+        <p:sp>
+          <p:nvSpPr>
+            <p:cNvPr id="27" name="Isosceles Triangle 26"/>
+            <p:cNvSpPr/>
+            <p:nvPr/>
+          </p:nvSpPr>
+          <p:spPr>
+            <a:xfrm>
+              <a:off x="10371666" y="3589867"/>
+              <a:ext cx="1817159" cy="3268133"/>
+            </a:xfrm>
+            <a:prstGeom prst="triangle">
+              <a:avLst>
+                <a:gd name="adj" fmla="val 100000"/>
+              </a:avLst>
+            </a:prstGeom>
+            <a:solidFill>
+              <a:schemeClr val="accent1">
+                <a:lumMod val="75000"/>
+                <a:alpha val="66000"/>
+              </a:schemeClr>
+            </a:solidFill>
+            <a:ln>
+              <a:noFill/>
+            </a:ln>
+            <a:effectLst/>
+          </p:spPr>
+          <p:style>
+            <a:lnRef idx="1">
+              <a:schemeClr val="accent1"/>
+            </a:lnRef>
+            <a:fillRef idx="3">
+              <a:schemeClr val="accent1"/>
+            </a:fillRef>
+            <a:effectRef idx="2">
+              <a:schemeClr val="accent1"/>
+            </a:effectRef>
+            <a:fontRef idx="minor">
+              <a:schemeClr val="lt1"/>
+            </a:fontRef>
+          </p:style>
+        </p:sp>
+      </p:grpSp>
       <p:sp>
         <p:nvSpPr>
           <p:cNvPr id="2" name="Title 1"/>
@@ -891,17 +1449,21 @@
         </p:nvSpPr>
         <p:spPr>
           <a:xfrm>
-            <a:off x="2417779" y="802298"/>
-            <a:ext cx="8637073" cy="2541431"/>
+            <a:off x="1507067" y="2404534"/>
+            <a:ext cx="7766936" cy="1646302"/>
           </a:xfrm>
         </p:spPr>
         <p:txBody>
-          <a:bodyPr bIns="0" anchor="b">
-            <a:normAutofit/>
+          <a:bodyPr anchor="b">
+            <a:noAutofit/>
           </a:bodyPr>
           <a:lstStyle>
-            <a:lvl1pPr algn="l">
-              <a:defRPr sz="6600"/>
+            <a:lvl1pPr algn="r">
+              <a:defRPr sz="5400">
+                <a:solidFill>
+                  <a:schemeClr val="accent1"/>
+                </a:solidFill>
+              </a:defRPr>
             </a:lvl1pPr>
           </a:lstStyle>
           <a:p>
@@ -925,54 +1487,103 @@
         </p:nvSpPr>
         <p:spPr>
           <a:xfrm>
-            <a:off x="2417780" y="3531204"/>
-            <a:ext cx="8637072" cy="977621"/>
+            <a:off x="1507067" y="4050833"/>
+            <a:ext cx="7766936" cy="1096899"/>
           </a:xfrm>
         </p:spPr>
         <p:txBody>
-          <a:bodyPr tIns="91440" bIns="91440">
-            <a:normAutofit/>
-          </a:bodyPr>
+          <a:bodyPr anchor="t"/>
           <a:lstStyle>
-            <a:lvl1pPr marL="0" indent="0" algn="l">
-              <a:buNone/>
-              <a:defRPr sz="1800" b="0" cap="all" baseline="0">
+            <a:lvl1pPr marL="0" indent="0" algn="r">
+              <a:buNone/>
+              <a:defRPr>
                 <a:solidFill>
-                  <a:schemeClr val="tx1"/>
+                  <a:schemeClr val="tx1">
+                    <a:lumMod val="50000"/>
+                    <a:lumOff val="50000"/>
+                  </a:schemeClr>
                 </a:solidFill>
               </a:defRPr>
             </a:lvl1pPr>
             <a:lvl2pPr marL="457200" indent="0" algn="ctr">
               <a:buNone/>
-              <a:defRPr sz="1800"/>
+              <a:defRPr>
+                <a:solidFill>
+                  <a:schemeClr val="tx1">
+                    <a:tint val="75000"/>
+                  </a:schemeClr>
+                </a:solidFill>
+              </a:defRPr>
             </a:lvl2pPr>
             <a:lvl3pPr marL="914400" indent="0" algn="ctr">
               <a:buNone/>
-              <a:defRPr sz="1800"/>
+              <a:defRPr>
+                <a:solidFill>
+                  <a:schemeClr val="tx1">
+                    <a:tint val="75000"/>
+                  </a:schemeClr>
+                </a:solidFill>
+              </a:defRPr>
             </a:lvl3pPr>
             <a:lvl4pPr marL="1371600" indent="0" algn="ctr">
               <a:buNone/>
-              <a:defRPr sz="1600"/>
+              <a:defRPr>
+                <a:solidFill>
+                  <a:schemeClr val="tx1">
+                    <a:tint val="75000"/>
+                  </a:schemeClr>
+                </a:solidFill>
+              </a:defRPr>
             </a:lvl4pPr>
             <a:lvl5pPr marL="1828800" indent="0" algn="ctr">
               <a:buNone/>
-              <a:defRPr sz="1600"/>
+              <a:defRPr>
+                <a:solidFill>
+                  <a:schemeClr val="tx1">
+                    <a:tint val="75000"/>
+                  </a:schemeClr>
+                </a:solidFill>
+              </a:defRPr>
             </a:lvl5pPr>
             <a:lvl6pPr marL="2286000" indent="0" algn="ctr">
               <a:buNone/>
-              <a:defRPr sz="1600"/>
+              <a:defRPr>
+                <a:solidFill>
+                  <a:schemeClr val="tx1">
+                    <a:tint val="75000"/>
+                  </a:schemeClr>
+                </a:solidFill>
+              </a:defRPr>
             </a:lvl6pPr>
             <a:lvl7pPr marL="2743200" indent="0" algn="ctr">
               <a:buNone/>
-              <a:defRPr sz="1600"/>
+              <a:defRPr>
+                <a:solidFill>
+                  <a:schemeClr val="tx1">
+                    <a:tint val="75000"/>
+                  </a:schemeClr>
+                </a:solidFill>
+              </a:defRPr>
             </a:lvl7pPr>
             <a:lvl8pPr marL="3200400" indent="0" algn="ctr">
               <a:buNone/>
-              <a:defRPr sz="1600"/>
+              <a:defRPr>
+                <a:solidFill>
+                  <a:schemeClr val="tx1">
+                    <a:tint val="75000"/>
+                  </a:schemeClr>
+                </a:solidFill>
+              </a:defRPr>
             </a:lvl8pPr>
             <a:lvl9pPr marL="3657600" indent="0" algn="ctr">
               <a:buNone/>
-              <a:defRPr sz="1600"/>
+              <a:defRPr>
+                <a:solidFill>
+                  <a:schemeClr val="tx1">
+                    <a:tint val="75000"/>
+                  </a:schemeClr>
+                </a:solidFill>
+              </a:defRPr>
             </a:lvl9pPr>
           </a:lstStyle>
           <a:p>
@@ -1001,7 +1612,7 @@
           <a:p>
             <a:fld id="{79546B8C-AF94-4D0A-A6DF-58207F78CBCB}" type="datetimeFigureOut">
               <a:rPr lang="en-US" smtClean="0"/>
-              <a:t>5/8/2024</a:t>
+              <a:t>5/13/2024</a:t>
             </a:fld>
             <a:endParaRPr lang="en-US"/>
           </a:p>
@@ -1017,12 +1628,7 @@
             <p:ph type="ftr" sz="quarter" idx="11"/>
           </p:nvPr>
         </p:nvSpPr>
-        <p:spPr>
-          <a:xfrm>
-            <a:off x="2416500" y="329307"/>
-            <a:ext cx="4973915" cy="309201"/>
-          </a:xfrm>
-        </p:spPr>
+        <p:spPr/>
         <p:txBody>
           <a:bodyPr/>
           <a:lstStyle/>
@@ -1041,12 +1647,7 @@
             <p:ph type="sldNum" sz="quarter" idx="12"/>
           </p:nvPr>
         </p:nvSpPr>
-        <p:spPr>
-          <a:xfrm>
-            <a:off x="1437664" y="798973"/>
-            <a:ext cx="811019" cy="503578"/>
-          </a:xfrm>
-        </p:spPr>
+        <p:spPr/>
         <p:txBody>
           <a:bodyPr/>
           <a:lstStyle/>
@@ -1059,41 +1660,10 @@
           </a:p>
         </p:txBody>
       </p:sp>
-      <p:cxnSp>
-        <p:nvCxnSpPr>
-          <p:cNvPr id="15" name="Straight Connector 14"/>
-          <p:cNvCxnSpPr/>
-          <p:nvPr/>
-        </p:nvCxnSpPr>
-        <p:spPr>
-          <a:xfrm>
-            <a:off x="2417780" y="3528542"/>
-            <a:ext cx="8637072" cy="0"/>
-          </a:xfrm>
-          <a:prstGeom prst="line">
-            <a:avLst/>
-          </a:prstGeom>
-          <a:ln w="31750"/>
-        </p:spPr>
-        <p:style>
-          <a:lnRef idx="3">
-            <a:schemeClr val="accent1"/>
-          </a:lnRef>
-          <a:fillRef idx="0">
-            <a:schemeClr val="accent1"/>
-          </a:fillRef>
-          <a:effectRef idx="2">
-            <a:schemeClr val="accent1"/>
-          </a:effectRef>
-          <a:fontRef idx="minor">
-            <a:schemeClr val="tx1"/>
-          </a:fontRef>
-        </p:style>
-      </p:cxnSp>
     </p:spTree>
     <p:extLst>
       <p:ext uri="{BB962C8B-B14F-4D97-AF65-F5344CB8AC3E}">
-        <p14:creationId xmlns:p14="http://schemas.microsoft.com/office/powerpoint/2010/main" val="4039769369"/>
+        <p14:creationId xmlns:p14="http://schemas.microsoft.com/office/powerpoint/2010/main" val="2628923297"/>
       </p:ext>
     </p:extLst>
   </p:cSld>
@@ -1104,6 +1674,1611 @@
 </file>
 
 <file path=ppt/slideLayouts/slideLayout10.xml><?xml version="1.0" encoding="utf-8"?>
+<p:sldLayout xmlns:a="http://schemas.openxmlformats.org/drawingml/2006/main" xmlns:r="http://schemas.openxmlformats.org/officeDocument/2006/relationships" xmlns:p="http://schemas.openxmlformats.org/presentationml/2006/main" preserve="1">
+  <p:cSld name="Titolo e sottotitolo">
+    <p:spTree>
+      <p:nvGrpSpPr>
+        <p:cNvPr id="1" name=""/>
+        <p:cNvGrpSpPr/>
+        <p:nvPr/>
+      </p:nvGrpSpPr>
+      <p:grpSpPr>
+        <a:xfrm>
+          <a:off x="0" y="0"/>
+          <a:ext cx="0" cy="0"/>
+          <a:chOff x="0" y="0"/>
+          <a:chExt cx="0" cy="0"/>
+        </a:xfrm>
+      </p:grpSpPr>
+      <p:sp>
+        <p:nvSpPr>
+          <p:cNvPr id="2" name="Title 1"/>
+          <p:cNvSpPr>
+            <a:spLocks noGrp="1"/>
+          </p:cNvSpPr>
+          <p:nvPr>
+            <p:ph type="title"/>
+          </p:nvPr>
+        </p:nvSpPr>
+        <p:spPr>
+          <a:xfrm>
+            <a:off x="677335" y="609600"/>
+            <a:ext cx="8596668" cy="3403600"/>
+          </a:xfrm>
+        </p:spPr>
+        <p:txBody>
+          <a:bodyPr anchor="ctr">
+            <a:normAutofit/>
+          </a:bodyPr>
+          <a:lstStyle>
+            <a:lvl1pPr algn="l">
+              <a:defRPr sz="4400" b="0" cap="none"/>
+            </a:lvl1pPr>
+          </a:lstStyle>
+          <a:p>
+            <a:r>
+              <a:rPr lang="it-IT"/>
+              <a:t>Fare clic per modificare lo stile del titolo dello schema</a:t>
+            </a:r>
+            <a:endParaRPr lang="en-US" dirty="0"/>
+          </a:p>
+        </p:txBody>
+      </p:sp>
+      <p:sp>
+        <p:nvSpPr>
+          <p:cNvPr id="3" name="Text Placeholder 2"/>
+          <p:cNvSpPr>
+            <a:spLocks noGrp="1"/>
+          </p:cNvSpPr>
+          <p:nvPr>
+            <p:ph type="body" idx="1"/>
+          </p:nvPr>
+        </p:nvSpPr>
+        <p:spPr>
+          <a:xfrm>
+            <a:off x="677335" y="4470400"/>
+            <a:ext cx="8596668" cy="1570962"/>
+          </a:xfrm>
+        </p:spPr>
+        <p:txBody>
+          <a:bodyPr anchor="ctr">
+            <a:normAutofit/>
+          </a:bodyPr>
+          <a:lstStyle>
+            <a:lvl1pPr marL="0" indent="0" algn="l">
+              <a:buNone/>
+              <a:defRPr sz="1800">
+                <a:solidFill>
+                  <a:schemeClr val="tx1">
+                    <a:lumMod val="75000"/>
+                    <a:lumOff val="25000"/>
+                  </a:schemeClr>
+                </a:solidFill>
+              </a:defRPr>
+            </a:lvl1pPr>
+            <a:lvl2pPr marL="457200" indent="0">
+              <a:buNone/>
+              <a:defRPr sz="1800">
+                <a:solidFill>
+                  <a:schemeClr val="tx1">
+                    <a:tint val="75000"/>
+                  </a:schemeClr>
+                </a:solidFill>
+              </a:defRPr>
+            </a:lvl2pPr>
+            <a:lvl3pPr marL="914400" indent="0">
+              <a:buNone/>
+              <a:defRPr sz="1600">
+                <a:solidFill>
+                  <a:schemeClr val="tx1">
+                    <a:tint val="75000"/>
+                  </a:schemeClr>
+                </a:solidFill>
+              </a:defRPr>
+            </a:lvl3pPr>
+            <a:lvl4pPr marL="1371600" indent="0">
+              <a:buNone/>
+              <a:defRPr sz="1400">
+                <a:solidFill>
+                  <a:schemeClr val="tx1">
+                    <a:tint val="75000"/>
+                  </a:schemeClr>
+                </a:solidFill>
+              </a:defRPr>
+            </a:lvl4pPr>
+            <a:lvl5pPr marL="1828800" indent="0">
+              <a:buNone/>
+              <a:defRPr sz="1400">
+                <a:solidFill>
+                  <a:schemeClr val="tx1">
+                    <a:tint val="75000"/>
+                  </a:schemeClr>
+                </a:solidFill>
+              </a:defRPr>
+            </a:lvl5pPr>
+            <a:lvl6pPr marL="2286000" indent="0">
+              <a:buNone/>
+              <a:defRPr sz="1400">
+                <a:solidFill>
+                  <a:schemeClr val="tx1">
+                    <a:tint val="75000"/>
+                  </a:schemeClr>
+                </a:solidFill>
+              </a:defRPr>
+            </a:lvl6pPr>
+            <a:lvl7pPr marL="2743200" indent="0">
+              <a:buNone/>
+              <a:defRPr sz="1400">
+                <a:solidFill>
+                  <a:schemeClr val="tx1">
+                    <a:tint val="75000"/>
+                  </a:schemeClr>
+                </a:solidFill>
+              </a:defRPr>
+            </a:lvl7pPr>
+            <a:lvl8pPr marL="3200400" indent="0">
+              <a:buNone/>
+              <a:defRPr sz="1400">
+                <a:solidFill>
+                  <a:schemeClr val="tx1">
+                    <a:tint val="75000"/>
+                  </a:schemeClr>
+                </a:solidFill>
+              </a:defRPr>
+            </a:lvl8pPr>
+            <a:lvl9pPr marL="3657600" indent="0">
+              <a:buNone/>
+              <a:defRPr sz="1400">
+                <a:solidFill>
+                  <a:schemeClr val="tx1">
+                    <a:tint val="75000"/>
+                  </a:schemeClr>
+                </a:solidFill>
+              </a:defRPr>
+            </a:lvl9pPr>
+          </a:lstStyle>
+          <a:p>
+            <a:pPr lvl="0"/>
+            <a:r>
+              <a:rPr lang="it-IT"/>
+              <a:t>Fare clic per modificare gli stili del testo dello schema</a:t>
+            </a:r>
+          </a:p>
+        </p:txBody>
+      </p:sp>
+      <p:sp>
+        <p:nvSpPr>
+          <p:cNvPr id="4" name="Date Placeholder 3"/>
+          <p:cNvSpPr>
+            <a:spLocks noGrp="1"/>
+          </p:cNvSpPr>
+          <p:nvPr>
+            <p:ph type="dt" sz="half" idx="10"/>
+          </p:nvPr>
+        </p:nvSpPr>
+        <p:spPr/>
+        <p:txBody>
+          <a:bodyPr/>
+          <a:lstStyle/>
+          <a:p>
+            <a:fld id="{79546B8C-AF94-4D0A-A6DF-58207F78CBCB}" type="datetimeFigureOut">
+              <a:rPr lang="en-US" smtClean="0"/>
+              <a:t>5/13/2024</a:t>
+            </a:fld>
+            <a:endParaRPr lang="en-US"/>
+          </a:p>
+        </p:txBody>
+      </p:sp>
+      <p:sp>
+        <p:nvSpPr>
+          <p:cNvPr id="5" name="Footer Placeholder 4"/>
+          <p:cNvSpPr>
+            <a:spLocks noGrp="1"/>
+          </p:cNvSpPr>
+          <p:nvPr>
+            <p:ph type="ftr" sz="quarter" idx="11"/>
+          </p:nvPr>
+        </p:nvSpPr>
+        <p:spPr/>
+        <p:txBody>
+          <a:bodyPr/>
+          <a:lstStyle/>
+          <a:p>
+            <a:endParaRPr lang="en-US"/>
+          </a:p>
+        </p:txBody>
+      </p:sp>
+      <p:sp>
+        <p:nvSpPr>
+          <p:cNvPr id="6" name="Slide Number Placeholder 5"/>
+          <p:cNvSpPr>
+            <a:spLocks noGrp="1"/>
+          </p:cNvSpPr>
+          <p:nvPr>
+            <p:ph type="sldNum" sz="quarter" idx="12"/>
+          </p:nvPr>
+        </p:nvSpPr>
+        <p:spPr/>
+        <p:txBody>
+          <a:bodyPr/>
+          <a:lstStyle/>
+          <a:p>
+            <a:fld id="{E54C31AE-3679-42CE-90C9-217D2AD38BBC}" type="slidenum">
+              <a:rPr lang="en-US" smtClean="0"/>
+              <a:t>‹N›</a:t>
+            </a:fld>
+            <a:endParaRPr lang="en-US"/>
+          </a:p>
+        </p:txBody>
+      </p:sp>
+    </p:spTree>
+    <p:extLst>
+      <p:ext uri="{BB962C8B-B14F-4D97-AF65-F5344CB8AC3E}">
+        <p14:creationId xmlns:p14="http://schemas.microsoft.com/office/powerpoint/2010/main" val="910341722"/>
+      </p:ext>
+    </p:extLst>
+  </p:cSld>
+  <p:clrMapOvr>
+    <a:masterClrMapping/>
+  </p:clrMapOvr>
+</p:sldLayout>
+</file>
+
+<file path=ppt/slideLayouts/slideLayout11.xml><?xml version="1.0" encoding="utf-8"?>
+<p:sldLayout xmlns:a="http://schemas.openxmlformats.org/drawingml/2006/main" xmlns:r="http://schemas.openxmlformats.org/officeDocument/2006/relationships" xmlns:p="http://schemas.openxmlformats.org/presentationml/2006/main" preserve="1">
+  <p:cSld name="Citazione con didascalia">
+    <p:spTree>
+      <p:nvGrpSpPr>
+        <p:cNvPr id="1" name=""/>
+        <p:cNvGrpSpPr/>
+        <p:nvPr/>
+      </p:nvGrpSpPr>
+      <p:grpSpPr>
+        <a:xfrm>
+          <a:off x="0" y="0"/>
+          <a:ext cx="0" cy="0"/>
+          <a:chOff x="0" y="0"/>
+          <a:chExt cx="0" cy="0"/>
+        </a:xfrm>
+      </p:grpSpPr>
+      <p:sp>
+        <p:nvSpPr>
+          <p:cNvPr id="2" name="Title 1"/>
+          <p:cNvSpPr>
+            <a:spLocks noGrp="1"/>
+          </p:cNvSpPr>
+          <p:nvPr>
+            <p:ph type="title"/>
+          </p:nvPr>
+        </p:nvSpPr>
+        <p:spPr>
+          <a:xfrm>
+            <a:off x="931334" y="609600"/>
+            <a:ext cx="8094134" cy="3022600"/>
+          </a:xfrm>
+        </p:spPr>
+        <p:txBody>
+          <a:bodyPr anchor="ctr">
+            <a:normAutofit/>
+          </a:bodyPr>
+          <a:lstStyle>
+            <a:lvl1pPr algn="l">
+              <a:defRPr sz="4400" b="0" cap="none"/>
+            </a:lvl1pPr>
+          </a:lstStyle>
+          <a:p>
+            <a:r>
+              <a:rPr lang="it-IT"/>
+              <a:t>Fare clic per modificare lo stile del titolo dello schema</a:t>
+            </a:r>
+            <a:endParaRPr lang="en-US" dirty="0"/>
+          </a:p>
+        </p:txBody>
+      </p:sp>
+      <p:sp>
+        <p:nvSpPr>
+          <p:cNvPr id="23" name="Text Placeholder 9"/>
+          <p:cNvSpPr>
+            <a:spLocks noGrp="1"/>
+          </p:cNvSpPr>
+          <p:nvPr>
+            <p:ph type="body" sz="quarter" idx="13"/>
+          </p:nvPr>
+        </p:nvSpPr>
+        <p:spPr>
+          <a:xfrm>
+            <a:off x="1366139" y="3632200"/>
+            <a:ext cx="7224524" cy="381000"/>
+          </a:xfrm>
+        </p:spPr>
+        <p:txBody>
+          <a:bodyPr anchor="ctr">
+            <a:noAutofit/>
+          </a:bodyPr>
+          <a:lstStyle>
+            <a:lvl1pPr marL="0" indent="0">
+              <a:buFontTx/>
+              <a:buNone/>
+              <a:defRPr sz="1600">
+                <a:solidFill>
+                  <a:schemeClr val="tx1">
+                    <a:lumMod val="50000"/>
+                    <a:lumOff val="50000"/>
+                  </a:schemeClr>
+                </a:solidFill>
+              </a:defRPr>
+            </a:lvl1pPr>
+            <a:lvl2pPr marL="457200" indent="0">
+              <a:buFontTx/>
+              <a:buNone/>
+              <a:defRPr/>
+            </a:lvl2pPr>
+            <a:lvl3pPr marL="914400" indent="0">
+              <a:buFontTx/>
+              <a:buNone/>
+              <a:defRPr/>
+            </a:lvl3pPr>
+            <a:lvl4pPr marL="1371600" indent="0">
+              <a:buFontTx/>
+              <a:buNone/>
+              <a:defRPr/>
+            </a:lvl4pPr>
+            <a:lvl5pPr marL="1828800" indent="0">
+              <a:buFontTx/>
+              <a:buNone/>
+              <a:defRPr/>
+            </a:lvl5pPr>
+          </a:lstStyle>
+          <a:p>
+            <a:pPr lvl="0"/>
+            <a:r>
+              <a:rPr lang="it-IT"/>
+              <a:t>Fare clic per modificare gli stili del testo dello schema</a:t>
+            </a:r>
+          </a:p>
+        </p:txBody>
+      </p:sp>
+      <p:sp>
+        <p:nvSpPr>
+          <p:cNvPr id="3" name="Text Placeholder 2"/>
+          <p:cNvSpPr>
+            <a:spLocks noGrp="1"/>
+          </p:cNvSpPr>
+          <p:nvPr>
+            <p:ph type="body" idx="1"/>
+          </p:nvPr>
+        </p:nvSpPr>
+        <p:spPr>
+          <a:xfrm>
+            <a:off x="677335" y="4470400"/>
+            <a:ext cx="8596668" cy="1570962"/>
+          </a:xfrm>
+        </p:spPr>
+        <p:txBody>
+          <a:bodyPr anchor="ctr">
+            <a:normAutofit/>
+          </a:bodyPr>
+          <a:lstStyle>
+            <a:lvl1pPr marL="0" indent="0" algn="l">
+              <a:buNone/>
+              <a:defRPr sz="1800">
+                <a:solidFill>
+                  <a:schemeClr val="tx1">
+                    <a:lumMod val="75000"/>
+                    <a:lumOff val="25000"/>
+                  </a:schemeClr>
+                </a:solidFill>
+              </a:defRPr>
+            </a:lvl1pPr>
+            <a:lvl2pPr marL="457200" indent="0">
+              <a:buNone/>
+              <a:defRPr sz="1800">
+                <a:solidFill>
+                  <a:schemeClr val="tx1">
+                    <a:tint val="75000"/>
+                  </a:schemeClr>
+                </a:solidFill>
+              </a:defRPr>
+            </a:lvl2pPr>
+            <a:lvl3pPr marL="914400" indent="0">
+              <a:buNone/>
+              <a:defRPr sz="1600">
+                <a:solidFill>
+                  <a:schemeClr val="tx1">
+                    <a:tint val="75000"/>
+                  </a:schemeClr>
+                </a:solidFill>
+              </a:defRPr>
+            </a:lvl3pPr>
+            <a:lvl4pPr marL="1371600" indent="0">
+              <a:buNone/>
+              <a:defRPr sz="1400">
+                <a:solidFill>
+                  <a:schemeClr val="tx1">
+                    <a:tint val="75000"/>
+                  </a:schemeClr>
+                </a:solidFill>
+              </a:defRPr>
+            </a:lvl4pPr>
+            <a:lvl5pPr marL="1828800" indent="0">
+              <a:buNone/>
+              <a:defRPr sz="1400">
+                <a:solidFill>
+                  <a:schemeClr val="tx1">
+                    <a:tint val="75000"/>
+                  </a:schemeClr>
+                </a:solidFill>
+              </a:defRPr>
+            </a:lvl5pPr>
+            <a:lvl6pPr marL="2286000" indent="0">
+              <a:buNone/>
+              <a:defRPr sz="1400">
+                <a:solidFill>
+                  <a:schemeClr val="tx1">
+                    <a:tint val="75000"/>
+                  </a:schemeClr>
+                </a:solidFill>
+              </a:defRPr>
+            </a:lvl6pPr>
+            <a:lvl7pPr marL="2743200" indent="0">
+              <a:buNone/>
+              <a:defRPr sz="1400">
+                <a:solidFill>
+                  <a:schemeClr val="tx1">
+                    <a:tint val="75000"/>
+                  </a:schemeClr>
+                </a:solidFill>
+              </a:defRPr>
+            </a:lvl7pPr>
+            <a:lvl8pPr marL="3200400" indent="0">
+              <a:buNone/>
+              <a:defRPr sz="1400">
+                <a:solidFill>
+                  <a:schemeClr val="tx1">
+                    <a:tint val="75000"/>
+                  </a:schemeClr>
+                </a:solidFill>
+              </a:defRPr>
+            </a:lvl8pPr>
+            <a:lvl9pPr marL="3657600" indent="0">
+              <a:buNone/>
+              <a:defRPr sz="1400">
+                <a:solidFill>
+                  <a:schemeClr val="tx1">
+                    <a:tint val="75000"/>
+                  </a:schemeClr>
+                </a:solidFill>
+              </a:defRPr>
+            </a:lvl9pPr>
+          </a:lstStyle>
+          <a:p>
+            <a:pPr lvl="0"/>
+            <a:r>
+              <a:rPr lang="it-IT"/>
+              <a:t>Fare clic per modificare gli stili del testo dello schema</a:t>
+            </a:r>
+          </a:p>
+        </p:txBody>
+      </p:sp>
+      <p:sp>
+        <p:nvSpPr>
+          <p:cNvPr id="4" name="Date Placeholder 3"/>
+          <p:cNvSpPr>
+            <a:spLocks noGrp="1"/>
+          </p:cNvSpPr>
+          <p:nvPr>
+            <p:ph type="dt" sz="half" idx="10"/>
+          </p:nvPr>
+        </p:nvSpPr>
+        <p:spPr/>
+        <p:txBody>
+          <a:bodyPr/>
+          <a:lstStyle/>
+          <a:p>
+            <a:fld id="{79546B8C-AF94-4D0A-A6DF-58207F78CBCB}" type="datetimeFigureOut">
+              <a:rPr lang="en-US" smtClean="0"/>
+              <a:t>5/13/2024</a:t>
+            </a:fld>
+            <a:endParaRPr lang="en-US"/>
+          </a:p>
+        </p:txBody>
+      </p:sp>
+      <p:sp>
+        <p:nvSpPr>
+          <p:cNvPr id="5" name="Footer Placeholder 4"/>
+          <p:cNvSpPr>
+            <a:spLocks noGrp="1"/>
+          </p:cNvSpPr>
+          <p:nvPr>
+            <p:ph type="ftr" sz="quarter" idx="11"/>
+          </p:nvPr>
+        </p:nvSpPr>
+        <p:spPr/>
+        <p:txBody>
+          <a:bodyPr/>
+          <a:lstStyle/>
+          <a:p>
+            <a:endParaRPr lang="en-US"/>
+          </a:p>
+        </p:txBody>
+      </p:sp>
+      <p:sp>
+        <p:nvSpPr>
+          <p:cNvPr id="6" name="Slide Number Placeholder 5"/>
+          <p:cNvSpPr>
+            <a:spLocks noGrp="1"/>
+          </p:cNvSpPr>
+          <p:nvPr>
+            <p:ph type="sldNum" sz="quarter" idx="12"/>
+          </p:nvPr>
+        </p:nvSpPr>
+        <p:spPr/>
+        <p:txBody>
+          <a:bodyPr/>
+          <a:lstStyle/>
+          <a:p>
+            <a:fld id="{E54C31AE-3679-42CE-90C9-217D2AD38BBC}" type="slidenum">
+              <a:rPr lang="en-US" smtClean="0"/>
+              <a:t>‹N›</a:t>
+            </a:fld>
+            <a:endParaRPr lang="en-US"/>
+          </a:p>
+        </p:txBody>
+      </p:sp>
+      <p:sp>
+        <p:nvSpPr>
+          <p:cNvPr id="24" name="TextBox 23"/>
+          <p:cNvSpPr txBox="1"/>
+          <p:nvPr/>
+        </p:nvSpPr>
+        <p:spPr>
+          <a:xfrm>
+            <a:off x="541870" y="790378"/>
+            <a:ext cx="609600" cy="584776"/>
+          </a:xfrm>
+          <a:prstGeom prst="rect">
+            <a:avLst/>
+          </a:prstGeom>
+        </p:spPr>
+        <p:txBody>
+          <a:bodyPr vert="horz" lIns="91440" tIns="45720" rIns="91440" bIns="45720" rtlCol="0" anchor="ctr">
+            <a:noAutofit/>
+          </a:bodyPr>
+          <a:lstStyle/>
+          <a:p>
+            <a:pPr lvl="0"/>
+            <a:r>
+              <a:rPr lang="en-US" sz="8000" baseline="0" dirty="0">
+                <a:ln w="3175" cmpd="sng">
+                  <a:noFill/>
+                </a:ln>
+                <a:solidFill>
+                  <a:schemeClr val="accent1">
+                    <a:lumMod val="60000"/>
+                    <a:lumOff val="40000"/>
+                  </a:schemeClr>
+                </a:solidFill>
+                <a:effectLst/>
+                <a:latin typeface="Arial"/>
+              </a:rPr>
+              <a:t>“</a:t>
+            </a:r>
+          </a:p>
+        </p:txBody>
+      </p:sp>
+      <p:sp>
+        <p:nvSpPr>
+          <p:cNvPr id="25" name="TextBox 24"/>
+          <p:cNvSpPr txBox="1"/>
+          <p:nvPr/>
+        </p:nvSpPr>
+        <p:spPr>
+          <a:xfrm>
+            <a:off x="8893011" y="2886556"/>
+            <a:ext cx="609600" cy="584776"/>
+          </a:xfrm>
+          <a:prstGeom prst="rect">
+            <a:avLst/>
+          </a:prstGeom>
+        </p:spPr>
+        <p:txBody>
+          <a:bodyPr vert="horz" lIns="91440" tIns="45720" rIns="91440" bIns="45720" rtlCol="0" anchor="ctr">
+            <a:noAutofit/>
+          </a:bodyPr>
+          <a:lstStyle/>
+          <a:p>
+            <a:pPr lvl="0"/>
+            <a:r>
+              <a:rPr lang="en-US" sz="8000" baseline="0" dirty="0">
+                <a:ln w="3175" cmpd="sng">
+                  <a:noFill/>
+                </a:ln>
+                <a:solidFill>
+                  <a:schemeClr val="accent1">
+                    <a:lumMod val="60000"/>
+                    <a:lumOff val="40000"/>
+                  </a:schemeClr>
+                </a:solidFill>
+                <a:effectLst/>
+                <a:latin typeface="Arial"/>
+              </a:rPr>
+              <a:t>”</a:t>
+            </a:r>
+          </a:p>
+        </p:txBody>
+      </p:sp>
+    </p:spTree>
+    <p:extLst>
+      <p:ext uri="{BB962C8B-B14F-4D97-AF65-F5344CB8AC3E}">
+        <p14:creationId xmlns:p14="http://schemas.microsoft.com/office/powerpoint/2010/main" val="3210768007"/>
+      </p:ext>
+    </p:extLst>
+  </p:cSld>
+  <p:clrMapOvr>
+    <a:masterClrMapping/>
+  </p:clrMapOvr>
+</p:sldLayout>
+</file>
+
+<file path=ppt/slideLayouts/slideLayout12.xml><?xml version="1.0" encoding="utf-8"?>
+<p:sldLayout xmlns:a="http://schemas.openxmlformats.org/drawingml/2006/main" xmlns:r="http://schemas.openxmlformats.org/officeDocument/2006/relationships" xmlns:p="http://schemas.openxmlformats.org/presentationml/2006/main" preserve="1">
+  <p:cSld name="Scheda nome">
+    <p:spTree>
+      <p:nvGrpSpPr>
+        <p:cNvPr id="1" name=""/>
+        <p:cNvGrpSpPr/>
+        <p:nvPr/>
+      </p:nvGrpSpPr>
+      <p:grpSpPr>
+        <a:xfrm>
+          <a:off x="0" y="0"/>
+          <a:ext cx="0" cy="0"/>
+          <a:chOff x="0" y="0"/>
+          <a:chExt cx="0" cy="0"/>
+        </a:xfrm>
+      </p:grpSpPr>
+      <p:sp>
+        <p:nvSpPr>
+          <p:cNvPr id="2" name="Title 1"/>
+          <p:cNvSpPr>
+            <a:spLocks noGrp="1"/>
+          </p:cNvSpPr>
+          <p:nvPr>
+            <p:ph type="title"/>
+          </p:nvPr>
+        </p:nvSpPr>
+        <p:spPr>
+          <a:xfrm>
+            <a:off x="677335" y="1931988"/>
+            <a:ext cx="8596668" cy="2595460"/>
+          </a:xfrm>
+        </p:spPr>
+        <p:txBody>
+          <a:bodyPr anchor="b">
+            <a:normAutofit/>
+          </a:bodyPr>
+          <a:lstStyle>
+            <a:lvl1pPr algn="l">
+              <a:defRPr sz="4400" b="0" cap="none"/>
+            </a:lvl1pPr>
+          </a:lstStyle>
+          <a:p>
+            <a:r>
+              <a:rPr lang="it-IT"/>
+              <a:t>Fare clic per modificare lo stile del titolo dello schema</a:t>
+            </a:r>
+            <a:endParaRPr lang="en-US" dirty="0"/>
+          </a:p>
+        </p:txBody>
+      </p:sp>
+      <p:sp>
+        <p:nvSpPr>
+          <p:cNvPr id="3" name="Text Placeholder 2"/>
+          <p:cNvSpPr>
+            <a:spLocks noGrp="1"/>
+          </p:cNvSpPr>
+          <p:nvPr>
+            <p:ph type="body" idx="1"/>
+          </p:nvPr>
+        </p:nvSpPr>
+        <p:spPr>
+          <a:xfrm>
+            <a:off x="677335" y="4527448"/>
+            <a:ext cx="8596668" cy="1513914"/>
+          </a:xfrm>
+        </p:spPr>
+        <p:txBody>
+          <a:bodyPr anchor="t">
+            <a:normAutofit/>
+          </a:bodyPr>
+          <a:lstStyle>
+            <a:lvl1pPr marL="0" indent="0" algn="l">
+              <a:buNone/>
+              <a:defRPr sz="1800">
+                <a:solidFill>
+                  <a:schemeClr val="tx1">
+                    <a:lumMod val="75000"/>
+                    <a:lumOff val="25000"/>
+                  </a:schemeClr>
+                </a:solidFill>
+              </a:defRPr>
+            </a:lvl1pPr>
+            <a:lvl2pPr marL="457200" indent="0">
+              <a:buNone/>
+              <a:defRPr sz="1800">
+                <a:solidFill>
+                  <a:schemeClr val="tx1">
+                    <a:tint val="75000"/>
+                  </a:schemeClr>
+                </a:solidFill>
+              </a:defRPr>
+            </a:lvl2pPr>
+            <a:lvl3pPr marL="914400" indent="0">
+              <a:buNone/>
+              <a:defRPr sz="1600">
+                <a:solidFill>
+                  <a:schemeClr val="tx1">
+                    <a:tint val="75000"/>
+                  </a:schemeClr>
+                </a:solidFill>
+              </a:defRPr>
+            </a:lvl3pPr>
+            <a:lvl4pPr marL="1371600" indent="0">
+              <a:buNone/>
+              <a:defRPr sz="1400">
+                <a:solidFill>
+                  <a:schemeClr val="tx1">
+                    <a:tint val="75000"/>
+                  </a:schemeClr>
+                </a:solidFill>
+              </a:defRPr>
+            </a:lvl4pPr>
+            <a:lvl5pPr marL="1828800" indent="0">
+              <a:buNone/>
+              <a:defRPr sz="1400">
+                <a:solidFill>
+                  <a:schemeClr val="tx1">
+                    <a:tint val="75000"/>
+                  </a:schemeClr>
+                </a:solidFill>
+              </a:defRPr>
+            </a:lvl5pPr>
+            <a:lvl6pPr marL="2286000" indent="0">
+              <a:buNone/>
+              <a:defRPr sz="1400">
+                <a:solidFill>
+                  <a:schemeClr val="tx1">
+                    <a:tint val="75000"/>
+                  </a:schemeClr>
+                </a:solidFill>
+              </a:defRPr>
+            </a:lvl6pPr>
+            <a:lvl7pPr marL="2743200" indent="0">
+              <a:buNone/>
+              <a:defRPr sz="1400">
+                <a:solidFill>
+                  <a:schemeClr val="tx1">
+                    <a:tint val="75000"/>
+                  </a:schemeClr>
+                </a:solidFill>
+              </a:defRPr>
+            </a:lvl7pPr>
+            <a:lvl8pPr marL="3200400" indent="0">
+              <a:buNone/>
+              <a:defRPr sz="1400">
+                <a:solidFill>
+                  <a:schemeClr val="tx1">
+                    <a:tint val="75000"/>
+                  </a:schemeClr>
+                </a:solidFill>
+              </a:defRPr>
+            </a:lvl8pPr>
+            <a:lvl9pPr marL="3657600" indent="0">
+              <a:buNone/>
+              <a:defRPr sz="1400">
+                <a:solidFill>
+                  <a:schemeClr val="tx1">
+                    <a:tint val="75000"/>
+                  </a:schemeClr>
+                </a:solidFill>
+              </a:defRPr>
+            </a:lvl9pPr>
+          </a:lstStyle>
+          <a:p>
+            <a:pPr lvl="0"/>
+            <a:r>
+              <a:rPr lang="it-IT"/>
+              <a:t>Fare clic per modificare gli stili del testo dello schema</a:t>
+            </a:r>
+          </a:p>
+        </p:txBody>
+      </p:sp>
+      <p:sp>
+        <p:nvSpPr>
+          <p:cNvPr id="4" name="Date Placeholder 3"/>
+          <p:cNvSpPr>
+            <a:spLocks noGrp="1"/>
+          </p:cNvSpPr>
+          <p:nvPr>
+            <p:ph type="dt" sz="half" idx="10"/>
+          </p:nvPr>
+        </p:nvSpPr>
+        <p:spPr/>
+        <p:txBody>
+          <a:bodyPr/>
+          <a:lstStyle/>
+          <a:p>
+            <a:fld id="{79546B8C-AF94-4D0A-A6DF-58207F78CBCB}" type="datetimeFigureOut">
+              <a:rPr lang="en-US" smtClean="0"/>
+              <a:t>5/13/2024</a:t>
+            </a:fld>
+            <a:endParaRPr lang="en-US"/>
+          </a:p>
+        </p:txBody>
+      </p:sp>
+      <p:sp>
+        <p:nvSpPr>
+          <p:cNvPr id="5" name="Footer Placeholder 4"/>
+          <p:cNvSpPr>
+            <a:spLocks noGrp="1"/>
+          </p:cNvSpPr>
+          <p:nvPr>
+            <p:ph type="ftr" sz="quarter" idx="11"/>
+          </p:nvPr>
+        </p:nvSpPr>
+        <p:spPr/>
+        <p:txBody>
+          <a:bodyPr/>
+          <a:lstStyle/>
+          <a:p>
+            <a:endParaRPr lang="en-US"/>
+          </a:p>
+        </p:txBody>
+      </p:sp>
+      <p:sp>
+        <p:nvSpPr>
+          <p:cNvPr id="6" name="Slide Number Placeholder 5"/>
+          <p:cNvSpPr>
+            <a:spLocks noGrp="1"/>
+          </p:cNvSpPr>
+          <p:nvPr>
+            <p:ph type="sldNum" sz="quarter" idx="12"/>
+          </p:nvPr>
+        </p:nvSpPr>
+        <p:spPr/>
+        <p:txBody>
+          <a:bodyPr/>
+          <a:lstStyle/>
+          <a:p>
+            <a:fld id="{E54C31AE-3679-42CE-90C9-217D2AD38BBC}" type="slidenum">
+              <a:rPr lang="en-US" smtClean="0"/>
+              <a:t>‹N›</a:t>
+            </a:fld>
+            <a:endParaRPr lang="en-US"/>
+          </a:p>
+        </p:txBody>
+      </p:sp>
+    </p:spTree>
+    <p:extLst>
+      <p:ext uri="{BB962C8B-B14F-4D97-AF65-F5344CB8AC3E}">
+        <p14:creationId xmlns:p14="http://schemas.microsoft.com/office/powerpoint/2010/main" val="1882238219"/>
+      </p:ext>
+    </p:extLst>
+  </p:cSld>
+  <p:clrMapOvr>
+    <a:masterClrMapping/>
+  </p:clrMapOvr>
+</p:sldLayout>
+</file>
+
+<file path=ppt/slideLayouts/slideLayout13.xml><?xml version="1.0" encoding="utf-8"?>
+<p:sldLayout xmlns:a="http://schemas.openxmlformats.org/drawingml/2006/main" xmlns:r="http://schemas.openxmlformats.org/officeDocument/2006/relationships" xmlns:p="http://schemas.openxmlformats.org/presentationml/2006/main" preserve="1">
+  <p:cSld name="Scheda nome citazione">
+    <p:spTree>
+      <p:nvGrpSpPr>
+        <p:cNvPr id="1" name=""/>
+        <p:cNvGrpSpPr/>
+        <p:nvPr/>
+      </p:nvGrpSpPr>
+      <p:grpSpPr>
+        <a:xfrm>
+          <a:off x="0" y="0"/>
+          <a:ext cx="0" cy="0"/>
+          <a:chOff x="0" y="0"/>
+          <a:chExt cx="0" cy="0"/>
+        </a:xfrm>
+      </p:grpSpPr>
+      <p:sp>
+        <p:nvSpPr>
+          <p:cNvPr id="2" name="Title 1"/>
+          <p:cNvSpPr>
+            <a:spLocks noGrp="1"/>
+          </p:cNvSpPr>
+          <p:nvPr>
+            <p:ph type="title"/>
+          </p:nvPr>
+        </p:nvSpPr>
+        <p:spPr>
+          <a:xfrm>
+            <a:off x="931334" y="609600"/>
+            <a:ext cx="8094134" cy="3022600"/>
+          </a:xfrm>
+        </p:spPr>
+        <p:txBody>
+          <a:bodyPr anchor="ctr">
+            <a:normAutofit/>
+          </a:bodyPr>
+          <a:lstStyle>
+            <a:lvl1pPr algn="l">
+              <a:defRPr sz="4400" b="0" cap="none"/>
+            </a:lvl1pPr>
+          </a:lstStyle>
+          <a:p>
+            <a:r>
+              <a:rPr lang="it-IT"/>
+              <a:t>Fare clic per modificare lo stile del titolo dello schema</a:t>
+            </a:r>
+            <a:endParaRPr lang="en-US" dirty="0"/>
+          </a:p>
+        </p:txBody>
+      </p:sp>
+      <p:sp>
+        <p:nvSpPr>
+          <p:cNvPr id="23" name="Text Placeholder 9"/>
+          <p:cNvSpPr>
+            <a:spLocks noGrp="1"/>
+          </p:cNvSpPr>
+          <p:nvPr>
+            <p:ph type="body" sz="quarter" idx="13"/>
+          </p:nvPr>
+        </p:nvSpPr>
+        <p:spPr>
+          <a:xfrm>
+            <a:off x="677332" y="4013200"/>
+            <a:ext cx="8596669" cy="514248"/>
+          </a:xfrm>
+        </p:spPr>
+        <p:txBody>
+          <a:bodyPr anchor="b">
+            <a:noAutofit/>
+          </a:bodyPr>
+          <a:lstStyle>
+            <a:lvl1pPr marL="0" indent="0">
+              <a:buFontTx/>
+              <a:buNone/>
+              <a:defRPr sz="2400">
+                <a:solidFill>
+                  <a:schemeClr val="tx1">
+                    <a:lumMod val="75000"/>
+                    <a:lumOff val="25000"/>
+                  </a:schemeClr>
+                </a:solidFill>
+              </a:defRPr>
+            </a:lvl1pPr>
+            <a:lvl2pPr marL="457200" indent="0">
+              <a:buFontTx/>
+              <a:buNone/>
+              <a:defRPr/>
+            </a:lvl2pPr>
+            <a:lvl3pPr marL="914400" indent="0">
+              <a:buFontTx/>
+              <a:buNone/>
+              <a:defRPr/>
+            </a:lvl3pPr>
+            <a:lvl4pPr marL="1371600" indent="0">
+              <a:buFontTx/>
+              <a:buNone/>
+              <a:defRPr/>
+            </a:lvl4pPr>
+            <a:lvl5pPr marL="1828800" indent="0">
+              <a:buFontTx/>
+              <a:buNone/>
+              <a:defRPr/>
+            </a:lvl5pPr>
+          </a:lstStyle>
+          <a:p>
+            <a:pPr lvl="0"/>
+            <a:r>
+              <a:rPr lang="it-IT"/>
+              <a:t>Fare clic per modificare gli stili del testo dello schema</a:t>
+            </a:r>
+          </a:p>
+        </p:txBody>
+      </p:sp>
+      <p:sp>
+        <p:nvSpPr>
+          <p:cNvPr id="3" name="Text Placeholder 2"/>
+          <p:cNvSpPr>
+            <a:spLocks noGrp="1"/>
+          </p:cNvSpPr>
+          <p:nvPr>
+            <p:ph type="body" idx="1"/>
+          </p:nvPr>
+        </p:nvSpPr>
+        <p:spPr>
+          <a:xfrm>
+            <a:off x="677335" y="4527448"/>
+            <a:ext cx="8596668" cy="1513914"/>
+          </a:xfrm>
+        </p:spPr>
+        <p:txBody>
+          <a:bodyPr anchor="t">
+            <a:normAutofit/>
+          </a:bodyPr>
+          <a:lstStyle>
+            <a:lvl1pPr marL="0" indent="0" algn="l">
+              <a:buNone/>
+              <a:defRPr sz="1800">
+                <a:solidFill>
+                  <a:schemeClr val="tx1">
+                    <a:lumMod val="50000"/>
+                    <a:lumOff val="50000"/>
+                  </a:schemeClr>
+                </a:solidFill>
+              </a:defRPr>
+            </a:lvl1pPr>
+            <a:lvl2pPr marL="457200" indent="0">
+              <a:buNone/>
+              <a:defRPr sz="1800">
+                <a:solidFill>
+                  <a:schemeClr val="tx1">
+                    <a:tint val="75000"/>
+                  </a:schemeClr>
+                </a:solidFill>
+              </a:defRPr>
+            </a:lvl2pPr>
+            <a:lvl3pPr marL="914400" indent="0">
+              <a:buNone/>
+              <a:defRPr sz="1600">
+                <a:solidFill>
+                  <a:schemeClr val="tx1">
+                    <a:tint val="75000"/>
+                  </a:schemeClr>
+                </a:solidFill>
+              </a:defRPr>
+            </a:lvl3pPr>
+            <a:lvl4pPr marL="1371600" indent="0">
+              <a:buNone/>
+              <a:defRPr sz="1400">
+                <a:solidFill>
+                  <a:schemeClr val="tx1">
+                    <a:tint val="75000"/>
+                  </a:schemeClr>
+                </a:solidFill>
+              </a:defRPr>
+            </a:lvl4pPr>
+            <a:lvl5pPr marL="1828800" indent="0">
+              <a:buNone/>
+              <a:defRPr sz="1400">
+                <a:solidFill>
+                  <a:schemeClr val="tx1">
+                    <a:tint val="75000"/>
+                  </a:schemeClr>
+                </a:solidFill>
+              </a:defRPr>
+            </a:lvl5pPr>
+            <a:lvl6pPr marL="2286000" indent="0">
+              <a:buNone/>
+              <a:defRPr sz="1400">
+                <a:solidFill>
+                  <a:schemeClr val="tx1">
+                    <a:tint val="75000"/>
+                  </a:schemeClr>
+                </a:solidFill>
+              </a:defRPr>
+            </a:lvl6pPr>
+            <a:lvl7pPr marL="2743200" indent="0">
+              <a:buNone/>
+              <a:defRPr sz="1400">
+                <a:solidFill>
+                  <a:schemeClr val="tx1">
+                    <a:tint val="75000"/>
+                  </a:schemeClr>
+                </a:solidFill>
+              </a:defRPr>
+            </a:lvl7pPr>
+            <a:lvl8pPr marL="3200400" indent="0">
+              <a:buNone/>
+              <a:defRPr sz="1400">
+                <a:solidFill>
+                  <a:schemeClr val="tx1">
+                    <a:tint val="75000"/>
+                  </a:schemeClr>
+                </a:solidFill>
+              </a:defRPr>
+            </a:lvl8pPr>
+            <a:lvl9pPr marL="3657600" indent="0">
+              <a:buNone/>
+              <a:defRPr sz="1400">
+                <a:solidFill>
+                  <a:schemeClr val="tx1">
+                    <a:tint val="75000"/>
+                  </a:schemeClr>
+                </a:solidFill>
+              </a:defRPr>
+            </a:lvl9pPr>
+          </a:lstStyle>
+          <a:p>
+            <a:pPr lvl="0"/>
+            <a:r>
+              <a:rPr lang="it-IT"/>
+              <a:t>Fare clic per modificare gli stili del testo dello schema</a:t>
+            </a:r>
+          </a:p>
+        </p:txBody>
+      </p:sp>
+      <p:sp>
+        <p:nvSpPr>
+          <p:cNvPr id="4" name="Date Placeholder 3"/>
+          <p:cNvSpPr>
+            <a:spLocks noGrp="1"/>
+          </p:cNvSpPr>
+          <p:nvPr>
+            <p:ph type="dt" sz="half" idx="10"/>
+          </p:nvPr>
+        </p:nvSpPr>
+        <p:spPr/>
+        <p:txBody>
+          <a:bodyPr/>
+          <a:lstStyle/>
+          <a:p>
+            <a:fld id="{79546B8C-AF94-4D0A-A6DF-58207F78CBCB}" type="datetimeFigureOut">
+              <a:rPr lang="en-US" smtClean="0"/>
+              <a:t>5/13/2024</a:t>
+            </a:fld>
+            <a:endParaRPr lang="en-US"/>
+          </a:p>
+        </p:txBody>
+      </p:sp>
+      <p:sp>
+        <p:nvSpPr>
+          <p:cNvPr id="5" name="Footer Placeholder 4"/>
+          <p:cNvSpPr>
+            <a:spLocks noGrp="1"/>
+          </p:cNvSpPr>
+          <p:nvPr>
+            <p:ph type="ftr" sz="quarter" idx="11"/>
+          </p:nvPr>
+        </p:nvSpPr>
+        <p:spPr/>
+        <p:txBody>
+          <a:bodyPr/>
+          <a:lstStyle/>
+          <a:p>
+            <a:endParaRPr lang="en-US"/>
+          </a:p>
+        </p:txBody>
+      </p:sp>
+      <p:sp>
+        <p:nvSpPr>
+          <p:cNvPr id="6" name="Slide Number Placeholder 5"/>
+          <p:cNvSpPr>
+            <a:spLocks noGrp="1"/>
+          </p:cNvSpPr>
+          <p:nvPr>
+            <p:ph type="sldNum" sz="quarter" idx="12"/>
+          </p:nvPr>
+        </p:nvSpPr>
+        <p:spPr/>
+        <p:txBody>
+          <a:bodyPr/>
+          <a:lstStyle/>
+          <a:p>
+            <a:fld id="{E54C31AE-3679-42CE-90C9-217D2AD38BBC}" type="slidenum">
+              <a:rPr lang="en-US" smtClean="0"/>
+              <a:t>‹N›</a:t>
+            </a:fld>
+            <a:endParaRPr lang="en-US"/>
+          </a:p>
+        </p:txBody>
+      </p:sp>
+      <p:sp>
+        <p:nvSpPr>
+          <p:cNvPr id="24" name="TextBox 23"/>
+          <p:cNvSpPr txBox="1"/>
+          <p:nvPr/>
+        </p:nvSpPr>
+        <p:spPr>
+          <a:xfrm>
+            <a:off x="541870" y="790378"/>
+            <a:ext cx="609600" cy="584776"/>
+          </a:xfrm>
+          <a:prstGeom prst="rect">
+            <a:avLst/>
+          </a:prstGeom>
+        </p:spPr>
+        <p:txBody>
+          <a:bodyPr vert="horz" lIns="91440" tIns="45720" rIns="91440" bIns="45720" rtlCol="0" anchor="ctr">
+            <a:noAutofit/>
+          </a:bodyPr>
+          <a:lstStyle/>
+          <a:p>
+            <a:pPr lvl="0"/>
+            <a:r>
+              <a:rPr lang="en-US" sz="8000" baseline="0" dirty="0">
+                <a:ln w="3175" cmpd="sng">
+                  <a:noFill/>
+                </a:ln>
+                <a:solidFill>
+                  <a:schemeClr val="accent1">
+                    <a:lumMod val="60000"/>
+                    <a:lumOff val="40000"/>
+                  </a:schemeClr>
+                </a:solidFill>
+                <a:effectLst/>
+                <a:latin typeface="Arial"/>
+              </a:rPr>
+              <a:t>“</a:t>
+            </a:r>
+          </a:p>
+        </p:txBody>
+      </p:sp>
+      <p:sp>
+        <p:nvSpPr>
+          <p:cNvPr id="25" name="TextBox 24"/>
+          <p:cNvSpPr txBox="1"/>
+          <p:nvPr/>
+        </p:nvSpPr>
+        <p:spPr>
+          <a:xfrm>
+            <a:off x="8893011" y="2886556"/>
+            <a:ext cx="609600" cy="584776"/>
+          </a:xfrm>
+          <a:prstGeom prst="rect">
+            <a:avLst/>
+          </a:prstGeom>
+        </p:spPr>
+        <p:txBody>
+          <a:bodyPr vert="horz" lIns="91440" tIns="45720" rIns="91440" bIns="45720" rtlCol="0" anchor="ctr">
+            <a:noAutofit/>
+          </a:bodyPr>
+          <a:lstStyle/>
+          <a:p>
+            <a:pPr lvl="0"/>
+            <a:r>
+              <a:rPr lang="en-US" sz="8000" baseline="0" dirty="0">
+                <a:ln w="3175" cmpd="sng">
+                  <a:noFill/>
+                </a:ln>
+                <a:solidFill>
+                  <a:schemeClr val="accent1">
+                    <a:lumMod val="60000"/>
+                    <a:lumOff val="40000"/>
+                  </a:schemeClr>
+                </a:solidFill>
+                <a:effectLst/>
+                <a:latin typeface="Arial"/>
+              </a:rPr>
+              <a:t>”</a:t>
+            </a:r>
+          </a:p>
+        </p:txBody>
+      </p:sp>
+    </p:spTree>
+    <p:extLst>
+      <p:ext uri="{BB962C8B-B14F-4D97-AF65-F5344CB8AC3E}">
+        <p14:creationId xmlns:p14="http://schemas.microsoft.com/office/powerpoint/2010/main" val="4118067135"/>
+      </p:ext>
+    </p:extLst>
+  </p:cSld>
+  <p:clrMapOvr>
+    <a:masterClrMapping/>
+  </p:clrMapOvr>
+</p:sldLayout>
+</file>
+
+<file path=ppt/slideLayouts/slideLayout14.xml><?xml version="1.0" encoding="utf-8"?>
+<p:sldLayout xmlns:a="http://schemas.openxmlformats.org/drawingml/2006/main" xmlns:r="http://schemas.openxmlformats.org/officeDocument/2006/relationships" xmlns:p="http://schemas.openxmlformats.org/presentationml/2006/main" preserve="1">
+  <p:cSld name="Vero o falso">
+    <p:spTree>
+      <p:nvGrpSpPr>
+        <p:cNvPr id="1" name=""/>
+        <p:cNvGrpSpPr/>
+        <p:nvPr/>
+      </p:nvGrpSpPr>
+      <p:grpSpPr>
+        <a:xfrm>
+          <a:off x="0" y="0"/>
+          <a:ext cx="0" cy="0"/>
+          <a:chOff x="0" y="0"/>
+          <a:chExt cx="0" cy="0"/>
+        </a:xfrm>
+      </p:grpSpPr>
+      <p:sp>
+        <p:nvSpPr>
+          <p:cNvPr id="2" name="Title 1"/>
+          <p:cNvSpPr>
+            <a:spLocks noGrp="1"/>
+          </p:cNvSpPr>
+          <p:nvPr>
+            <p:ph type="title"/>
+          </p:nvPr>
+        </p:nvSpPr>
+        <p:spPr>
+          <a:xfrm>
+            <a:off x="685799" y="609600"/>
+            <a:ext cx="8588203" cy="3022600"/>
+          </a:xfrm>
+        </p:spPr>
+        <p:txBody>
+          <a:bodyPr anchor="ctr">
+            <a:normAutofit/>
+          </a:bodyPr>
+          <a:lstStyle>
+            <a:lvl1pPr algn="l">
+              <a:defRPr sz="4400" b="0" cap="none"/>
+            </a:lvl1pPr>
+          </a:lstStyle>
+          <a:p>
+            <a:r>
+              <a:rPr lang="it-IT"/>
+              <a:t>Fare clic per modificare lo stile del titolo dello schema</a:t>
+            </a:r>
+            <a:endParaRPr lang="en-US" dirty="0"/>
+          </a:p>
+        </p:txBody>
+      </p:sp>
+      <p:sp>
+        <p:nvSpPr>
+          <p:cNvPr id="23" name="Text Placeholder 9"/>
+          <p:cNvSpPr>
+            <a:spLocks noGrp="1"/>
+          </p:cNvSpPr>
+          <p:nvPr>
+            <p:ph type="body" sz="quarter" idx="13"/>
+          </p:nvPr>
+        </p:nvSpPr>
+        <p:spPr>
+          <a:xfrm>
+            <a:off x="677332" y="4013200"/>
+            <a:ext cx="8596669" cy="514248"/>
+          </a:xfrm>
+        </p:spPr>
+        <p:txBody>
+          <a:bodyPr anchor="b">
+            <a:noAutofit/>
+          </a:bodyPr>
+          <a:lstStyle>
+            <a:lvl1pPr marL="0" indent="0">
+              <a:buFontTx/>
+              <a:buNone/>
+              <a:defRPr sz="2400">
+                <a:solidFill>
+                  <a:schemeClr val="accent1"/>
+                </a:solidFill>
+              </a:defRPr>
+            </a:lvl1pPr>
+            <a:lvl2pPr marL="457200" indent="0">
+              <a:buFontTx/>
+              <a:buNone/>
+              <a:defRPr/>
+            </a:lvl2pPr>
+            <a:lvl3pPr marL="914400" indent="0">
+              <a:buFontTx/>
+              <a:buNone/>
+              <a:defRPr/>
+            </a:lvl3pPr>
+            <a:lvl4pPr marL="1371600" indent="0">
+              <a:buFontTx/>
+              <a:buNone/>
+              <a:defRPr/>
+            </a:lvl4pPr>
+            <a:lvl5pPr marL="1828800" indent="0">
+              <a:buFontTx/>
+              <a:buNone/>
+              <a:defRPr/>
+            </a:lvl5pPr>
+          </a:lstStyle>
+          <a:p>
+            <a:pPr lvl="0"/>
+            <a:r>
+              <a:rPr lang="it-IT"/>
+              <a:t>Fare clic per modificare gli stili del testo dello schema</a:t>
+            </a:r>
+          </a:p>
+        </p:txBody>
+      </p:sp>
+      <p:sp>
+        <p:nvSpPr>
+          <p:cNvPr id="3" name="Text Placeholder 2"/>
+          <p:cNvSpPr>
+            <a:spLocks noGrp="1"/>
+          </p:cNvSpPr>
+          <p:nvPr>
+            <p:ph type="body" idx="1"/>
+          </p:nvPr>
+        </p:nvSpPr>
+        <p:spPr>
+          <a:xfrm>
+            <a:off x="677335" y="4527448"/>
+            <a:ext cx="8596668" cy="1513914"/>
+          </a:xfrm>
+        </p:spPr>
+        <p:txBody>
+          <a:bodyPr anchor="t">
+            <a:normAutofit/>
+          </a:bodyPr>
+          <a:lstStyle>
+            <a:lvl1pPr marL="0" indent="0" algn="l">
+              <a:buNone/>
+              <a:defRPr sz="1800">
+                <a:solidFill>
+                  <a:schemeClr val="tx1">
+                    <a:lumMod val="50000"/>
+                    <a:lumOff val="50000"/>
+                  </a:schemeClr>
+                </a:solidFill>
+              </a:defRPr>
+            </a:lvl1pPr>
+            <a:lvl2pPr marL="457200" indent="0">
+              <a:buNone/>
+              <a:defRPr sz="1800">
+                <a:solidFill>
+                  <a:schemeClr val="tx1">
+                    <a:tint val="75000"/>
+                  </a:schemeClr>
+                </a:solidFill>
+              </a:defRPr>
+            </a:lvl2pPr>
+            <a:lvl3pPr marL="914400" indent="0">
+              <a:buNone/>
+              <a:defRPr sz="1600">
+                <a:solidFill>
+                  <a:schemeClr val="tx1">
+                    <a:tint val="75000"/>
+                  </a:schemeClr>
+                </a:solidFill>
+              </a:defRPr>
+            </a:lvl3pPr>
+            <a:lvl4pPr marL="1371600" indent="0">
+              <a:buNone/>
+              <a:defRPr sz="1400">
+                <a:solidFill>
+                  <a:schemeClr val="tx1">
+                    <a:tint val="75000"/>
+                  </a:schemeClr>
+                </a:solidFill>
+              </a:defRPr>
+            </a:lvl4pPr>
+            <a:lvl5pPr marL="1828800" indent="0">
+              <a:buNone/>
+              <a:defRPr sz="1400">
+                <a:solidFill>
+                  <a:schemeClr val="tx1">
+                    <a:tint val="75000"/>
+                  </a:schemeClr>
+                </a:solidFill>
+              </a:defRPr>
+            </a:lvl5pPr>
+            <a:lvl6pPr marL="2286000" indent="0">
+              <a:buNone/>
+              <a:defRPr sz="1400">
+                <a:solidFill>
+                  <a:schemeClr val="tx1">
+                    <a:tint val="75000"/>
+                  </a:schemeClr>
+                </a:solidFill>
+              </a:defRPr>
+            </a:lvl6pPr>
+            <a:lvl7pPr marL="2743200" indent="0">
+              <a:buNone/>
+              <a:defRPr sz="1400">
+                <a:solidFill>
+                  <a:schemeClr val="tx1">
+                    <a:tint val="75000"/>
+                  </a:schemeClr>
+                </a:solidFill>
+              </a:defRPr>
+            </a:lvl7pPr>
+            <a:lvl8pPr marL="3200400" indent="0">
+              <a:buNone/>
+              <a:defRPr sz="1400">
+                <a:solidFill>
+                  <a:schemeClr val="tx1">
+                    <a:tint val="75000"/>
+                  </a:schemeClr>
+                </a:solidFill>
+              </a:defRPr>
+            </a:lvl8pPr>
+            <a:lvl9pPr marL="3657600" indent="0">
+              <a:buNone/>
+              <a:defRPr sz="1400">
+                <a:solidFill>
+                  <a:schemeClr val="tx1">
+                    <a:tint val="75000"/>
+                  </a:schemeClr>
+                </a:solidFill>
+              </a:defRPr>
+            </a:lvl9pPr>
+          </a:lstStyle>
+          <a:p>
+            <a:pPr lvl="0"/>
+            <a:r>
+              <a:rPr lang="it-IT"/>
+              <a:t>Fare clic per modificare gli stili del testo dello schema</a:t>
+            </a:r>
+          </a:p>
+        </p:txBody>
+      </p:sp>
+      <p:sp>
+        <p:nvSpPr>
+          <p:cNvPr id="4" name="Date Placeholder 3"/>
+          <p:cNvSpPr>
+            <a:spLocks noGrp="1"/>
+          </p:cNvSpPr>
+          <p:nvPr>
+            <p:ph type="dt" sz="half" idx="10"/>
+          </p:nvPr>
+        </p:nvSpPr>
+        <p:spPr/>
+        <p:txBody>
+          <a:bodyPr/>
+          <a:lstStyle/>
+          <a:p>
+            <a:fld id="{79546B8C-AF94-4D0A-A6DF-58207F78CBCB}" type="datetimeFigureOut">
+              <a:rPr lang="en-US" smtClean="0"/>
+              <a:t>5/13/2024</a:t>
+            </a:fld>
+            <a:endParaRPr lang="en-US"/>
+          </a:p>
+        </p:txBody>
+      </p:sp>
+      <p:sp>
+        <p:nvSpPr>
+          <p:cNvPr id="5" name="Footer Placeholder 4"/>
+          <p:cNvSpPr>
+            <a:spLocks noGrp="1"/>
+          </p:cNvSpPr>
+          <p:nvPr>
+            <p:ph type="ftr" sz="quarter" idx="11"/>
+          </p:nvPr>
+        </p:nvSpPr>
+        <p:spPr/>
+        <p:txBody>
+          <a:bodyPr/>
+          <a:lstStyle/>
+          <a:p>
+            <a:endParaRPr lang="en-US"/>
+          </a:p>
+        </p:txBody>
+      </p:sp>
+      <p:sp>
+        <p:nvSpPr>
+          <p:cNvPr id="6" name="Slide Number Placeholder 5"/>
+          <p:cNvSpPr>
+            <a:spLocks noGrp="1"/>
+          </p:cNvSpPr>
+          <p:nvPr>
+            <p:ph type="sldNum" sz="quarter" idx="12"/>
+          </p:nvPr>
+        </p:nvSpPr>
+        <p:spPr/>
+        <p:txBody>
+          <a:bodyPr/>
+          <a:lstStyle/>
+          <a:p>
+            <a:fld id="{E54C31AE-3679-42CE-90C9-217D2AD38BBC}" type="slidenum">
+              <a:rPr lang="en-US" smtClean="0"/>
+              <a:t>‹N›</a:t>
+            </a:fld>
+            <a:endParaRPr lang="en-US"/>
+          </a:p>
+        </p:txBody>
+      </p:sp>
+    </p:spTree>
+    <p:extLst>
+      <p:ext uri="{BB962C8B-B14F-4D97-AF65-F5344CB8AC3E}">
+        <p14:creationId xmlns:p14="http://schemas.microsoft.com/office/powerpoint/2010/main" val="394231868"/>
+      </p:ext>
+    </p:extLst>
+  </p:cSld>
+  <p:clrMapOvr>
+    <a:masterClrMapping/>
+  </p:clrMapOvr>
+</p:sldLayout>
+</file>
+
+<file path=ppt/slideLayouts/slideLayout15.xml><?xml version="1.0" encoding="utf-8"?>
 <p:sldLayout xmlns:a="http://schemas.openxmlformats.org/drawingml/2006/main" xmlns:r="http://schemas.openxmlformats.org/officeDocument/2006/relationships" xmlns:p="http://schemas.openxmlformats.org/presentationml/2006/main" type="vertTx" preserve="1">
   <p:cSld name="Titolo e testo verticale">
     <p:spTree>
@@ -1212,7 +3387,7 @@
           <a:p>
             <a:fld id="{79546B8C-AF94-4D0A-A6DF-58207F78CBCB}" type="datetimeFigureOut">
               <a:rPr lang="en-US" smtClean="0"/>
-              <a:t>5/8/2024</a:t>
+              <a:t>5/13/2024</a:t>
             </a:fld>
             <a:endParaRPr lang="en-US"/>
           </a:p>
@@ -1260,41 +3435,10 @@
           </a:p>
         </p:txBody>
       </p:sp>
-      <p:cxnSp>
-        <p:nvCxnSpPr>
-          <p:cNvPr id="26" name="Straight Connector 25"/>
-          <p:cNvCxnSpPr/>
-          <p:nvPr/>
-        </p:nvCxnSpPr>
-        <p:spPr>
-          <a:xfrm>
-            <a:off x="1453896" y="1847088"/>
-            <a:ext cx="9607522" cy="0"/>
-          </a:xfrm>
-          <a:prstGeom prst="line">
-            <a:avLst/>
-          </a:prstGeom>
-          <a:ln w="31750"/>
-        </p:spPr>
-        <p:style>
-          <a:lnRef idx="3">
-            <a:schemeClr val="accent1"/>
-          </a:lnRef>
-          <a:fillRef idx="0">
-            <a:schemeClr val="accent1"/>
-          </a:fillRef>
-          <a:effectRef idx="2">
-            <a:schemeClr val="accent1"/>
-          </a:effectRef>
-          <a:fontRef idx="minor">
-            <a:schemeClr val="tx1"/>
-          </a:fontRef>
-        </p:style>
-      </p:cxnSp>
     </p:spTree>
     <p:extLst>
       <p:ext uri="{BB962C8B-B14F-4D97-AF65-F5344CB8AC3E}">
-        <p14:creationId xmlns:p14="http://schemas.microsoft.com/office/powerpoint/2010/main" val="636008154"/>
+        <p14:creationId xmlns:p14="http://schemas.microsoft.com/office/powerpoint/2010/main" val="61039498"/>
       </p:ext>
     </p:extLst>
   </p:cSld>
@@ -1304,7 +3448,7 @@
 </p:sldLayout>
 </file>
 
-<file path=ppt/slideLayouts/slideLayout11.xml><?xml version="1.0" encoding="utf-8"?>
+<file path=ppt/slideLayouts/slideLayout16.xml><?xml version="1.0" encoding="utf-8"?>
 <p:sldLayout xmlns:a="http://schemas.openxmlformats.org/drawingml/2006/main" xmlns:r="http://schemas.openxmlformats.org/officeDocument/2006/relationships" xmlns:p="http://schemas.openxmlformats.org/presentationml/2006/main" type="vertTitleAndTx" preserve="1">
   <p:cSld name="1_Titolo e testo verticale">
     <p:spTree>
@@ -1333,17 +3477,13 @@
         </p:nvSpPr>
         <p:spPr>
           <a:xfrm>
-            <a:off x="9439111" y="798973"/>
-            <a:ext cx="1615742" cy="4659889"/>
+            <a:off x="7967673" y="609599"/>
+            <a:ext cx="1304743" cy="5251451"/>
           </a:xfrm>
         </p:spPr>
         <p:txBody>
-          <a:bodyPr vert="eaVert"/>
-          <a:lstStyle>
-            <a:lvl1pPr algn="l">
-              <a:defRPr/>
-            </a:lvl1pPr>
-          </a:lstStyle>
+          <a:bodyPr vert="eaVert" anchor="ctr"/>
+          <a:lstStyle/>
           <a:p>
             <a:r>
               <a:rPr lang="it-IT"/>
@@ -1365,8 +3505,8 @@
         </p:nvSpPr>
         <p:spPr>
           <a:xfrm>
-            <a:off x="1444672" y="798973"/>
-            <a:ext cx="7828830" cy="4659889"/>
+            <a:off x="677335" y="609600"/>
+            <a:ext cx="7060150" cy="5251450"/>
           </a:xfrm>
         </p:spPr>
         <p:txBody>
@@ -1427,7 +3567,7 @@
           <a:p>
             <a:fld id="{79546B8C-AF94-4D0A-A6DF-58207F78CBCB}" type="datetimeFigureOut">
               <a:rPr lang="en-US" smtClean="0"/>
-              <a:t>5/8/2024</a:t>
+              <a:t>5/13/2024</a:t>
             </a:fld>
             <a:endParaRPr lang="en-US"/>
           </a:p>
@@ -1475,41 +3615,10 @@
           </a:p>
         </p:txBody>
       </p:sp>
-      <p:cxnSp>
-        <p:nvCxnSpPr>
-          <p:cNvPr id="15" name="Straight Connector 14"/>
-          <p:cNvCxnSpPr/>
-          <p:nvPr/>
-        </p:nvCxnSpPr>
-        <p:spPr>
-          <a:xfrm>
-            <a:off x="9439111" y="798973"/>
-            <a:ext cx="0" cy="4659889"/>
-          </a:xfrm>
-          <a:prstGeom prst="line">
-            <a:avLst/>
-          </a:prstGeom>
-          <a:ln w="31750"/>
-        </p:spPr>
-        <p:style>
-          <a:lnRef idx="3">
-            <a:schemeClr val="accent1"/>
-          </a:lnRef>
-          <a:fillRef idx="0">
-            <a:schemeClr val="accent1"/>
-          </a:fillRef>
-          <a:effectRef idx="2">
-            <a:schemeClr val="accent1"/>
-          </a:effectRef>
-          <a:fontRef idx="minor">
-            <a:schemeClr val="tx1"/>
-          </a:fontRef>
-        </p:style>
-      </p:cxnSp>
     </p:spTree>
     <p:extLst>
       <p:ext uri="{BB962C8B-B14F-4D97-AF65-F5344CB8AC3E}">
-        <p14:creationId xmlns:p14="http://schemas.microsoft.com/office/powerpoint/2010/main" val="2873559143"/>
+        <p14:creationId xmlns:p14="http://schemas.microsoft.com/office/powerpoint/2010/main" val="1738264442"/>
       </p:ext>
     </p:extLst>
   </p:cSld>
@@ -1571,7 +3680,7 @@
         </p:nvSpPr>
         <p:spPr/>
         <p:txBody>
-          <a:bodyPr anchor="t"/>
+          <a:bodyPr/>
           <a:lstStyle/>
           <a:p>
             <a:pPr lvl="0"/>
@@ -1628,7 +3737,7 @@
           <a:p>
             <a:fld id="{79546B8C-AF94-4D0A-A6DF-58207F78CBCB}" type="datetimeFigureOut">
               <a:rPr lang="en-US" smtClean="0"/>
-              <a:t>5/8/2024</a:t>
+              <a:t>5/13/2024</a:t>
             </a:fld>
             <a:endParaRPr lang="en-US"/>
           </a:p>
@@ -1676,41 +3785,10 @@
           </a:p>
         </p:txBody>
       </p:sp>
-      <p:cxnSp>
-        <p:nvCxnSpPr>
-          <p:cNvPr id="33" name="Straight Connector 32"/>
-          <p:cNvCxnSpPr/>
-          <p:nvPr/>
-        </p:nvCxnSpPr>
-        <p:spPr>
-          <a:xfrm>
-            <a:off x="1453896" y="1847088"/>
-            <a:ext cx="9607522" cy="0"/>
-          </a:xfrm>
-          <a:prstGeom prst="line">
-            <a:avLst/>
-          </a:prstGeom>
-          <a:ln w="31750"/>
-        </p:spPr>
-        <p:style>
-          <a:lnRef idx="3">
-            <a:schemeClr val="accent1"/>
-          </a:lnRef>
-          <a:fillRef idx="0">
-            <a:schemeClr val="accent1"/>
-          </a:fillRef>
-          <a:effectRef idx="2">
-            <a:schemeClr val="accent1"/>
-          </a:effectRef>
-          <a:fontRef idx="minor">
-            <a:schemeClr val="tx1"/>
-          </a:fontRef>
-        </p:style>
-      </p:cxnSp>
     </p:spTree>
     <p:extLst>
       <p:ext uri="{BB962C8B-B14F-4D97-AF65-F5344CB8AC3E}">
-        <p14:creationId xmlns:p14="http://schemas.microsoft.com/office/powerpoint/2010/main" val="1181782022"/>
+        <p14:creationId xmlns:p14="http://schemas.microsoft.com/office/powerpoint/2010/main" val="984945538"/>
       </p:ext>
     </p:extLst>
   </p:cSld>
@@ -1749,17 +3827,15 @@
         </p:nvSpPr>
         <p:spPr>
           <a:xfrm>
-            <a:off x="1454239" y="1756130"/>
-            <a:ext cx="8643154" cy="1887950"/>
+            <a:off x="677335" y="2700867"/>
+            <a:ext cx="8596668" cy="1826581"/>
           </a:xfrm>
         </p:spPr>
         <p:txBody>
-          <a:bodyPr anchor="b">
-            <a:normAutofit/>
-          </a:bodyPr>
+          <a:bodyPr anchor="b"/>
           <a:lstStyle>
             <a:lvl1pPr algn="l">
-              <a:defRPr sz="3600"/>
+              <a:defRPr sz="4000" b="0" cap="none"/>
             </a:lvl1pPr>
           </a:lstStyle>
           <a:p>
@@ -1783,20 +3859,21 @@
         </p:nvSpPr>
         <p:spPr>
           <a:xfrm>
-            <a:off x="1454239" y="3806195"/>
-            <a:ext cx="8630446" cy="1012929"/>
+            <a:off x="677335" y="4527448"/>
+            <a:ext cx="8596668" cy="860400"/>
           </a:xfrm>
         </p:spPr>
         <p:txBody>
-          <a:bodyPr tIns="91440">
-            <a:normAutofit/>
-          </a:bodyPr>
+          <a:bodyPr anchor="t"/>
           <a:lstStyle>
             <a:lvl1pPr marL="0" indent="0" algn="l">
               <a:buNone/>
-              <a:defRPr sz="1800">
+              <a:defRPr sz="2000">
                 <a:solidFill>
-                  <a:schemeClr val="tx1"/>
+                  <a:schemeClr val="tx1">
+                    <a:lumMod val="50000"/>
+                    <a:lumOff val="50000"/>
+                  </a:schemeClr>
                 </a:solidFill>
               </a:defRPr>
             </a:lvl1pPr>
@@ -1812,7 +3889,7 @@
             </a:lvl2pPr>
             <a:lvl3pPr marL="914400" indent="0">
               <a:buNone/>
-              <a:defRPr sz="1800">
+              <a:defRPr sz="1600">
                 <a:solidFill>
                   <a:schemeClr val="tx1">
                     <a:tint val="75000"/>
@@ -1822,7 +3899,7 @@
             </a:lvl3pPr>
             <a:lvl4pPr marL="1371600" indent="0">
               <a:buNone/>
-              <a:defRPr sz="1600">
+              <a:defRPr sz="1400">
                 <a:solidFill>
                   <a:schemeClr val="tx1">
                     <a:tint val="75000"/>
@@ -1832,7 +3909,7 @@
             </a:lvl4pPr>
             <a:lvl5pPr marL="1828800" indent="0">
               <a:buNone/>
-              <a:defRPr sz="1600">
+              <a:defRPr sz="1400">
                 <a:solidFill>
                   <a:schemeClr val="tx1">
                     <a:tint val="75000"/>
@@ -1842,7 +3919,7 @@
             </a:lvl5pPr>
             <a:lvl6pPr marL="2286000" indent="0">
               <a:buNone/>
-              <a:defRPr sz="1600">
+              <a:defRPr sz="1400">
                 <a:solidFill>
                   <a:schemeClr val="tx1">
                     <a:tint val="75000"/>
@@ -1852,7 +3929,7 @@
             </a:lvl6pPr>
             <a:lvl7pPr marL="2743200" indent="0">
               <a:buNone/>
-              <a:defRPr sz="1600">
+              <a:defRPr sz="1400">
                 <a:solidFill>
                   <a:schemeClr val="tx1">
                     <a:tint val="75000"/>
@@ -1862,7 +3939,7 @@
             </a:lvl7pPr>
             <a:lvl8pPr marL="3200400" indent="0">
               <a:buNone/>
-              <a:defRPr sz="1600">
+              <a:defRPr sz="1400">
                 <a:solidFill>
                   <a:schemeClr val="tx1">
                     <a:tint val="75000"/>
@@ -1872,7 +3949,7 @@
             </a:lvl8pPr>
             <a:lvl9pPr marL="3657600" indent="0">
               <a:buNone/>
-              <a:defRPr sz="1600">
+              <a:defRPr sz="1400">
                 <a:solidFill>
                   <a:schemeClr val="tx1">
                     <a:tint val="75000"/>
@@ -1907,7 +3984,7 @@
           <a:p>
             <a:fld id="{79546B8C-AF94-4D0A-A6DF-58207F78CBCB}" type="datetimeFigureOut">
               <a:rPr lang="en-US" smtClean="0"/>
-              <a:t>5/8/2024</a:t>
+              <a:t>5/13/2024</a:t>
             </a:fld>
             <a:endParaRPr lang="en-US"/>
           </a:p>
@@ -1955,41 +4032,10 @@
           </a:p>
         </p:txBody>
       </p:sp>
-      <p:cxnSp>
-        <p:nvCxnSpPr>
-          <p:cNvPr id="15" name="Straight Connector 14"/>
-          <p:cNvCxnSpPr/>
-          <p:nvPr/>
-        </p:nvCxnSpPr>
-        <p:spPr>
-          <a:xfrm>
-            <a:off x="1454239" y="3804985"/>
-            <a:ext cx="8630446" cy="0"/>
-          </a:xfrm>
-          <a:prstGeom prst="line">
-            <a:avLst/>
-          </a:prstGeom>
-          <a:ln w="31750"/>
-        </p:spPr>
-        <p:style>
-          <a:lnRef idx="3">
-            <a:schemeClr val="accent1"/>
-          </a:lnRef>
-          <a:fillRef idx="0">
-            <a:schemeClr val="accent1"/>
-          </a:fillRef>
-          <a:effectRef idx="2">
-            <a:schemeClr val="accent1"/>
-          </a:effectRef>
-          <a:fontRef idx="minor">
-            <a:schemeClr val="tx1"/>
-          </a:fontRef>
-        </p:style>
-      </p:cxnSp>
     </p:spTree>
     <p:extLst>
       <p:ext uri="{BB962C8B-B14F-4D97-AF65-F5344CB8AC3E}">
-        <p14:creationId xmlns:p14="http://schemas.microsoft.com/office/powerpoint/2010/main" val="4030172900"/>
+        <p14:creationId xmlns:p14="http://schemas.microsoft.com/office/powerpoint/2010/main" val="3935746451"/>
       </p:ext>
     </p:extLst>
   </p:cSld>
@@ -2026,19 +4072,71 @@
             <p:ph type="title"/>
           </p:nvPr>
         </p:nvSpPr>
+        <p:spPr/>
+        <p:txBody>
+          <a:bodyPr/>
+          <a:lstStyle/>
+          <a:p>
+            <a:r>
+              <a:rPr lang="it-IT"/>
+              <a:t>Fare clic per modificare lo stile del titolo dello schema</a:t>
+            </a:r>
+            <a:endParaRPr lang="en-US" dirty="0"/>
+          </a:p>
+        </p:txBody>
+      </p:sp>
+      <p:sp>
+        <p:nvSpPr>
+          <p:cNvPr id="3" name="Content Placeholder 2"/>
+          <p:cNvSpPr>
+            <a:spLocks noGrp="1"/>
+          </p:cNvSpPr>
+          <p:nvPr>
+            <p:ph sz="half" idx="1"/>
+          </p:nvPr>
+        </p:nvSpPr>
         <p:spPr>
           <a:xfrm>
-            <a:off x="1449217" y="804889"/>
-            <a:ext cx="9605635" cy="1059305"/>
+            <a:off x="677334" y="2160589"/>
+            <a:ext cx="4184035" cy="3880772"/>
           </a:xfrm>
         </p:spPr>
         <p:txBody>
           <a:bodyPr/>
           <a:lstStyle/>
           <a:p>
+            <a:pPr lvl="0"/>
             <a:r>
               <a:rPr lang="it-IT"/>
-              <a:t>Fare clic per modificare lo stile del titolo dello schema</a:t>
+              <a:t>Fare clic per modificare gli stili del testo dello schema</a:t>
+            </a:r>
+          </a:p>
+          <a:p>
+            <a:pPr lvl="1"/>
+            <a:r>
+              <a:rPr lang="it-IT"/>
+              <a:t>Secondo livello</a:t>
+            </a:r>
+          </a:p>
+          <a:p>
+            <a:pPr lvl="2"/>
+            <a:r>
+              <a:rPr lang="it-IT"/>
+              <a:t>Terzo livello</a:t>
+            </a:r>
+          </a:p>
+          <a:p>
+            <a:pPr lvl="3"/>
+            <a:r>
+              <a:rPr lang="it-IT"/>
+              <a:t>Quarto livello</a:t>
+            </a:r>
+          </a:p>
+          <a:p>
+            <a:pPr lvl="4"/>
+            <a:r>
+              <a:rPr lang="it-IT"/>
+              <a:t>Quinto livello</a:t>
             </a:r>
             <a:endParaRPr lang="en-US" dirty="0"/>
           </a:p>
@@ -2046,18 +4144,18 @@
       </p:sp>
       <p:sp>
         <p:nvSpPr>
-          <p:cNvPr id="3" name="Content Placeholder 2"/>
-          <p:cNvSpPr>
-            <a:spLocks noGrp="1"/>
-          </p:cNvSpPr>
-          <p:nvPr>
-            <p:ph sz="half" idx="1"/>
+          <p:cNvPr id="4" name="Content Placeholder 3"/>
+          <p:cNvSpPr>
+            <a:spLocks noGrp="1"/>
+          </p:cNvSpPr>
+          <p:nvPr>
+            <p:ph sz="half" idx="2"/>
           </p:nvPr>
         </p:nvSpPr>
         <p:spPr>
           <a:xfrm>
-            <a:off x="1447331" y="2010878"/>
-            <a:ext cx="4645152" cy="3448595"/>
+            <a:off x="5089970" y="2160589"/>
+            <a:ext cx="4184034" cy="3880773"/>
           </a:xfrm>
         </p:spPr>
         <p:txBody>
@@ -2103,63 +4201,6 @@
       </p:sp>
       <p:sp>
         <p:nvSpPr>
-          <p:cNvPr id="4" name="Content Placeholder 3"/>
-          <p:cNvSpPr>
-            <a:spLocks noGrp="1"/>
-          </p:cNvSpPr>
-          <p:nvPr>
-            <p:ph sz="half" idx="2"/>
-          </p:nvPr>
-        </p:nvSpPr>
-        <p:spPr>
-          <a:xfrm>
-            <a:off x="6413771" y="2017343"/>
-            <a:ext cx="4645152" cy="3441520"/>
-          </a:xfrm>
-        </p:spPr>
-        <p:txBody>
-          <a:bodyPr/>
-          <a:lstStyle/>
-          <a:p>
-            <a:pPr lvl="0"/>
-            <a:r>
-              <a:rPr lang="it-IT"/>
-              <a:t>Fare clic per modificare gli stili del testo dello schema</a:t>
-            </a:r>
-          </a:p>
-          <a:p>
-            <a:pPr lvl="1"/>
-            <a:r>
-              <a:rPr lang="it-IT"/>
-              <a:t>Secondo livello</a:t>
-            </a:r>
-          </a:p>
-          <a:p>
-            <a:pPr lvl="2"/>
-            <a:r>
-              <a:rPr lang="it-IT"/>
-              <a:t>Terzo livello</a:t>
-            </a:r>
-          </a:p>
-          <a:p>
-            <a:pPr lvl="3"/>
-            <a:r>
-              <a:rPr lang="it-IT"/>
-              <a:t>Quarto livello</a:t>
-            </a:r>
-          </a:p>
-          <a:p>
-            <a:pPr lvl="4"/>
-            <a:r>
-              <a:rPr lang="it-IT"/>
-              <a:t>Quinto livello</a:t>
-            </a:r>
-            <a:endParaRPr lang="en-US" dirty="0"/>
-          </a:p>
-        </p:txBody>
-      </p:sp>
-      <p:sp>
-        <p:nvSpPr>
           <p:cNvPr id="5" name="Date Placeholder 4"/>
           <p:cNvSpPr>
             <a:spLocks noGrp="1"/>
@@ -2175,7 +4216,7 @@
           <a:p>
             <a:fld id="{79546B8C-AF94-4D0A-A6DF-58207F78CBCB}" type="datetimeFigureOut">
               <a:rPr lang="en-US" smtClean="0"/>
-              <a:t>5/8/2024</a:t>
+              <a:t>5/13/2024</a:t>
             </a:fld>
             <a:endParaRPr lang="en-US"/>
           </a:p>
@@ -2223,41 +4264,10 @@
           </a:p>
         </p:txBody>
       </p:sp>
-      <p:cxnSp>
-        <p:nvCxnSpPr>
-          <p:cNvPr id="35" name="Straight Connector 34"/>
-          <p:cNvCxnSpPr/>
-          <p:nvPr/>
-        </p:nvCxnSpPr>
-        <p:spPr>
-          <a:xfrm>
-            <a:off x="1453896" y="1847088"/>
-            <a:ext cx="9607522" cy="0"/>
-          </a:xfrm>
-          <a:prstGeom prst="line">
-            <a:avLst/>
-          </a:prstGeom>
-          <a:ln w="31750"/>
-        </p:spPr>
-        <p:style>
-          <a:lnRef idx="3">
-            <a:schemeClr val="accent1"/>
-          </a:lnRef>
-          <a:fillRef idx="0">
-            <a:schemeClr val="accent1"/>
-          </a:fillRef>
-          <a:effectRef idx="2">
-            <a:schemeClr val="accent1"/>
-          </a:effectRef>
-          <a:fontRef idx="minor">
-            <a:schemeClr val="tx1"/>
-          </a:fontRef>
-        </p:style>
-      </p:cxnSp>
     </p:spTree>
     <p:extLst>
       <p:ext uri="{BB962C8B-B14F-4D97-AF65-F5344CB8AC3E}">
-        <p14:creationId xmlns:p14="http://schemas.microsoft.com/office/powerpoint/2010/main" val="1986887"/>
+        <p14:creationId xmlns:p14="http://schemas.microsoft.com/office/powerpoint/2010/main" val="1239706143"/>
       </p:ext>
     </p:extLst>
   </p:cSld>
@@ -2294,55 +4304,47 @@
             <p:ph type="title"/>
           </p:nvPr>
         </p:nvSpPr>
+        <p:spPr/>
+        <p:txBody>
+          <a:bodyPr/>
+          <a:lstStyle>
+            <a:lvl1pPr>
+              <a:defRPr/>
+            </a:lvl1pPr>
+          </a:lstStyle>
+          <a:p>
+            <a:r>
+              <a:rPr lang="it-IT"/>
+              <a:t>Fare clic per modificare lo stile del titolo dello schema</a:t>
+            </a:r>
+            <a:endParaRPr lang="en-US" dirty="0"/>
+          </a:p>
+        </p:txBody>
+      </p:sp>
+      <p:sp>
+        <p:nvSpPr>
+          <p:cNvPr id="3" name="Text Placeholder 2"/>
+          <p:cNvSpPr>
+            <a:spLocks noGrp="1"/>
+          </p:cNvSpPr>
+          <p:nvPr>
+            <p:ph type="body" idx="1"/>
+          </p:nvPr>
+        </p:nvSpPr>
         <p:spPr>
           <a:xfrm>
-            <a:off x="1447191" y="804163"/>
-            <a:ext cx="9607661" cy="1056319"/>
+            <a:off x="675745" y="2160983"/>
+            <a:ext cx="4185623" cy="576262"/>
           </a:xfrm>
         </p:spPr>
         <p:txBody>
-          <a:bodyPr/>
-          <a:lstStyle/>
-          <a:p>
-            <a:r>
-              <a:rPr lang="it-IT"/>
-              <a:t>Fare clic per modificare lo stile del titolo dello schema</a:t>
-            </a:r>
-            <a:endParaRPr lang="en-US" dirty="0"/>
-          </a:p>
-        </p:txBody>
-      </p:sp>
-      <p:sp>
-        <p:nvSpPr>
-          <p:cNvPr id="3" name="Text Placeholder 2"/>
-          <p:cNvSpPr>
-            <a:spLocks noGrp="1"/>
-          </p:cNvSpPr>
-          <p:nvPr>
-            <p:ph type="body" idx="1"/>
-          </p:nvPr>
-        </p:nvSpPr>
-        <p:spPr>
-          <a:xfrm>
-            <a:off x="1447191" y="2019549"/>
-            <a:ext cx="4645152" cy="801943"/>
-          </a:xfrm>
-        </p:spPr>
-        <p:txBody>
           <a:bodyPr anchor="b">
-            <a:normAutofit/>
+            <a:noAutofit/>
           </a:bodyPr>
           <a:lstStyle>
             <a:lvl1pPr marL="0" indent="0">
-              <a:lnSpc>
-                <a:spcPct val="100000"/>
-              </a:lnSpc>
-              <a:buNone/>
-              <a:defRPr sz="2200" b="0" cap="all" baseline="0">
-                <a:solidFill>
-                  <a:schemeClr val="accent1"/>
-                </a:solidFill>
-              </a:defRPr>
+              <a:buNone/>
+              <a:defRPr sz="2400" b="0"/>
             </a:lvl1pPr>
             <a:lvl2pPr marL="457200" indent="0">
               <a:buNone/>
@@ -2398,12 +4400,14 @@
         </p:nvSpPr>
         <p:spPr>
           <a:xfrm>
-            <a:off x="1447191" y="2824269"/>
-            <a:ext cx="4645152" cy="2644457"/>
+            <a:off x="675745" y="2737245"/>
+            <a:ext cx="4185623" cy="3304117"/>
           </a:xfrm>
         </p:spPr>
         <p:txBody>
-          <a:bodyPr/>
+          <a:bodyPr>
+            <a:normAutofit/>
+          </a:bodyPr>
           <a:lstStyle/>
           <a:p>
             <a:pPr lvl="0"/>
@@ -2455,25 +4459,18 @@
         </p:nvSpPr>
         <p:spPr>
           <a:xfrm>
-            <a:off x="6412362" y="2023003"/>
-            <a:ext cx="4645152" cy="802237"/>
+            <a:off x="5088383" y="2160983"/>
+            <a:ext cx="4185618" cy="576262"/>
           </a:xfrm>
         </p:spPr>
         <p:txBody>
           <a:bodyPr anchor="b">
-            <a:normAutofit/>
+            <a:noAutofit/>
           </a:bodyPr>
           <a:lstStyle>
             <a:lvl1pPr marL="0" indent="0">
-              <a:lnSpc>
-                <a:spcPct val="100000"/>
-              </a:lnSpc>
-              <a:buNone/>
-              <a:defRPr sz="2200" b="0" cap="all" baseline="0">
-                <a:solidFill>
-                  <a:schemeClr val="accent1"/>
-                </a:solidFill>
-              </a:defRPr>
+              <a:buNone/>
+              <a:defRPr sz="2400" b="0"/>
             </a:lvl1pPr>
             <a:lvl2pPr marL="457200" indent="0">
               <a:buNone/>
@@ -2529,12 +4526,14 @@
         </p:nvSpPr>
         <p:spPr>
           <a:xfrm>
-            <a:off x="6412362" y="2821491"/>
-            <a:ext cx="4645152" cy="2637371"/>
+            <a:off x="5088384" y="2737245"/>
+            <a:ext cx="4185617" cy="3304117"/>
           </a:xfrm>
         </p:spPr>
         <p:txBody>
-          <a:bodyPr/>
+          <a:bodyPr>
+            <a:normAutofit/>
+          </a:bodyPr>
           <a:lstStyle/>
           <a:p>
             <a:pPr lvl="0"/>
@@ -2591,7 +4590,7 @@
           <a:p>
             <a:fld id="{79546B8C-AF94-4D0A-A6DF-58207F78CBCB}" type="datetimeFigureOut">
               <a:rPr lang="en-US" smtClean="0"/>
-              <a:t>5/8/2024</a:t>
+              <a:t>5/13/2024</a:t>
             </a:fld>
             <a:endParaRPr lang="en-US"/>
           </a:p>
@@ -2639,41 +4638,10 @@
           </a:p>
         </p:txBody>
       </p:sp>
-      <p:cxnSp>
-        <p:nvCxnSpPr>
-          <p:cNvPr id="29" name="Straight Connector 28"/>
-          <p:cNvCxnSpPr/>
-          <p:nvPr/>
-        </p:nvCxnSpPr>
-        <p:spPr>
-          <a:xfrm>
-            <a:off x="1453896" y="1847088"/>
-            <a:ext cx="9607522" cy="0"/>
-          </a:xfrm>
-          <a:prstGeom prst="line">
-            <a:avLst/>
-          </a:prstGeom>
-          <a:ln w="31750"/>
-        </p:spPr>
-        <p:style>
-          <a:lnRef idx="3">
-            <a:schemeClr val="accent1"/>
-          </a:lnRef>
-          <a:fillRef idx="0">
-            <a:schemeClr val="accent1"/>
-          </a:fillRef>
-          <a:effectRef idx="2">
-            <a:schemeClr val="accent1"/>
-          </a:effectRef>
-          <a:fontRef idx="minor">
-            <a:schemeClr val="tx1"/>
-          </a:fontRef>
-        </p:style>
-      </p:cxnSp>
     </p:spTree>
     <p:extLst>
       <p:ext uri="{BB962C8B-B14F-4D97-AF65-F5344CB8AC3E}">
-        <p14:creationId xmlns:p14="http://schemas.microsoft.com/office/powerpoint/2010/main" val="441573494"/>
+        <p14:creationId xmlns:p14="http://schemas.microsoft.com/office/powerpoint/2010/main" val="2563966450"/>
       </p:ext>
     </p:extLst>
   </p:cSld>
@@ -2710,7 +4678,12 @@
             <p:ph type="title"/>
           </p:nvPr>
         </p:nvSpPr>
-        <p:spPr/>
+        <p:spPr>
+          <a:xfrm>
+            <a:off x="677334" y="609600"/>
+            <a:ext cx="8596668" cy="1320800"/>
+          </a:xfrm>
+        </p:spPr>
         <p:txBody>
           <a:bodyPr/>
           <a:lstStyle/>
@@ -2740,7 +4713,7 @@
           <a:p>
             <a:fld id="{79546B8C-AF94-4D0A-A6DF-58207F78CBCB}" type="datetimeFigureOut">
               <a:rPr lang="en-US" smtClean="0"/>
-              <a:t>5/8/2024</a:t>
+              <a:t>5/13/2024</a:t>
             </a:fld>
             <a:endParaRPr lang="en-US"/>
           </a:p>
@@ -2788,41 +4761,10 @@
           </a:p>
         </p:txBody>
       </p:sp>
-      <p:cxnSp>
-        <p:nvCxnSpPr>
-          <p:cNvPr id="25" name="Straight Connector 24"/>
-          <p:cNvCxnSpPr/>
-          <p:nvPr/>
-        </p:nvCxnSpPr>
-        <p:spPr>
-          <a:xfrm>
-            <a:off x="1453896" y="1847088"/>
-            <a:ext cx="9607522" cy="0"/>
-          </a:xfrm>
-          <a:prstGeom prst="line">
-            <a:avLst/>
-          </a:prstGeom>
-          <a:ln w="31750"/>
-        </p:spPr>
-        <p:style>
-          <a:lnRef idx="3">
-            <a:schemeClr val="accent1"/>
-          </a:lnRef>
-          <a:fillRef idx="0">
-            <a:schemeClr val="accent1"/>
-          </a:fillRef>
-          <a:effectRef idx="2">
-            <a:schemeClr val="accent1"/>
-          </a:effectRef>
-          <a:fontRef idx="minor">
-            <a:schemeClr val="tx1"/>
-          </a:fontRef>
-        </p:style>
-      </p:cxnSp>
     </p:spTree>
     <p:extLst>
       <p:ext uri="{BB962C8B-B14F-4D97-AF65-F5344CB8AC3E}">
-        <p14:creationId xmlns:p14="http://schemas.microsoft.com/office/powerpoint/2010/main" val="379888436"/>
+        <p14:creationId xmlns:p14="http://schemas.microsoft.com/office/powerpoint/2010/main" val="2143804915"/>
       </p:ext>
     </p:extLst>
   </p:cSld>
@@ -2866,7 +4808,7 @@
           <a:p>
             <a:fld id="{79546B8C-AF94-4D0A-A6DF-58207F78CBCB}" type="datetimeFigureOut">
               <a:rPr lang="en-US" smtClean="0"/>
-              <a:t>5/8/2024</a:t>
+              <a:t>5/13/2024</a:t>
             </a:fld>
             <a:endParaRPr lang="en-US"/>
           </a:p>
@@ -2917,7 +4859,7 @@
     </p:spTree>
     <p:extLst>
       <p:ext uri="{BB962C8B-B14F-4D97-AF65-F5344CB8AC3E}">
-        <p14:creationId xmlns:p14="http://schemas.microsoft.com/office/powerpoint/2010/main" val="1739013538"/>
+        <p14:creationId xmlns:p14="http://schemas.microsoft.com/office/powerpoint/2010/main" val="3837395892"/>
       </p:ext>
     </p:extLst>
   </p:cSld>
@@ -2956,8 +4898,8 @@
         </p:nvSpPr>
         <p:spPr>
           <a:xfrm>
-            <a:off x="1444671" y="798973"/>
-            <a:ext cx="3273099" cy="2247117"/>
+            <a:off x="677334" y="1498604"/>
+            <a:ext cx="3854528" cy="1278466"/>
           </a:xfrm>
         </p:spPr>
         <p:txBody>
@@ -2965,8 +4907,8 @@
             <a:normAutofit/>
           </a:bodyPr>
           <a:lstStyle>
-            <a:lvl1pPr algn="l">
-              <a:defRPr sz="2400"/>
+            <a:lvl1pPr>
+              <a:defRPr sz="2000"/>
             </a:lvl1pPr>
           </a:lstStyle>
           <a:p>
@@ -2990,12 +4932,14 @@
         </p:nvSpPr>
         <p:spPr>
           <a:xfrm>
-            <a:off x="5043714" y="798974"/>
-            <a:ext cx="6012470" cy="4658826"/>
+            <a:off x="4760461" y="514924"/>
+            <a:ext cx="4513541" cy="5526437"/>
           </a:xfrm>
         </p:spPr>
         <p:txBody>
-          <a:bodyPr anchor="ctr"/>
+          <a:bodyPr>
+            <a:normAutofit/>
+          </a:bodyPr>
           <a:lstStyle/>
           <a:p>
             <a:pPr lvl="0"/>
@@ -3047,46 +4991,48 @@
         </p:nvSpPr>
         <p:spPr>
           <a:xfrm>
-            <a:off x="1444671" y="3205491"/>
-            <a:ext cx="3275013" cy="2248181"/>
+            <a:off x="677334" y="2777069"/>
+            <a:ext cx="3854528" cy="2584449"/>
           </a:xfrm>
         </p:spPr>
         <p:txBody>
-          <a:bodyPr/>
+          <a:bodyPr>
+            <a:normAutofit/>
+          </a:bodyPr>
           <a:lstStyle>
-            <a:lvl1pPr marL="0" indent="0" algn="l">
-              <a:buNone/>
-              <a:defRPr sz="1600"/>
+            <a:lvl1pPr marL="0" indent="0">
+              <a:buNone/>
+              <a:defRPr sz="1400"/>
             </a:lvl1pPr>
-            <a:lvl2pPr marL="457200" indent="0">
+            <a:lvl2pPr marL="457063" indent="0">
               <a:buNone/>
               <a:defRPr sz="1400"/>
             </a:lvl2pPr>
-            <a:lvl3pPr marL="914400" indent="0">
+            <a:lvl3pPr marL="914126" indent="0">
               <a:buNone/>
               <a:defRPr sz="1200"/>
             </a:lvl3pPr>
-            <a:lvl4pPr marL="1371600" indent="0">
+            <a:lvl4pPr marL="1371189" indent="0">
               <a:buNone/>
               <a:defRPr sz="1000"/>
             </a:lvl4pPr>
-            <a:lvl5pPr marL="1828800" indent="0">
+            <a:lvl5pPr marL="1828251" indent="0">
               <a:buNone/>
               <a:defRPr sz="1000"/>
             </a:lvl5pPr>
-            <a:lvl6pPr marL="2286000" indent="0">
+            <a:lvl6pPr marL="2285314" indent="0">
               <a:buNone/>
               <a:defRPr sz="1000"/>
             </a:lvl6pPr>
-            <a:lvl7pPr marL="2743200" indent="0">
+            <a:lvl7pPr marL="2742377" indent="0">
               <a:buNone/>
               <a:defRPr sz="1000"/>
             </a:lvl7pPr>
-            <a:lvl8pPr marL="3200400" indent="0">
+            <a:lvl8pPr marL="3199440" indent="0">
               <a:buNone/>
               <a:defRPr sz="1000"/>
             </a:lvl8pPr>
-            <a:lvl9pPr marL="3657600" indent="0">
+            <a:lvl9pPr marL="3656503" indent="0">
               <a:buNone/>
               <a:defRPr sz="1000"/>
             </a:lvl9pPr>
@@ -3117,7 +5063,7 @@
           <a:p>
             <a:fld id="{79546B8C-AF94-4D0A-A6DF-58207F78CBCB}" type="datetimeFigureOut">
               <a:rPr lang="en-US" smtClean="0"/>
-              <a:t>5/8/2024</a:t>
+              <a:t>5/13/2024</a:t>
             </a:fld>
             <a:endParaRPr lang="en-US"/>
           </a:p>
@@ -3165,41 +5111,10 @@
           </a:p>
         </p:txBody>
       </p:sp>
-      <p:cxnSp>
-        <p:nvCxnSpPr>
-          <p:cNvPr id="17" name="Straight Connector 16"/>
-          <p:cNvCxnSpPr/>
-          <p:nvPr/>
-        </p:nvCxnSpPr>
-        <p:spPr>
-          <a:xfrm>
-            <a:off x="1448280" y="3205491"/>
-            <a:ext cx="3269490" cy="0"/>
-          </a:xfrm>
-          <a:prstGeom prst="line">
-            <a:avLst/>
-          </a:prstGeom>
-          <a:ln w="31750"/>
-        </p:spPr>
-        <p:style>
-          <a:lnRef idx="3">
-            <a:schemeClr val="accent1"/>
-          </a:lnRef>
-          <a:fillRef idx="0">
-            <a:schemeClr val="accent1"/>
-          </a:fillRef>
-          <a:effectRef idx="2">
-            <a:schemeClr val="accent1"/>
-          </a:effectRef>
-          <a:fontRef idx="minor">
-            <a:schemeClr val="tx1"/>
-          </a:fontRef>
-        </p:style>
-      </p:cxnSp>
     </p:spTree>
     <p:extLst>
       <p:ext uri="{BB962C8B-B14F-4D97-AF65-F5344CB8AC3E}">
-        <p14:creationId xmlns:p14="http://schemas.microsoft.com/office/powerpoint/2010/main" val="168978071"/>
+        <p14:creationId xmlns:p14="http://schemas.microsoft.com/office/powerpoint/2010/main" val="3152612134"/>
       </p:ext>
     </p:extLst>
   </p:cSld>
@@ -3226,62 +5141,409 @@
           <a:chExt cx="0" cy="0"/>
         </a:xfrm>
       </p:grpSpPr>
+      <p:sp>
+        <p:nvSpPr>
+          <p:cNvPr id="2" name="Title 1"/>
+          <p:cNvSpPr>
+            <a:spLocks noGrp="1"/>
+          </p:cNvSpPr>
+          <p:nvPr>
+            <p:ph type="title"/>
+          </p:nvPr>
+        </p:nvSpPr>
+        <p:spPr>
+          <a:xfrm>
+            <a:off x="677334" y="4800600"/>
+            <a:ext cx="8596667" cy="566738"/>
+          </a:xfrm>
+        </p:spPr>
+        <p:txBody>
+          <a:bodyPr anchor="b">
+            <a:normAutofit/>
+          </a:bodyPr>
+          <a:lstStyle>
+            <a:lvl1pPr algn="l">
+              <a:defRPr sz="2400" b="0"/>
+            </a:lvl1pPr>
+          </a:lstStyle>
+          <a:p>
+            <a:r>
+              <a:rPr lang="it-IT"/>
+              <a:t>Fare clic per modificare lo stile del titolo dello schema</a:t>
+            </a:r>
+            <a:endParaRPr lang="en-US" dirty="0"/>
+          </a:p>
+        </p:txBody>
+      </p:sp>
+      <p:sp>
+        <p:nvSpPr>
+          <p:cNvPr id="3" name="Picture Placeholder 2"/>
+          <p:cNvSpPr>
+            <a:spLocks noGrp="1" noChangeAspect="1"/>
+          </p:cNvSpPr>
+          <p:nvPr>
+            <p:ph type="pic" idx="1"/>
+          </p:nvPr>
+        </p:nvSpPr>
+        <p:spPr>
+          <a:xfrm>
+            <a:off x="677334" y="609600"/>
+            <a:ext cx="8596668" cy="3845718"/>
+          </a:xfrm>
+        </p:spPr>
+        <p:txBody>
+          <a:bodyPr anchor="t">
+            <a:normAutofit/>
+          </a:bodyPr>
+          <a:lstStyle>
+            <a:lvl1pPr marL="0" indent="0" algn="ctr">
+              <a:buNone/>
+              <a:defRPr sz="1600"/>
+            </a:lvl1pPr>
+            <a:lvl2pPr marL="457200" indent="0">
+              <a:buNone/>
+              <a:defRPr sz="1600"/>
+            </a:lvl2pPr>
+            <a:lvl3pPr marL="914400" indent="0">
+              <a:buNone/>
+              <a:defRPr sz="1600"/>
+            </a:lvl3pPr>
+            <a:lvl4pPr marL="1371600" indent="0">
+              <a:buNone/>
+              <a:defRPr sz="1600"/>
+            </a:lvl4pPr>
+            <a:lvl5pPr marL="1828800" indent="0">
+              <a:buNone/>
+              <a:defRPr sz="1600"/>
+            </a:lvl5pPr>
+            <a:lvl6pPr marL="2286000" indent="0">
+              <a:buNone/>
+              <a:defRPr sz="1600"/>
+            </a:lvl6pPr>
+            <a:lvl7pPr marL="2743200" indent="0">
+              <a:buNone/>
+              <a:defRPr sz="1600"/>
+            </a:lvl7pPr>
+            <a:lvl8pPr marL="3200400" indent="0">
+              <a:buNone/>
+              <a:defRPr sz="1600"/>
+            </a:lvl8pPr>
+            <a:lvl9pPr marL="3657600" indent="0">
+              <a:buNone/>
+              <a:defRPr sz="1600"/>
+            </a:lvl9pPr>
+          </a:lstStyle>
+          <a:p>
+            <a:r>
+              <a:rPr lang="it-IT"/>
+              <a:t>Fare clic sull'icona per inserire un'immagine</a:t>
+            </a:r>
+            <a:endParaRPr lang="en-US" dirty="0"/>
+          </a:p>
+        </p:txBody>
+      </p:sp>
+      <p:sp>
+        <p:nvSpPr>
+          <p:cNvPr id="4" name="Text Placeholder 3"/>
+          <p:cNvSpPr>
+            <a:spLocks noGrp="1"/>
+          </p:cNvSpPr>
+          <p:nvPr>
+            <p:ph type="body" sz="half" idx="2"/>
+          </p:nvPr>
+        </p:nvSpPr>
+        <p:spPr>
+          <a:xfrm>
+            <a:off x="677334" y="5367338"/>
+            <a:ext cx="8596667" cy="674024"/>
+          </a:xfrm>
+        </p:spPr>
+        <p:txBody>
+          <a:bodyPr>
+            <a:normAutofit/>
+          </a:bodyPr>
+          <a:lstStyle>
+            <a:lvl1pPr marL="0" indent="0">
+              <a:buNone/>
+              <a:defRPr sz="1200"/>
+            </a:lvl1pPr>
+            <a:lvl2pPr marL="457200" indent="0">
+              <a:buNone/>
+              <a:defRPr sz="1200"/>
+            </a:lvl2pPr>
+            <a:lvl3pPr marL="914400" indent="0">
+              <a:buNone/>
+              <a:defRPr sz="1000"/>
+            </a:lvl3pPr>
+            <a:lvl4pPr marL="1371600" indent="0">
+              <a:buNone/>
+              <a:defRPr sz="900"/>
+            </a:lvl4pPr>
+            <a:lvl5pPr marL="1828800" indent="0">
+              <a:buNone/>
+              <a:defRPr sz="900"/>
+            </a:lvl5pPr>
+            <a:lvl6pPr marL="2286000" indent="0">
+              <a:buNone/>
+              <a:defRPr sz="900"/>
+            </a:lvl6pPr>
+            <a:lvl7pPr marL="2743200" indent="0">
+              <a:buNone/>
+              <a:defRPr sz="900"/>
+            </a:lvl7pPr>
+            <a:lvl8pPr marL="3200400" indent="0">
+              <a:buNone/>
+              <a:defRPr sz="900"/>
+            </a:lvl8pPr>
+            <a:lvl9pPr marL="3657600" indent="0">
+              <a:buNone/>
+              <a:defRPr sz="900"/>
+            </a:lvl9pPr>
+          </a:lstStyle>
+          <a:p>
+            <a:pPr lvl="0"/>
+            <a:r>
+              <a:rPr lang="it-IT"/>
+              <a:t>Fare clic per modificare gli stili del testo dello schema</a:t>
+            </a:r>
+          </a:p>
+        </p:txBody>
+      </p:sp>
+      <p:sp>
+        <p:nvSpPr>
+          <p:cNvPr id="6" name="Footer Placeholder 5"/>
+          <p:cNvSpPr>
+            <a:spLocks noGrp="1"/>
+          </p:cNvSpPr>
+          <p:nvPr>
+            <p:ph type="ftr" sz="quarter" idx="11"/>
+          </p:nvPr>
+        </p:nvSpPr>
+        <p:spPr/>
+        <p:txBody>
+          <a:bodyPr/>
+          <a:lstStyle/>
+          <a:p>
+            <a:endParaRPr lang="en-US"/>
+          </a:p>
+        </p:txBody>
+      </p:sp>
+      <p:sp>
+        <p:nvSpPr>
+          <p:cNvPr id="7" name="Slide Number Placeholder 6"/>
+          <p:cNvSpPr>
+            <a:spLocks noGrp="1"/>
+          </p:cNvSpPr>
+          <p:nvPr>
+            <p:ph type="sldNum" sz="quarter" idx="12"/>
+          </p:nvPr>
+        </p:nvSpPr>
+        <p:spPr/>
+        <p:txBody>
+          <a:bodyPr/>
+          <a:lstStyle/>
+          <a:p>
+            <a:fld id="{E54C31AE-3679-42CE-90C9-217D2AD38BBC}" type="slidenum">
+              <a:rPr lang="en-US" smtClean="0"/>
+              <a:t>‹N›</a:t>
+            </a:fld>
+            <a:endParaRPr lang="en-US"/>
+          </a:p>
+        </p:txBody>
+      </p:sp>
+      <p:sp>
+        <p:nvSpPr>
+          <p:cNvPr id="5" name="Date Placeholder 4"/>
+          <p:cNvSpPr>
+            <a:spLocks noGrp="1"/>
+          </p:cNvSpPr>
+          <p:nvPr>
+            <p:ph type="dt" sz="half" idx="10"/>
+          </p:nvPr>
+        </p:nvSpPr>
+        <p:spPr/>
+        <p:txBody>
+          <a:bodyPr/>
+          <a:lstStyle/>
+          <a:p>
+            <a:fld id="{79546B8C-AF94-4D0A-A6DF-58207F78CBCB}" type="datetimeFigureOut">
+              <a:rPr lang="en-US" smtClean="0"/>
+              <a:t>5/13/2024</a:t>
+            </a:fld>
+            <a:endParaRPr lang="en-US"/>
+          </a:p>
+        </p:txBody>
+      </p:sp>
+    </p:spTree>
+    <p:extLst>
+      <p:ext uri="{BB962C8B-B14F-4D97-AF65-F5344CB8AC3E}">
+        <p14:creationId xmlns:p14="http://schemas.microsoft.com/office/powerpoint/2010/main" val="1839133886"/>
+      </p:ext>
+    </p:extLst>
+  </p:cSld>
+  <p:clrMapOvr>
+    <a:masterClrMapping/>
+  </p:clrMapOvr>
+</p:sldLayout>
+</file>
+
+<file path=ppt/slideMasters/slideMaster1.xml><?xml version="1.0" encoding="utf-8"?>
+<p:sldMaster xmlns:a="http://schemas.openxmlformats.org/drawingml/2006/main" xmlns:r="http://schemas.openxmlformats.org/officeDocument/2006/relationships" xmlns:p="http://schemas.openxmlformats.org/presentationml/2006/main">
+  <p:cSld>
+    <p:bg>
+      <p:bgRef idx="1001">
+        <a:schemeClr val="bg1"/>
+      </p:bgRef>
+    </p:bg>
+    <p:spTree>
+      <p:nvGrpSpPr>
+        <p:cNvPr id="1" name=""/>
+        <p:cNvGrpSpPr/>
+        <p:nvPr/>
+      </p:nvGrpSpPr>
+      <p:grpSpPr>
+        <a:xfrm>
+          <a:off x="0" y="0"/>
+          <a:ext cx="0" cy="0"/>
+          <a:chOff x="0" y="0"/>
+          <a:chExt cx="0" cy="0"/>
+        </a:xfrm>
+      </p:grpSpPr>
       <p:grpSp>
         <p:nvGrpSpPr>
-          <p:cNvPr id="8" name="Group 7"/>
+          <p:cNvPr id="44" name="Group 43"/>
           <p:cNvGrpSpPr/>
           <p:nvPr/>
         </p:nvGrpSpPr>
         <p:grpSpPr>
           <a:xfrm>
-            <a:off x="7477387" y="482170"/>
-            <a:ext cx="4074533" cy="5149101"/>
-            <a:chOff x="7477387" y="482170"/>
-            <a:chExt cx="4074533" cy="5149101"/>
+            <a:off x="0" y="-8467"/>
+            <a:ext cx="12192000" cy="6866467"/>
+            <a:chOff x="0" y="-8467"/>
+            <a:chExt cx="12192000" cy="6866467"/>
           </a:xfrm>
         </p:grpSpPr>
+        <p:cxnSp>
+          <p:nvCxnSpPr>
+            <p:cNvPr id="20" name="Straight Connector 19"/>
+            <p:cNvCxnSpPr/>
+            <p:nvPr/>
+          </p:nvCxnSpPr>
+          <p:spPr>
+            <a:xfrm>
+              <a:off x="9371012" y="0"/>
+              <a:ext cx="1219200" cy="6858000"/>
+            </a:xfrm>
+            <a:prstGeom prst="line">
+              <a:avLst/>
+            </a:prstGeom>
+            <a:ln w="9525">
+              <a:solidFill>
+                <a:schemeClr val="accent1">
+                  <a:alpha val="70000"/>
+                </a:schemeClr>
+              </a:solidFill>
+            </a:ln>
+          </p:spPr>
+          <p:style>
+            <a:lnRef idx="2">
+              <a:schemeClr val="accent1"/>
+            </a:lnRef>
+            <a:fillRef idx="0">
+              <a:schemeClr val="accent1"/>
+            </a:fillRef>
+            <a:effectRef idx="1">
+              <a:schemeClr val="accent1"/>
+            </a:effectRef>
+            <a:fontRef idx="minor">
+              <a:schemeClr val="tx1"/>
+            </a:fontRef>
+          </p:style>
+        </p:cxnSp>
+        <p:cxnSp>
+          <p:nvCxnSpPr>
+            <p:cNvPr id="21" name="Straight Connector 20"/>
+            <p:cNvCxnSpPr/>
+            <p:nvPr/>
+          </p:nvCxnSpPr>
+          <p:spPr>
+            <a:xfrm flipH="1">
+              <a:off x="7425267" y="3681413"/>
+              <a:ext cx="4763558" cy="3176587"/>
+            </a:xfrm>
+            <a:prstGeom prst="line">
+              <a:avLst/>
+            </a:prstGeom>
+            <a:ln w="9525">
+              <a:solidFill>
+                <a:schemeClr val="accent1">
+                  <a:alpha val="70000"/>
+                </a:schemeClr>
+              </a:solidFill>
+            </a:ln>
+          </p:spPr>
+          <p:style>
+            <a:lnRef idx="2">
+              <a:schemeClr val="accent1"/>
+            </a:lnRef>
+            <a:fillRef idx="0">
+              <a:schemeClr val="accent1"/>
+            </a:fillRef>
+            <a:effectRef idx="1">
+              <a:schemeClr val="accent1"/>
+            </a:effectRef>
+            <a:fontRef idx="minor">
+              <a:schemeClr val="tx1"/>
+            </a:fontRef>
+          </p:style>
+        </p:cxnSp>
         <p:sp>
           <p:nvSpPr>
-            <p:cNvPr id="18" name="Rectangle 17"/>
+            <p:cNvPr id="22" name="Rectangle 23"/>
             <p:cNvSpPr/>
             <p:nvPr/>
           </p:nvSpPr>
-          <p:spPr bwMode="black">
+          <p:spPr>
             <a:xfrm>
-              <a:off x="7477387" y="482170"/>
-              <a:ext cx="4074533" cy="5149101"/>
+              <a:off x="9181476" y="-8467"/>
+              <a:ext cx="3007349" cy="6866467"/>
             </a:xfrm>
-            <a:prstGeom prst="rect">
+            <a:custGeom>
               <a:avLst/>
-            </a:prstGeom>
-            <a:gradFill>
-              <a:gsLst>
-                <a:gs pos="0">
-                  <a:srgbClr val="000001"/>
-                </a:gs>
-                <a:gs pos="100000">
-                  <a:srgbClr val="191919"/>
-                </a:gs>
-              </a:gsLst>
-            </a:gradFill>
-            <a:ln w="76200" cmpd="sng">
+              <a:gdLst/>
+              <a:ahLst/>
+              <a:cxnLst/>
+              <a:rect l="l" t="t" r="r" b="b"/>
+              <a:pathLst>
+                <a:path w="3007349" h="6866467">
+                  <a:moveTo>
+                    <a:pt x="2045532" y="0"/>
+                  </a:moveTo>
+                  <a:lnTo>
+                    <a:pt x="3007349" y="0"/>
+                  </a:lnTo>
+                  <a:lnTo>
+                    <a:pt x="3007349" y="6866467"/>
+                  </a:lnTo>
+                  <a:lnTo>
+                    <a:pt x="0" y="6866467"/>
+                  </a:lnTo>
+                  <a:lnTo>
+                    <a:pt x="2045532" y="0"/>
+                  </a:lnTo>
+                  <a:close/>
+                </a:path>
+              </a:pathLst>
+            </a:custGeom>
+            <a:solidFill>
+              <a:schemeClr val="accent1">
+                <a:alpha val="36000"/>
+              </a:schemeClr>
+            </a:solidFill>
+            <a:ln>
               <a:noFill/>
-              <a:miter lim="800000"/>
             </a:ln>
-            <a:effectLst>
-              <a:outerShdw blurRad="127000" dist="228600" dir="4740000" sx="98000" sy="98000" algn="tl" rotWithShape="0">
-                <a:srgbClr val="000000">
-                  <a:alpha val="34000"/>
-                </a:srgbClr>
-              </a:outerShdw>
-            </a:effectLst>
-            <a:scene3d>
-              <a:camera prst="orthographicFront"/>
-              <a:lightRig rig="threePt" dir="t"/>
-            </a:scene3d>
-            <a:sp3d>
-              <a:bevelT w="152400" h="50800" prst="softRound"/>
-            </a:sp3d>
+            <a:effectLst/>
           </p:spPr>
           <p:style>
             <a:lnRef idx="1">
@@ -3300,49 +5562,367 @@
         </p:sp>
         <p:sp>
           <p:nvSpPr>
-            <p:cNvPr id="19" name="Rectangle 18"/>
+            <p:cNvPr id="23" name="Rectangle 25"/>
             <p:cNvSpPr/>
             <p:nvPr/>
           </p:nvSpPr>
-          <p:spPr bwMode="blackWhite">
+          <p:spPr>
             <a:xfrm>
-              <a:off x="7790446" y="812506"/>
-              <a:ext cx="3450289" cy="4466452"/>
+              <a:off x="9603442" y="-8467"/>
+              <a:ext cx="2588558" cy="6866467"/>
             </a:xfrm>
-            <a:prstGeom prst="rect">
+            <a:custGeom>
               <a:avLst/>
+              <a:gdLst/>
+              <a:ahLst/>
+              <a:cxnLst/>
+              <a:rect l="l" t="t" r="r" b="b"/>
+              <a:pathLst>
+                <a:path w="2573311" h="6866467">
+                  <a:moveTo>
+                    <a:pt x="0" y="0"/>
+                  </a:moveTo>
+                  <a:lnTo>
+                    <a:pt x="2573311" y="0"/>
+                  </a:lnTo>
+                  <a:lnTo>
+                    <a:pt x="2573311" y="6866467"/>
+                  </a:lnTo>
+                  <a:lnTo>
+                    <a:pt x="1202336" y="6866467"/>
+                  </a:lnTo>
+                  <a:lnTo>
+                    <a:pt x="0" y="0"/>
+                  </a:lnTo>
+                  <a:close/>
+                </a:path>
+              </a:pathLst>
+            </a:custGeom>
+            <a:solidFill>
+              <a:schemeClr val="accent1">
+                <a:alpha val="20000"/>
+              </a:schemeClr>
+            </a:solidFill>
+            <a:ln>
+              <a:noFill/>
+            </a:ln>
+            <a:effectLst/>
+          </p:spPr>
+          <p:style>
+            <a:lnRef idx="1">
+              <a:schemeClr val="accent1"/>
+            </a:lnRef>
+            <a:fillRef idx="3">
+              <a:schemeClr val="accent1"/>
+            </a:fillRef>
+            <a:effectRef idx="2">
+              <a:schemeClr val="accent1"/>
+            </a:effectRef>
+            <a:fontRef idx="minor">
+              <a:schemeClr val="lt1"/>
+            </a:fontRef>
+          </p:style>
+        </p:sp>
+        <p:sp>
+          <p:nvSpPr>
+            <p:cNvPr id="24" name="Isosceles Triangle 23"/>
+            <p:cNvSpPr/>
+            <p:nvPr/>
+          </p:nvSpPr>
+          <p:spPr>
+            <a:xfrm>
+              <a:off x="8932333" y="3048000"/>
+              <a:ext cx="3259667" cy="3810000"/>
+            </a:xfrm>
+            <a:prstGeom prst="triangle">
+              <a:avLst>
+                <a:gd name="adj" fmla="val 100000"/>
+              </a:avLst>
             </a:prstGeom>
-            <a:gradFill>
-              <a:gsLst>
-                <a:gs pos="0">
-                  <a:srgbClr val="DADADA"/>
-                </a:gs>
-                <a:gs pos="100000">
-                  <a:srgbClr val="FFFFFE"/>
-                </a:gs>
-              </a:gsLst>
-              <a:lin ang="16200000" scaled="0"/>
-            </a:gradFill>
-            <a:ln w="50800" cmpd="sng">
-              <a:solidFill>
-                <a:srgbClr val="191919"/>
-              </a:solidFill>
-              <a:miter lim="800000"/>
+            <a:solidFill>
+              <a:schemeClr val="accent1">
+                <a:lumMod val="75000"/>
+                <a:alpha val="66000"/>
+              </a:schemeClr>
+            </a:solidFill>
+            <a:ln>
+              <a:noFill/>
             </a:ln>
-            <a:effectLst>
-              <a:innerShdw blurRad="63500" dist="88900" dir="14100000">
-                <a:srgbClr val="000000">
-                  <a:alpha val="30000"/>
-                </a:srgbClr>
-              </a:innerShdw>
-            </a:effectLst>
-            <a:scene3d>
-              <a:camera prst="orthographicFront"/>
-              <a:lightRig rig="threePt" dir="t"/>
-            </a:scene3d>
-            <a:sp3d>
-              <a:bevelT prst="relaxedInset"/>
-            </a:sp3d>
+            <a:effectLst/>
+          </p:spPr>
+          <p:style>
+            <a:lnRef idx="1">
+              <a:schemeClr val="accent1"/>
+            </a:lnRef>
+            <a:fillRef idx="3">
+              <a:schemeClr val="accent1"/>
+            </a:fillRef>
+            <a:effectRef idx="2">
+              <a:schemeClr val="accent1"/>
+            </a:effectRef>
+            <a:fontRef idx="minor">
+              <a:schemeClr val="lt1"/>
+            </a:fontRef>
+          </p:style>
+        </p:sp>
+        <p:sp>
+          <p:nvSpPr>
+            <p:cNvPr id="25" name="Rectangle 27"/>
+            <p:cNvSpPr/>
+            <p:nvPr/>
+          </p:nvSpPr>
+          <p:spPr>
+            <a:xfrm>
+              <a:off x="9334500" y="-8467"/>
+              <a:ext cx="2854326" cy="6866467"/>
+            </a:xfrm>
+            <a:custGeom>
+              <a:avLst/>
+              <a:gdLst/>
+              <a:ahLst/>
+              <a:cxnLst/>
+              <a:rect l="l" t="t" r="r" b="b"/>
+              <a:pathLst>
+                <a:path w="2858013" h="6866467">
+                  <a:moveTo>
+                    <a:pt x="0" y="0"/>
+                  </a:moveTo>
+                  <a:lnTo>
+                    <a:pt x="2858013" y="0"/>
+                  </a:lnTo>
+                  <a:lnTo>
+                    <a:pt x="2858013" y="6866467"/>
+                  </a:lnTo>
+                  <a:lnTo>
+                    <a:pt x="2473942" y="6866467"/>
+                  </a:lnTo>
+                  <a:lnTo>
+                    <a:pt x="0" y="0"/>
+                  </a:lnTo>
+                  <a:close/>
+                </a:path>
+              </a:pathLst>
+            </a:custGeom>
+            <a:solidFill>
+              <a:schemeClr val="accent1">
+                <a:lumMod val="75000"/>
+                <a:alpha val="50000"/>
+              </a:schemeClr>
+            </a:solidFill>
+            <a:ln>
+              <a:noFill/>
+            </a:ln>
+            <a:effectLst/>
+          </p:spPr>
+          <p:style>
+            <a:lnRef idx="1">
+              <a:schemeClr val="accent1"/>
+            </a:lnRef>
+            <a:fillRef idx="3">
+              <a:schemeClr val="accent1"/>
+            </a:fillRef>
+            <a:effectRef idx="2">
+              <a:schemeClr val="accent1"/>
+            </a:effectRef>
+            <a:fontRef idx="minor">
+              <a:schemeClr val="lt1"/>
+            </a:fontRef>
+          </p:style>
+        </p:sp>
+        <p:sp>
+          <p:nvSpPr>
+            <p:cNvPr id="26" name="Rectangle 28"/>
+            <p:cNvSpPr/>
+            <p:nvPr/>
+          </p:nvSpPr>
+          <p:spPr>
+            <a:xfrm>
+              <a:off x="10898730" y="-8467"/>
+              <a:ext cx="1290094" cy="6866467"/>
+            </a:xfrm>
+            <a:custGeom>
+              <a:avLst/>
+              <a:gdLst/>
+              <a:ahLst/>
+              <a:cxnLst/>
+              <a:rect l="l" t="t" r="r" b="b"/>
+              <a:pathLst>
+                <a:path w="1290094" h="6858000">
+                  <a:moveTo>
+                    <a:pt x="1019735" y="0"/>
+                  </a:moveTo>
+                  <a:lnTo>
+                    <a:pt x="1290094" y="0"/>
+                  </a:lnTo>
+                  <a:lnTo>
+                    <a:pt x="1290094" y="6858000"/>
+                  </a:lnTo>
+                  <a:lnTo>
+                    <a:pt x="0" y="6858000"/>
+                  </a:lnTo>
+                  <a:lnTo>
+                    <a:pt x="1019735" y="0"/>
+                  </a:lnTo>
+                  <a:close/>
+                </a:path>
+              </a:pathLst>
+            </a:custGeom>
+            <a:solidFill>
+              <a:schemeClr val="accent2">
+                <a:alpha val="70000"/>
+              </a:schemeClr>
+            </a:solidFill>
+            <a:ln>
+              <a:noFill/>
+            </a:ln>
+            <a:effectLst/>
+          </p:spPr>
+          <p:style>
+            <a:lnRef idx="1">
+              <a:schemeClr val="accent1"/>
+            </a:lnRef>
+            <a:fillRef idx="3">
+              <a:schemeClr val="accent1"/>
+            </a:fillRef>
+            <a:effectRef idx="2">
+              <a:schemeClr val="accent1"/>
+            </a:effectRef>
+            <a:fontRef idx="minor">
+              <a:schemeClr val="lt1"/>
+            </a:fontRef>
+          </p:style>
+        </p:sp>
+        <p:sp>
+          <p:nvSpPr>
+            <p:cNvPr id="27" name="Rectangle 29"/>
+            <p:cNvSpPr/>
+            <p:nvPr/>
+          </p:nvSpPr>
+          <p:spPr>
+            <a:xfrm>
+              <a:off x="10938999" y="-8467"/>
+              <a:ext cx="1249825" cy="6866467"/>
+            </a:xfrm>
+            <a:custGeom>
+              <a:avLst/>
+              <a:gdLst/>
+              <a:ahLst/>
+              <a:cxnLst/>
+              <a:rect l="l" t="t" r="r" b="b"/>
+              <a:pathLst>
+                <a:path w="1249825" h="6858000">
+                  <a:moveTo>
+                    <a:pt x="0" y="0"/>
+                  </a:moveTo>
+                  <a:lnTo>
+                    <a:pt x="1249825" y="0"/>
+                  </a:lnTo>
+                  <a:lnTo>
+                    <a:pt x="1249825" y="6858000"/>
+                  </a:lnTo>
+                  <a:lnTo>
+                    <a:pt x="1109382" y="6858000"/>
+                  </a:lnTo>
+                  <a:lnTo>
+                    <a:pt x="0" y="0"/>
+                  </a:lnTo>
+                  <a:close/>
+                </a:path>
+              </a:pathLst>
+            </a:custGeom>
+            <a:solidFill>
+              <a:schemeClr val="accent2">
+                <a:lumMod val="75000"/>
+                <a:alpha val="80000"/>
+              </a:schemeClr>
+            </a:solidFill>
+            <a:ln>
+              <a:noFill/>
+            </a:ln>
+            <a:effectLst/>
+          </p:spPr>
+          <p:style>
+            <a:lnRef idx="1">
+              <a:schemeClr val="accent1"/>
+            </a:lnRef>
+            <a:fillRef idx="3">
+              <a:schemeClr val="accent1"/>
+            </a:fillRef>
+            <a:effectRef idx="2">
+              <a:schemeClr val="accent1"/>
+            </a:effectRef>
+            <a:fontRef idx="minor">
+              <a:schemeClr val="lt1"/>
+            </a:fontRef>
+          </p:style>
+        </p:sp>
+        <p:sp>
+          <p:nvSpPr>
+            <p:cNvPr id="28" name="Isosceles Triangle 27"/>
+            <p:cNvSpPr/>
+            <p:nvPr/>
+          </p:nvSpPr>
+          <p:spPr>
+            <a:xfrm>
+              <a:off x="10371666" y="3589867"/>
+              <a:ext cx="1817159" cy="3268133"/>
+            </a:xfrm>
+            <a:prstGeom prst="triangle">
+              <a:avLst>
+                <a:gd name="adj" fmla="val 100000"/>
+              </a:avLst>
+            </a:prstGeom>
+            <a:solidFill>
+              <a:schemeClr val="accent1">
+                <a:lumMod val="75000"/>
+                <a:alpha val="66000"/>
+              </a:schemeClr>
+            </a:solidFill>
+            <a:ln>
+              <a:noFill/>
+            </a:ln>
+            <a:effectLst/>
+          </p:spPr>
+          <p:style>
+            <a:lnRef idx="1">
+              <a:schemeClr val="accent1"/>
+            </a:lnRef>
+            <a:fillRef idx="3">
+              <a:schemeClr val="accent1"/>
+            </a:fillRef>
+            <a:effectRef idx="2">
+              <a:schemeClr val="accent1"/>
+            </a:effectRef>
+            <a:fontRef idx="minor">
+              <a:schemeClr val="lt1"/>
+            </a:fontRef>
+          </p:style>
+        </p:sp>
+        <p:sp>
+          <p:nvSpPr>
+            <p:cNvPr id="19" name="Isosceles Triangle 18"/>
+            <p:cNvSpPr/>
+            <p:nvPr/>
+          </p:nvSpPr>
+          <p:spPr>
+            <a:xfrm>
+              <a:off x="0" y="4013200"/>
+              <a:ext cx="448733" cy="2844800"/>
+            </a:xfrm>
+            <a:prstGeom prst="triangle">
+              <a:avLst>
+                <a:gd name="adj" fmla="val 0"/>
+              </a:avLst>
+            </a:prstGeom>
+            <a:solidFill>
+              <a:schemeClr val="accent1">
+                <a:alpha val="70000"/>
+              </a:schemeClr>
+            </a:solidFill>
+            <a:ln>
+              <a:noFill/>
+            </a:ln>
+            <a:effectLst/>
           </p:spPr>
           <p:style>
             <a:lnRef idx="1">
@@ -3362,7 +5942,7 @@
       </p:grpSp>
       <p:sp>
         <p:nvSpPr>
-          <p:cNvPr id="2" name="Title 1"/>
+          <p:cNvPr id="2" name="Title Placeholder 1"/>
           <p:cNvSpPr>
             <a:spLocks noGrp="1"/>
           </p:cNvSpPr>
@@ -3372,421 +5952,84 @@
         </p:nvSpPr>
         <p:spPr>
           <a:xfrm>
-            <a:off x="1451206" y="1129513"/>
-            <a:ext cx="5532328" cy="1830584"/>
-          </a:xfrm>
-        </p:spPr>
-        <p:txBody>
-          <a:bodyPr anchor="b">
-            <a:normAutofit/>
-          </a:bodyPr>
-          <a:lstStyle>
-            <a:lvl1pPr>
-              <a:defRPr sz="3200"/>
-            </a:lvl1pPr>
-          </a:lstStyle>
-          <a:p>
-            <a:r>
-              <a:rPr lang="it-IT"/>
-              <a:t>Fare clic per modificare lo stile del titolo dello schema</a:t>
-            </a:r>
-            <a:endParaRPr lang="en-US" dirty="0"/>
-          </a:p>
-        </p:txBody>
-      </p:sp>
-      <p:sp>
-        <p:nvSpPr>
-          <p:cNvPr id="3" name="Picture Placeholder 2"/>
-          <p:cNvSpPr>
-            <a:spLocks noGrp="1" noChangeAspect="1"/>
-          </p:cNvSpPr>
-          <p:nvPr>
-            <p:ph type="pic" idx="1"/>
-          </p:nvPr>
-        </p:nvSpPr>
-        <p:spPr>
-          <a:xfrm>
-            <a:off x="8124389" y="1122542"/>
-            <a:ext cx="2791171" cy="3866327"/>
-          </a:xfrm>
-          <a:solidFill>
-            <a:schemeClr val="bg1">
-              <a:lumMod val="85000"/>
-            </a:schemeClr>
-          </a:solidFill>
-          <a:ln w="9525" cap="sq">
-            <a:noFill/>
-            <a:miter lim="800000"/>
-          </a:ln>
-          <a:effectLst/>
-        </p:spPr>
-        <p:txBody>
-          <a:bodyPr anchor="t"/>
-          <a:lstStyle>
-            <a:lvl1pPr marL="0" indent="0" algn="ctr">
-              <a:buNone/>
-              <a:defRPr sz="3200"/>
-            </a:lvl1pPr>
-            <a:lvl2pPr marL="457200" indent="0">
-              <a:buNone/>
-              <a:defRPr sz="2800"/>
-            </a:lvl2pPr>
-            <a:lvl3pPr marL="914400" indent="0">
-              <a:buNone/>
-              <a:defRPr sz="2400"/>
-            </a:lvl3pPr>
-            <a:lvl4pPr marL="1371600" indent="0">
-              <a:buNone/>
-              <a:defRPr sz="2000"/>
-            </a:lvl4pPr>
-            <a:lvl5pPr marL="1828800" indent="0">
-              <a:buNone/>
-              <a:defRPr sz="2000"/>
-            </a:lvl5pPr>
-            <a:lvl6pPr marL="2286000" indent="0">
-              <a:buNone/>
-              <a:defRPr sz="2000"/>
-            </a:lvl6pPr>
-            <a:lvl7pPr marL="2743200" indent="0">
-              <a:buNone/>
-              <a:defRPr sz="2000"/>
-            </a:lvl7pPr>
-            <a:lvl8pPr marL="3200400" indent="0">
-              <a:buNone/>
-              <a:defRPr sz="2000"/>
-            </a:lvl8pPr>
-            <a:lvl9pPr marL="3657600" indent="0">
-              <a:buNone/>
-              <a:defRPr sz="2000"/>
-            </a:lvl9pPr>
-          </a:lstStyle>
-          <a:p>
-            <a:r>
-              <a:rPr lang="it-IT"/>
-              <a:t>Fare clic sull'icona per inserire un'immagine</a:t>
-            </a:r>
-            <a:endParaRPr lang="en-US" dirty="0"/>
-          </a:p>
-        </p:txBody>
-      </p:sp>
-      <p:sp>
-        <p:nvSpPr>
-          <p:cNvPr id="4" name="Text Placeholder 3"/>
-          <p:cNvSpPr>
-            <a:spLocks noGrp="1"/>
-          </p:cNvSpPr>
-          <p:nvPr>
-            <p:ph type="body" sz="half" idx="2"/>
-          </p:nvPr>
-        </p:nvSpPr>
-        <p:spPr>
-          <a:xfrm>
-            <a:off x="1450329" y="3145992"/>
-            <a:ext cx="5524404" cy="2003742"/>
-          </a:xfrm>
-        </p:spPr>
-        <p:txBody>
-          <a:bodyPr>
-            <a:normAutofit/>
-          </a:bodyPr>
-          <a:lstStyle>
-            <a:lvl1pPr marL="0" indent="0" algn="l">
-              <a:buNone/>
-              <a:defRPr sz="1800"/>
-            </a:lvl1pPr>
-            <a:lvl2pPr marL="457200" indent="0">
-              <a:buNone/>
-              <a:defRPr sz="1400"/>
-            </a:lvl2pPr>
-            <a:lvl3pPr marL="914400" indent="0">
-              <a:buNone/>
-              <a:defRPr sz="1200"/>
-            </a:lvl3pPr>
-            <a:lvl4pPr marL="1371600" indent="0">
-              <a:buNone/>
-              <a:defRPr sz="1000"/>
-            </a:lvl4pPr>
-            <a:lvl5pPr marL="1828800" indent="0">
-              <a:buNone/>
-              <a:defRPr sz="1000"/>
-            </a:lvl5pPr>
-            <a:lvl6pPr marL="2286000" indent="0">
-              <a:buNone/>
-              <a:defRPr sz="1000"/>
-            </a:lvl6pPr>
-            <a:lvl7pPr marL="2743200" indent="0">
-              <a:buNone/>
-              <a:defRPr sz="1000"/>
-            </a:lvl7pPr>
-            <a:lvl8pPr marL="3200400" indent="0">
-              <a:buNone/>
-              <a:defRPr sz="1000"/>
-            </a:lvl8pPr>
-            <a:lvl9pPr marL="3657600" indent="0">
-              <a:buNone/>
-              <a:defRPr sz="1000"/>
-            </a:lvl9pPr>
-          </a:lstStyle>
-          <a:p>
-            <a:pPr lvl="0"/>
-            <a:r>
-              <a:rPr lang="it-IT"/>
-              <a:t>Fare clic per modificare gli stili del testo dello schema</a:t>
-            </a:r>
-          </a:p>
-        </p:txBody>
-      </p:sp>
-      <p:sp>
-        <p:nvSpPr>
-          <p:cNvPr id="5" name="Date Placeholder 4"/>
-          <p:cNvSpPr>
-            <a:spLocks noGrp="1"/>
-          </p:cNvSpPr>
-          <p:nvPr>
-            <p:ph type="dt" sz="half" idx="10"/>
-          </p:nvPr>
-        </p:nvSpPr>
-        <p:spPr>
-          <a:xfrm>
-            <a:off x="1447382" y="5469856"/>
-            <a:ext cx="5527351" cy="320123"/>
-          </a:xfrm>
-        </p:spPr>
-        <p:txBody>
-          <a:bodyPr/>
-          <a:lstStyle>
-            <a:lvl1pPr algn="l">
-              <a:defRPr/>
-            </a:lvl1pPr>
-          </a:lstStyle>
-          <a:p>
-            <a:fld id="{79546B8C-AF94-4D0A-A6DF-58207F78CBCB}" type="datetimeFigureOut">
-              <a:rPr lang="en-US" smtClean="0"/>
-              <a:t>5/8/2024</a:t>
-            </a:fld>
-            <a:endParaRPr lang="en-US"/>
-          </a:p>
-        </p:txBody>
-      </p:sp>
-      <p:sp>
-        <p:nvSpPr>
-          <p:cNvPr id="6" name="Footer Placeholder 5"/>
-          <p:cNvSpPr>
-            <a:spLocks noGrp="1"/>
-          </p:cNvSpPr>
-          <p:nvPr>
-            <p:ph type="ftr" sz="quarter" idx="11"/>
-          </p:nvPr>
-        </p:nvSpPr>
-        <p:spPr>
-          <a:xfrm>
-            <a:off x="1447382" y="318640"/>
-            <a:ext cx="5541004" cy="320931"/>
-          </a:xfrm>
-        </p:spPr>
-        <p:txBody>
-          <a:bodyPr/>
-          <a:lstStyle/>
-          <a:p>
-            <a:endParaRPr lang="en-US"/>
-          </a:p>
-        </p:txBody>
-      </p:sp>
-      <p:sp>
-        <p:nvSpPr>
-          <p:cNvPr id="7" name="Slide Number Placeholder 6"/>
-          <p:cNvSpPr>
-            <a:spLocks noGrp="1"/>
-          </p:cNvSpPr>
-          <p:nvPr>
-            <p:ph type="sldNum" sz="quarter" idx="12"/>
-          </p:nvPr>
-        </p:nvSpPr>
-        <p:spPr/>
-        <p:txBody>
-          <a:bodyPr/>
-          <a:lstStyle/>
-          <a:p>
-            <a:fld id="{E54C31AE-3679-42CE-90C9-217D2AD38BBC}" type="slidenum">
-              <a:rPr lang="en-US" smtClean="0"/>
-              <a:t>‹N›</a:t>
-            </a:fld>
-            <a:endParaRPr lang="en-US"/>
-          </a:p>
-        </p:txBody>
-      </p:sp>
-      <p:cxnSp>
-        <p:nvCxnSpPr>
-          <p:cNvPr id="31" name="Straight Connector 30"/>
-          <p:cNvCxnSpPr/>
-          <p:nvPr/>
-        </p:nvCxnSpPr>
-        <p:spPr>
-          <a:xfrm>
-            <a:off x="1447382" y="3143605"/>
-            <a:ext cx="5527351" cy="0"/>
-          </a:xfrm>
-          <a:prstGeom prst="line">
-            <a:avLst/>
-          </a:prstGeom>
-          <a:ln w="31750"/>
-        </p:spPr>
-        <p:style>
-          <a:lnRef idx="3">
-            <a:schemeClr val="accent1"/>
-          </a:lnRef>
-          <a:fillRef idx="0">
-            <a:schemeClr val="accent1"/>
-          </a:fillRef>
-          <a:effectRef idx="2">
-            <a:schemeClr val="accent1"/>
-          </a:effectRef>
-          <a:fontRef idx="minor">
-            <a:schemeClr val="tx1"/>
-          </a:fontRef>
-        </p:style>
-      </p:cxnSp>
-    </p:spTree>
-    <p:extLst>
-      <p:ext uri="{BB962C8B-B14F-4D97-AF65-F5344CB8AC3E}">
-        <p14:creationId xmlns:p14="http://schemas.microsoft.com/office/powerpoint/2010/main" val="3420859053"/>
-      </p:ext>
-    </p:extLst>
-  </p:cSld>
-  <p:clrMapOvr>
-    <a:masterClrMapping/>
-  </p:clrMapOvr>
-</p:sldLayout>
-</file>
-
-<file path=ppt/slideMasters/slideMaster1.xml><?xml version="1.0" encoding="utf-8"?>
-<p:sldMaster xmlns:a="http://schemas.openxmlformats.org/drawingml/2006/main" xmlns:r="http://schemas.openxmlformats.org/officeDocument/2006/relationships" xmlns:p="http://schemas.openxmlformats.org/presentationml/2006/main">
-  <p:cSld>
-    <p:bg>
-      <p:bgRef idx="1003">
-        <a:schemeClr val="bg2"/>
-      </p:bgRef>
-    </p:bg>
-    <p:spTree>
-      <p:nvGrpSpPr>
-        <p:cNvPr id="1" name=""/>
-        <p:cNvGrpSpPr/>
-        <p:nvPr/>
-      </p:nvGrpSpPr>
-      <p:grpSpPr>
-        <a:xfrm>
-          <a:off x="0" y="0"/>
-          <a:ext cx="0" cy="0"/>
-          <a:chOff x="0" y="0"/>
-          <a:chExt cx="0" cy="0"/>
-        </a:xfrm>
-      </p:grpSpPr>
-      <p:sp>
-        <p:nvSpPr>
-          <p:cNvPr id="8" name="Rectangle 7"/>
-          <p:cNvSpPr/>
-          <p:nvPr/>
-        </p:nvSpPr>
-        <p:spPr>
-          <a:xfrm>
-            <a:off x="0" y="2019476"/>
-            <a:ext cx="12192000" cy="4105941"/>
-          </a:xfrm>
-          <a:prstGeom prst="rect">
-            <a:avLst/>
-          </a:prstGeom>
-          <a:gradFill flip="none" rotWithShape="1">
-            <a:gsLst>
-              <a:gs pos="0">
-                <a:schemeClr val="bg2">
-                  <a:alpha val="0"/>
-                </a:schemeClr>
-              </a:gs>
-              <a:gs pos="100000">
-                <a:schemeClr val="bg2"/>
-              </a:gs>
-            </a:gsLst>
-            <a:lin ang="5400000" scaled="0"/>
-            <a:tileRect/>
-          </a:gradFill>
-          <a:ln>
-            <a:noFill/>
-          </a:ln>
-        </p:spPr>
-        <p:style>
-          <a:lnRef idx="2">
-            <a:schemeClr val="accent1">
-              <a:shade val="50000"/>
-            </a:schemeClr>
-          </a:lnRef>
-          <a:fillRef idx="1">
-            <a:schemeClr val="accent1"/>
-          </a:fillRef>
-          <a:effectRef idx="0">
-            <a:schemeClr val="accent1"/>
-          </a:effectRef>
-          <a:fontRef idx="minor">
-            <a:schemeClr val="lt1"/>
-          </a:fontRef>
-        </p:style>
-      </p:sp>
-      <p:pic>
-        <p:nvPicPr>
-          <p:cNvPr id="7" name="Picture 6"/>
-          <p:cNvPicPr>
-            <a:picLocks noChangeAspect="1"/>
-          </p:cNvPicPr>
-          <p:nvPr/>
-        </p:nvPicPr>
-        <p:blipFill rotWithShape="1">
-          <a:blip r:embed="rId13">
-            <a:extLst>
-              <a:ext uri="{28A0092B-C50C-407E-A947-70E740481C1C}">
-                <a14:useLocalDpi xmlns:a14="http://schemas.microsoft.com/office/drawing/2010/main" val="0"/>
-              </a:ext>
-            </a:extLst>
-          </a:blip>
-          <a:srcRect t="1538" b="-1538"/>
-          <a:stretch/>
-        </p:blipFill>
-        <p:spPr bwMode="black">
-          <a:xfrm>
-            <a:off x="0" y="6126480"/>
-            <a:ext cx="12192000" cy="742950"/>
+            <a:off x="677334" y="609600"/>
+            <a:ext cx="8596668" cy="1320800"/>
           </a:xfrm>
           <a:prstGeom prst="rect">
             <a:avLst/>
           </a:prstGeom>
         </p:spPr>
-      </p:pic>
-      <p:sp>
-        <p:nvSpPr>
-          <p:cNvPr id="2" name="Title Placeholder 1"/>
-          <p:cNvSpPr>
-            <a:spLocks noGrp="1"/>
-          </p:cNvSpPr>
-          <p:nvPr>
-            <p:ph type="title"/>
+        <p:txBody>
+          <a:bodyPr vert="horz" lIns="91440" tIns="45720" rIns="91440" bIns="45720" rtlCol="0" anchor="t">
+            <a:normAutofit/>
+          </a:bodyPr>
+          <a:lstStyle/>
+          <a:p>
+            <a:r>
+              <a:rPr lang="it-IT"/>
+              <a:t>Fare clic per modificare lo stile del titolo dello schema</a:t>
+            </a:r>
+            <a:endParaRPr lang="en-US" dirty="0"/>
+          </a:p>
+        </p:txBody>
+      </p:sp>
+      <p:sp>
+        <p:nvSpPr>
+          <p:cNvPr id="3" name="Text Placeholder 2"/>
+          <p:cNvSpPr>
+            <a:spLocks noGrp="1"/>
+          </p:cNvSpPr>
+          <p:nvPr>
+            <p:ph type="body" idx="1"/>
           </p:nvPr>
         </p:nvSpPr>
         <p:spPr>
           <a:xfrm>
-            <a:off x="1451579" y="804519"/>
-            <a:ext cx="9603275" cy="1049235"/>
+            <a:off x="677334" y="2160589"/>
+            <a:ext cx="8596668" cy="3880773"/>
           </a:xfrm>
           <a:prstGeom prst="rect">
             <a:avLst/>
           </a:prstGeom>
         </p:spPr>
         <p:txBody>
-          <a:bodyPr vert="horz" lIns="91440" tIns="45720" rIns="91440" bIns="45720" rtlCol="0" anchor="t">
+          <a:bodyPr vert="horz" lIns="91440" tIns="45720" rIns="91440" bIns="45720" rtlCol="0">
             <a:normAutofit/>
           </a:bodyPr>
           <a:lstStyle/>
           <a:p>
+            <a:pPr lvl="0"/>
             <a:r>
               <a:rPr lang="it-IT"/>
-              <a:t>Fare clic per modificare lo stile del titolo dello schema</a:t>
+              <a:t>Fare clic per modificare gli stili del testo dello schema</a:t>
+            </a:r>
+          </a:p>
+          <a:p>
+            <a:pPr lvl="1"/>
+            <a:r>
+              <a:rPr lang="it-IT"/>
+              <a:t>Secondo livello</a:t>
+            </a:r>
+          </a:p>
+          <a:p>
+            <a:pPr lvl="2"/>
+            <a:r>
+              <a:rPr lang="it-IT"/>
+              <a:t>Terzo livello</a:t>
+            </a:r>
+          </a:p>
+          <a:p>
+            <a:pPr lvl="3"/>
+            <a:r>
+              <a:rPr lang="it-IT"/>
+              <a:t>Quarto livello</a:t>
+            </a:r>
+          </a:p>
+          <a:p>
+            <a:pPr lvl="4"/>
+            <a:r>
+              <a:rPr lang="it-IT"/>
+              <a:t>Quinto livello</a:t>
             </a:r>
             <a:endParaRPr lang="en-US" dirty="0"/>
           </a:p>
@@ -3794,90 +6037,28 @@
       </p:sp>
       <p:sp>
         <p:nvSpPr>
-          <p:cNvPr id="3" name="Text Placeholder 2"/>
-          <p:cNvSpPr>
-            <a:spLocks noGrp="1"/>
-          </p:cNvSpPr>
-          <p:nvPr>
-            <p:ph type="body" idx="1"/>
+          <p:cNvPr id="4" name="Date Placeholder 3"/>
+          <p:cNvSpPr>
+            <a:spLocks noGrp="1"/>
+          </p:cNvSpPr>
+          <p:nvPr>
+            <p:ph type="dt" sz="half" idx="2"/>
           </p:nvPr>
         </p:nvSpPr>
         <p:spPr>
           <a:xfrm>
-            <a:off x="1451579" y="2015732"/>
-            <a:ext cx="9603275" cy="3450613"/>
+            <a:off x="7205133" y="6041362"/>
+            <a:ext cx="911939" cy="365125"/>
           </a:xfrm>
           <a:prstGeom prst="rect">
             <a:avLst/>
           </a:prstGeom>
         </p:spPr>
         <p:txBody>
-          <a:bodyPr vert="horz" lIns="91440" tIns="45720" rIns="91440" bIns="45720" rtlCol="0">
-            <a:normAutofit/>
-          </a:bodyPr>
-          <a:lstStyle/>
-          <a:p>
-            <a:pPr lvl="0"/>
-            <a:r>
-              <a:rPr lang="it-IT"/>
-              <a:t>Fare clic per modificare gli stili del testo dello schema</a:t>
-            </a:r>
-          </a:p>
-          <a:p>
-            <a:pPr lvl="1"/>
-            <a:r>
-              <a:rPr lang="it-IT"/>
-              <a:t>Secondo livello</a:t>
-            </a:r>
-          </a:p>
-          <a:p>
-            <a:pPr lvl="2"/>
-            <a:r>
-              <a:rPr lang="it-IT"/>
-              <a:t>Terzo livello</a:t>
-            </a:r>
-          </a:p>
-          <a:p>
-            <a:pPr lvl="3"/>
-            <a:r>
-              <a:rPr lang="it-IT"/>
-              <a:t>Quarto livello</a:t>
-            </a:r>
-          </a:p>
-          <a:p>
-            <a:pPr lvl="4"/>
-            <a:r>
-              <a:rPr lang="it-IT"/>
-              <a:t>Quinto livello</a:t>
-            </a:r>
-            <a:endParaRPr lang="en-US" dirty="0"/>
-          </a:p>
-        </p:txBody>
-      </p:sp>
-      <p:sp>
-        <p:nvSpPr>
-          <p:cNvPr id="4" name="Date Placeholder 3"/>
-          <p:cNvSpPr>
-            <a:spLocks noGrp="1"/>
-          </p:cNvSpPr>
-          <p:nvPr>
-            <p:ph type="dt" sz="half" idx="2"/>
-          </p:nvPr>
-        </p:nvSpPr>
-        <p:spPr>
-          <a:xfrm>
-            <a:off x="7554138" y="330370"/>
-            <a:ext cx="3500715" cy="309201"/>
-          </a:xfrm>
-          <a:prstGeom prst="rect">
-            <a:avLst/>
-          </a:prstGeom>
-        </p:spPr>
-        <p:txBody>
           <a:bodyPr vert="horz" lIns="91440" tIns="45720" rIns="91440" bIns="45720" rtlCol="0" anchor="ctr"/>
           <a:lstStyle>
             <a:lvl1pPr algn="r">
-              <a:defRPr sz="1000">
+              <a:defRPr sz="900">
                 <a:solidFill>
                   <a:schemeClr val="tx1">
                     <a:tint val="75000"/>
@@ -3889,7 +6070,7 @@
           <a:p>
             <a:fld id="{79546B8C-AF94-4D0A-A6DF-58207F78CBCB}" type="datetimeFigureOut">
               <a:rPr lang="en-US" smtClean="0"/>
-              <a:t>5/8/2024</a:t>
+              <a:t>5/13/2024</a:t>
             </a:fld>
             <a:endParaRPr lang="en-US"/>
           </a:p>
@@ -3907,8 +6088,8 @@
         </p:nvSpPr>
         <p:spPr>
           <a:xfrm>
-            <a:off x="1451579" y="329307"/>
-            <a:ext cx="5938836" cy="309201"/>
+            <a:off x="677334" y="6041362"/>
+            <a:ext cx="6297612" cy="365125"/>
           </a:xfrm>
           <a:prstGeom prst="rect">
             <a:avLst/>
@@ -3918,7 +6099,7 @@
           <a:bodyPr vert="horz" lIns="91440" tIns="45720" rIns="91440" bIns="45720" rtlCol="0" anchor="ctr"/>
           <a:lstStyle>
             <a:lvl1pPr algn="l">
-              <a:defRPr sz="1000">
+              <a:defRPr sz="900">
                 <a:solidFill>
                   <a:schemeClr val="tx1">
                     <a:tint val="75000"/>
@@ -3944,18 +6125,18 @@
         </p:nvSpPr>
         <p:spPr>
           <a:xfrm>
-            <a:off x="480060" y="798973"/>
-            <a:ext cx="811019" cy="503578"/>
+            <a:off x="8590663" y="6041362"/>
+            <a:ext cx="683339" cy="365125"/>
           </a:xfrm>
           <a:prstGeom prst="rect">
             <a:avLst/>
           </a:prstGeom>
         </p:spPr>
         <p:txBody>
-          <a:bodyPr vert="horz" lIns="91440" tIns="45720" rIns="91440" bIns="45720" rtlCol="0" anchor="t"/>
+          <a:bodyPr vert="horz" lIns="91440" tIns="45720" rIns="91440" bIns="45720" rtlCol="0" anchor="ctr"/>
           <a:lstStyle>
             <a:lvl1pPr algn="r">
-              <a:defRPr sz="2800">
+              <a:defRPr sz="900">
                 <a:solidFill>
                   <a:schemeClr val="accent1"/>
                 </a:solidFill>
@@ -3971,288 +6152,326 @@
           </a:p>
         </p:txBody>
       </p:sp>
-      <p:cxnSp>
-        <p:nvCxnSpPr>
-          <p:cNvPr id="10" name="Straight Connector 9"/>
-          <p:cNvCxnSpPr/>
-          <p:nvPr/>
-        </p:nvCxnSpPr>
-        <p:spPr>
-          <a:xfrm>
-            <a:off x="0" y="6128413"/>
-            <a:ext cx="12192000" cy="0"/>
-          </a:xfrm>
-          <a:prstGeom prst="line">
-            <a:avLst/>
-          </a:prstGeom>
-          <a:ln w="12700">
-            <a:solidFill>
-              <a:srgbClr val="000001">
-                <a:alpha val="20000"/>
-              </a:srgbClr>
-            </a:solidFill>
-          </a:ln>
-        </p:spPr>
-        <p:style>
-          <a:lnRef idx="1">
-            <a:schemeClr val="accent1"/>
-          </a:lnRef>
-          <a:fillRef idx="0">
-            <a:schemeClr val="accent1"/>
-          </a:fillRef>
-          <a:effectRef idx="0">
-            <a:schemeClr val="accent1"/>
-          </a:effectRef>
-          <a:fontRef idx="minor">
-            <a:schemeClr val="tx1"/>
-          </a:fontRef>
-        </p:style>
-      </p:cxnSp>
     </p:spTree>
     <p:extLst>
       <p:ext uri="{BB962C8B-B14F-4D97-AF65-F5344CB8AC3E}">
-        <p14:creationId xmlns:p14="http://schemas.microsoft.com/office/powerpoint/2010/main" val="2710649965"/>
+        <p14:creationId xmlns:p14="http://schemas.microsoft.com/office/powerpoint/2010/main" val="1570052550"/>
       </p:ext>
     </p:extLst>
   </p:cSld>
   <p:clrMap bg1="lt1" tx1="dk1" bg2="lt2" tx2="dk2" accent1="accent1" accent2="accent2" accent3="accent3" accent4="accent4" accent5="accent5" accent6="accent6" hlink="hlink" folHlink="folHlink"/>
   <p:sldLayoutIdLst>
-    <p:sldLayoutId id="2147483733" r:id="rId1"/>
-    <p:sldLayoutId id="2147483734" r:id="rId2"/>
-    <p:sldLayoutId id="2147483735" r:id="rId3"/>
-    <p:sldLayoutId id="2147483736" r:id="rId4"/>
-    <p:sldLayoutId id="2147483737" r:id="rId5"/>
-    <p:sldLayoutId id="2147483738" r:id="rId6"/>
-    <p:sldLayoutId id="2147483739" r:id="rId7"/>
-    <p:sldLayoutId id="2147483740" r:id="rId8"/>
-    <p:sldLayoutId id="2147483741" r:id="rId9"/>
-    <p:sldLayoutId id="2147483742" r:id="rId10"/>
-    <p:sldLayoutId id="2147483743" r:id="rId11"/>
+    <p:sldLayoutId id="2147483762" r:id="rId1"/>
+    <p:sldLayoutId id="2147483763" r:id="rId2"/>
+    <p:sldLayoutId id="2147483764" r:id="rId3"/>
+    <p:sldLayoutId id="2147483765" r:id="rId4"/>
+    <p:sldLayoutId id="2147483766" r:id="rId5"/>
+    <p:sldLayoutId id="2147483767" r:id="rId6"/>
+    <p:sldLayoutId id="2147483768" r:id="rId7"/>
+    <p:sldLayoutId id="2147483769" r:id="rId8"/>
+    <p:sldLayoutId id="2147483770" r:id="rId9"/>
+    <p:sldLayoutId id="2147483771" r:id="rId10"/>
+    <p:sldLayoutId id="2147483772" r:id="rId11"/>
+    <p:sldLayoutId id="2147483773" r:id="rId12"/>
+    <p:sldLayoutId id="2147483774" r:id="rId13"/>
+    <p:sldLayoutId id="2147483775" r:id="rId14"/>
+    <p:sldLayoutId id="2147483776" r:id="rId15"/>
+    <p:sldLayoutId id="2147483777" r:id="rId16"/>
   </p:sldLayoutIdLst>
   <p:txStyles>
     <p:titleStyle>
-      <a:lvl1pPr algn="l" defTabSz="914400" rtl="0" eaLnBrk="1" latinLnBrk="0" hangingPunct="1">
-        <a:lnSpc>
-          <a:spcPct val="90000"/>
-        </a:lnSpc>
+      <a:lvl1pPr algn="l" defTabSz="457200" rtl="0" eaLnBrk="1" latinLnBrk="0" hangingPunct="1">
         <a:spcBef>
           <a:spcPct val="0"/>
         </a:spcBef>
         <a:buNone/>
-        <a:defRPr sz="3200" b="0" i="0" kern="1200" cap="all">
+        <a:defRPr sz="3600" kern="1200">
           <a:solidFill>
-            <a:schemeClr val="tx1"/>
+            <a:schemeClr val="accent1"/>
           </a:solidFill>
-          <a:effectLst/>
           <a:latin typeface="+mj-lt"/>
           <a:ea typeface="+mj-ea"/>
           <a:cs typeface="+mj-cs"/>
         </a:defRPr>
       </a:lvl1pPr>
+      <a:lvl2pPr eaLnBrk="1" hangingPunct="1">
+        <a:defRPr>
+          <a:solidFill>
+            <a:schemeClr val="tx2"/>
+          </a:solidFill>
+        </a:defRPr>
+      </a:lvl2pPr>
+      <a:lvl3pPr eaLnBrk="1" hangingPunct="1">
+        <a:defRPr>
+          <a:solidFill>
+            <a:schemeClr val="tx2"/>
+          </a:solidFill>
+        </a:defRPr>
+      </a:lvl3pPr>
+      <a:lvl4pPr eaLnBrk="1" hangingPunct="1">
+        <a:defRPr>
+          <a:solidFill>
+            <a:schemeClr val="tx2"/>
+          </a:solidFill>
+        </a:defRPr>
+      </a:lvl4pPr>
+      <a:lvl5pPr eaLnBrk="1" hangingPunct="1">
+        <a:defRPr>
+          <a:solidFill>
+            <a:schemeClr val="tx2"/>
+          </a:solidFill>
+        </a:defRPr>
+      </a:lvl5pPr>
+      <a:lvl6pPr eaLnBrk="1" hangingPunct="1">
+        <a:defRPr>
+          <a:solidFill>
+            <a:schemeClr val="tx2"/>
+          </a:solidFill>
+        </a:defRPr>
+      </a:lvl6pPr>
+      <a:lvl7pPr eaLnBrk="1" hangingPunct="1">
+        <a:defRPr>
+          <a:solidFill>
+            <a:schemeClr val="tx2"/>
+          </a:solidFill>
+        </a:defRPr>
+      </a:lvl7pPr>
+      <a:lvl8pPr eaLnBrk="1" hangingPunct="1">
+        <a:defRPr>
+          <a:solidFill>
+            <a:schemeClr val="tx2"/>
+          </a:solidFill>
+        </a:defRPr>
+      </a:lvl8pPr>
+      <a:lvl9pPr eaLnBrk="1" hangingPunct="1">
+        <a:defRPr>
+          <a:solidFill>
+            <a:schemeClr val="tx2"/>
+          </a:solidFill>
+        </a:defRPr>
+      </a:lvl9pPr>
     </p:titleStyle>
     <p:bodyStyle>
-      <a:lvl1pPr marL="228600" indent="-228600" algn="l" defTabSz="914400" rtl="0" eaLnBrk="1" latinLnBrk="0" hangingPunct="1">
-        <a:lnSpc>
-          <a:spcPct val="120000"/>
-        </a:lnSpc>
+      <a:lvl1pPr marL="342900" indent="-342900" algn="l" defTabSz="457200" rtl="0" eaLnBrk="1" latinLnBrk="0" hangingPunct="1">
         <a:spcBef>
           <a:spcPts val="1000"/>
         </a:spcBef>
+        <a:spcAft>
+          <a:spcPts val="0"/>
+        </a:spcAft>
         <a:buClr>
           <a:schemeClr val="accent1"/>
         </a:buClr>
-        <a:buSzPct val="100000"/>
-        <a:buFont typeface="Arial" panose="020B0604020202020204" pitchFamily="34" charset="0"/>
-        <a:buChar char="•"/>
-        <a:defRPr sz="2000" kern="1200">
+        <a:buSzPct val="80000"/>
+        <a:buFont typeface="Wingdings 3" charset="2"/>
+        <a:buChar char=""/>
+        <a:defRPr sz="1800" kern="1200">
           <a:solidFill>
-            <a:schemeClr val="tx1"/>
+            <a:schemeClr val="tx1">
+              <a:lumMod val="75000"/>
+              <a:lumOff val="25000"/>
+            </a:schemeClr>
           </a:solidFill>
-          <a:effectLst/>
           <a:latin typeface="+mn-lt"/>
           <a:ea typeface="+mn-ea"/>
           <a:cs typeface="+mn-cs"/>
         </a:defRPr>
       </a:lvl1pPr>
-      <a:lvl2pPr marL="685800" indent="-228600" algn="l" defTabSz="914400" rtl="0" eaLnBrk="1" latinLnBrk="0" hangingPunct="1">
-        <a:lnSpc>
-          <a:spcPct val="120000"/>
-        </a:lnSpc>
+      <a:lvl2pPr marL="742950" indent="-285750" algn="l" defTabSz="457200" rtl="0" eaLnBrk="1" latinLnBrk="0" hangingPunct="1">
         <a:spcBef>
-          <a:spcPts val="500"/>
+          <a:spcPts val="1000"/>
         </a:spcBef>
+        <a:spcAft>
+          <a:spcPts val="0"/>
+        </a:spcAft>
         <a:buClr>
           <a:schemeClr val="accent1"/>
         </a:buClr>
-        <a:buSzPct val="100000"/>
-        <a:buFont typeface="Arial" panose="020B0604020202020204" pitchFamily="34" charset="0"/>
-        <a:buChar char="•"/>
-        <a:defRPr sz="1800" kern="1200" cap="none" baseline="0">
+        <a:buSzPct val="80000"/>
+        <a:buFont typeface="Wingdings 3" charset="2"/>
+        <a:buChar char=""/>
+        <a:defRPr sz="1600" kern="1200">
           <a:solidFill>
-            <a:schemeClr val="tx1"/>
+            <a:schemeClr val="tx1">
+              <a:lumMod val="75000"/>
+              <a:lumOff val="25000"/>
+            </a:schemeClr>
           </a:solidFill>
-          <a:effectLst/>
           <a:latin typeface="+mn-lt"/>
           <a:ea typeface="+mn-ea"/>
           <a:cs typeface="+mn-cs"/>
         </a:defRPr>
       </a:lvl2pPr>
-      <a:lvl3pPr marL="1143000" indent="-228600" algn="l" defTabSz="914400" rtl="0" eaLnBrk="1" latinLnBrk="0" hangingPunct="1">
-        <a:lnSpc>
-          <a:spcPct val="120000"/>
-        </a:lnSpc>
+      <a:lvl3pPr marL="1143000" indent="-228600" algn="l" defTabSz="457200" rtl="0" eaLnBrk="1" latinLnBrk="0" hangingPunct="1">
         <a:spcBef>
-          <a:spcPts val="500"/>
+          <a:spcPts val="1000"/>
         </a:spcBef>
+        <a:spcAft>
+          <a:spcPts val="0"/>
+        </a:spcAft>
         <a:buClr>
           <a:schemeClr val="accent1"/>
         </a:buClr>
-        <a:buSzPct val="100000"/>
-        <a:buFont typeface="Arial" panose="020B0604020202020204" pitchFamily="34" charset="0"/>
-        <a:buChar char="•"/>
-        <a:defRPr sz="1600" kern="1200">
+        <a:buSzPct val="80000"/>
+        <a:buFont typeface="Wingdings 3" charset="2"/>
+        <a:buChar char=""/>
+        <a:defRPr sz="1400" kern="1200">
           <a:solidFill>
-            <a:schemeClr val="tx1"/>
+            <a:schemeClr val="tx1">
+              <a:lumMod val="75000"/>
+              <a:lumOff val="25000"/>
+            </a:schemeClr>
           </a:solidFill>
-          <a:effectLst/>
           <a:latin typeface="+mn-lt"/>
           <a:ea typeface="+mn-ea"/>
           <a:cs typeface="+mn-cs"/>
         </a:defRPr>
       </a:lvl3pPr>
-      <a:lvl4pPr marL="1600200" indent="-228600" algn="l" defTabSz="914400" rtl="0" eaLnBrk="1" latinLnBrk="0" hangingPunct="1">
-        <a:lnSpc>
-          <a:spcPct val="120000"/>
-        </a:lnSpc>
+      <a:lvl4pPr marL="1600200" indent="-228600" algn="l" defTabSz="457200" rtl="0" eaLnBrk="1" latinLnBrk="0" hangingPunct="1">
         <a:spcBef>
-          <a:spcPts val="500"/>
+          <a:spcPts val="1000"/>
         </a:spcBef>
+        <a:spcAft>
+          <a:spcPts val="0"/>
+        </a:spcAft>
         <a:buClr>
           <a:schemeClr val="accent1"/>
         </a:buClr>
-        <a:buSzPct val="100000"/>
-        <a:buFont typeface="Arial" panose="020B0604020202020204" pitchFamily="34" charset="0"/>
-        <a:buChar char="•"/>
-        <a:defRPr sz="1400" kern="1200" cap="none" baseline="0">
+        <a:buSzPct val="80000"/>
+        <a:buFont typeface="Wingdings 3" charset="2"/>
+        <a:buChar char=""/>
+        <a:defRPr sz="1200" kern="1200">
           <a:solidFill>
-            <a:schemeClr val="tx1"/>
+            <a:schemeClr val="tx1">
+              <a:lumMod val="75000"/>
+              <a:lumOff val="25000"/>
+            </a:schemeClr>
           </a:solidFill>
-          <a:effectLst/>
           <a:latin typeface="+mn-lt"/>
           <a:ea typeface="+mn-ea"/>
           <a:cs typeface="+mn-cs"/>
         </a:defRPr>
       </a:lvl4pPr>
-      <a:lvl5pPr marL="2057400" indent="-228600" algn="l" defTabSz="914400" rtl="0" eaLnBrk="1" latinLnBrk="0" hangingPunct="1">
-        <a:lnSpc>
-          <a:spcPct val="120000"/>
-        </a:lnSpc>
+      <a:lvl5pPr marL="2057400" indent="-228600" algn="l" defTabSz="457200" rtl="0" eaLnBrk="1" latinLnBrk="0" hangingPunct="1">
         <a:spcBef>
-          <a:spcPts val="500"/>
+          <a:spcPts val="1000"/>
         </a:spcBef>
+        <a:spcAft>
+          <a:spcPts val="0"/>
+        </a:spcAft>
         <a:buClr>
           <a:schemeClr val="accent1"/>
         </a:buClr>
-        <a:buSzPct val="100000"/>
-        <a:buFont typeface="Arial" panose="020B0604020202020204" pitchFamily="34" charset="0"/>
-        <a:buChar char="•"/>
+        <a:buSzPct val="80000"/>
+        <a:buFont typeface="Wingdings 3" charset="2"/>
+        <a:buChar char=""/>
         <a:defRPr sz="1200" kern="1200">
           <a:solidFill>
-            <a:schemeClr val="tx1"/>
+            <a:schemeClr val="tx1">
+              <a:lumMod val="75000"/>
+              <a:lumOff val="25000"/>
+            </a:schemeClr>
           </a:solidFill>
-          <a:effectLst/>
           <a:latin typeface="+mn-lt"/>
           <a:ea typeface="+mn-ea"/>
           <a:cs typeface="+mn-cs"/>
         </a:defRPr>
       </a:lvl5pPr>
-      <a:lvl6pPr marL="2514600" indent="-228600" algn="l" defTabSz="914400" rtl="0" eaLnBrk="1" latinLnBrk="0" hangingPunct="1">
-        <a:lnSpc>
-          <a:spcPct val="120000"/>
-        </a:lnSpc>
+      <a:lvl6pPr marL="2514600" indent="-228600" algn="l" defTabSz="457200" rtl="0" eaLnBrk="1" latinLnBrk="0" hangingPunct="1">
         <a:spcBef>
-          <a:spcPts val="500"/>
+          <a:spcPts val="1000"/>
         </a:spcBef>
+        <a:spcAft>
+          <a:spcPts val="0"/>
+        </a:spcAft>
         <a:buClr>
           <a:schemeClr val="accent1"/>
         </a:buClr>
-        <a:buSzPct val="100000"/>
-        <a:buFont typeface="Arial" panose="020B0604020202020204" pitchFamily="34" charset="0"/>
-        <a:buChar char="•"/>
+        <a:buSzPct val="80000"/>
+        <a:buFont typeface="Wingdings 3" charset="2"/>
+        <a:buChar char=""/>
         <a:defRPr sz="1200" kern="1200">
           <a:solidFill>
-            <a:schemeClr val="tx1"/>
+            <a:schemeClr val="tx1">
+              <a:lumMod val="75000"/>
+              <a:lumOff val="25000"/>
+            </a:schemeClr>
           </a:solidFill>
-          <a:effectLst/>
           <a:latin typeface="+mn-lt"/>
           <a:ea typeface="+mn-ea"/>
           <a:cs typeface="+mn-cs"/>
         </a:defRPr>
       </a:lvl6pPr>
-      <a:lvl7pPr marL="2971800" indent="-228600" algn="l" defTabSz="914400" rtl="0" eaLnBrk="1" latinLnBrk="0" hangingPunct="1">
-        <a:lnSpc>
-          <a:spcPct val="120000"/>
-        </a:lnSpc>
+      <a:lvl7pPr marL="2971800" indent="-228600" algn="l" defTabSz="457200" rtl="0" eaLnBrk="1" latinLnBrk="0" hangingPunct="1">
         <a:spcBef>
-          <a:spcPts val="500"/>
+          <a:spcPts val="1000"/>
         </a:spcBef>
+        <a:spcAft>
+          <a:spcPts val="0"/>
+        </a:spcAft>
         <a:buClr>
           <a:schemeClr val="accent1"/>
         </a:buClr>
-        <a:buSzPct val="100000"/>
-        <a:buFont typeface="Arial" panose="020B0604020202020204" pitchFamily="34" charset="0"/>
-        <a:buChar char="•"/>
+        <a:buSzPct val="80000"/>
+        <a:buFont typeface="Wingdings 3" charset="2"/>
+        <a:buChar char=""/>
         <a:defRPr sz="1200" kern="1200">
           <a:solidFill>
-            <a:schemeClr val="tx1"/>
+            <a:schemeClr val="tx1">
+              <a:lumMod val="75000"/>
+              <a:lumOff val="25000"/>
+            </a:schemeClr>
           </a:solidFill>
-          <a:effectLst/>
           <a:latin typeface="+mn-lt"/>
           <a:ea typeface="+mn-ea"/>
           <a:cs typeface="+mn-cs"/>
         </a:defRPr>
       </a:lvl7pPr>
-      <a:lvl8pPr marL="3429000" indent="-228600" algn="l" defTabSz="914400" rtl="0" eaLnBrk="1" latinLnBrk="0" hangingPunct="1">
-        <a:lnSpc>
-          <a:spcPct val="120000"/>
-        </a:lnSpc>
+      <a:lvl8pPr marL="3429000" indent="-228600" algn="l" defTabSz="457200" rtl="0" eaLnBrk="1" latinLnBrk="0" hangingPunct="1">
         <a:spcBef>
-          <a:spcPts val="500"/>
+          <a:spcPts val="1000"/>
         </a:spcBef>
+        <a:spcAft>
+          <a:spcPts val="0"/>
+        </a:spcAft>
         <a:buClr>
           <a:schemeClr val="accent1"/>
         </a:buClr>
-        <a:buSzPct val="100000"/>
-        <a:buFont typeface="Arial" panose="020B0604020202020204" pitchFamily="34" charset="0"/>
-        <a:buChar char="•"/>
-        <a:defRPr sz="1200" kern="1200" baseline="0">
+        <a:buSzPct val="80000"/>
+        <a:buFont typeface="Wingdings 3" charset="2"/>
+        <a:buChar char=""/>
+        <a:defRPr sz="1200" kern="1200">
           <a:solidFill>
-            <a:schemeClr val="tx1"/>
+            <a:schemeClr val="tx1">
+              <a:lumMod val="75000"/>
+              <a:lumOff val="25000"/>
+            </a:schemeClr>
           </a:solidFill>
-          <a:effectLst/>
           <a:latin typeface="+mn-lt"/>
           <a:ea typeface="+mn-ea"/>
           <a:cs typeface="+mn-cs"/>
         </a:defRPr>
       </a:lvl8pPr>
-      <a:lvl9pPr marL="3886200" indent="-228600" algn="l" defTabSz="914400" rtl="0" eaLnBrk="1" latinLnBrk="0" hangingPunct="1">
-        <a:lnSpc>
-          <a:spcPct val="120000"/>
-        </a:lnSpc>
+      <a:lvl9pPr marL="3886200" indent="-228600" algn="l" defTabSz="457200" rtl="0" eaLnBrk="1" latinLnBrk="0" hangingPunct="1">
         <a:spcBef>
-          <a:spcPts val="500"/>
+          <a:spcPts val="1000"/>
         </a:spcBef>
+        <a:spcAft>
+          <a:spcPts val="0"/>
+        </a:spcAft>
         <a:buClr>
           <a:schemeClr val="accent1"/>
         </a:buClr>
-        <a:buSzPct val="100000"/>
-        <a:buFont typeface="Arial" panose="020B0604020202020204" pitchFamily="34" charset="0"/>
-        <a:buChar char="•"/>
-        <a:defRPr sz="1200" kern="1200" baseline="0">
+        <a:buSzPct val="80000"/>
+        <a:buFont typeface="Wingdings 3" charset="2"/>
+        <a:buChar char=""/>
+        <a:defRPr sz="1200" kern="1200">
           <a:solidFill>
-            <a:schemeClr val="tx1"/>
+            <a:schemeClr val="tx1">
+              <a:lumMod val="75000"/>
+              <a:lumOff val="25000"/>
+            </a:schemeClr>
           </a:solidFill>
-          <a:effectLst/>
           <a:latin typeface="+mn-lt"/>
           <a:ea typeface="+mn-ea"/>
           <a:cs typeface="+mn-cs"/>
@@ -4263,7 +6482,7 @@
       <a:defPPr>
         <a:defRPr lang="en-US"/>
       </a:defPPr>
-      <a:lvl1pPr marL="0" algn="l" defTabSz="914400" rtl="0" eaLnBrk="1" latinLnBrk="0" hangingPunct="1">
+      <a:lvl1pPr marL="0" algn="l" defTabSz="457200" rtl="0" eaLnBrk="1" latinLnBrk="0" hangingPunct="1">
         <a:defRPr sz="1800" kern="1200">
           <a:solidFill>
             <a:schemeClr val="tx1"/>
@@ -4273,7 +6492,7 @@
           <a:cs typeface="+mn-cs"/>
         </a:defRPr>
       </a:lvl1pPr>
-      <a:lvl2pPr marL="457200" algn="l" defTabSz="914400" rtl="0" eaLnBrk="1" latinLnBrk="0" hangingPunct="1">
+      <a:lvl2pPr marL="457200" algn="l" defTabSz="457200" rtl="0" eaLnBrk="1" latinLnBrk="0" hangingPunct="1">
         <a:defRPr sz="1800" kern="1200">
           <a:solidFill>
             <a:schemeClr val="tx1"/>
@@ -4283,7 +6502,7 @@
           <a:cs typeface="+mn-cs"/>
         </a:defRPr>
       </a:lvl2pPr>
-      <a:lvl3pPr marL="914400" algn="l" defTabSz="914400" rtl="0" eaLnBrk="1" latinLnBrk="0" hangingPunct="1">
+      <a:lvl3pPr marL="914400" algn="l" defTabSz="457200" rtl="0" eaLnBrk="1" latinLnBrk="0" hangingPunct="1">
         <a:defRPr sz="1800" kern="1200">
           <a:solidFill>
             <a:schemeClr val="tx1"/>
@@ -4293,7 +6512,7 @@
           <a:cs typeface="+mn-cs"/>
         </a:defRPr>
       </a:lvl3pPr>
-      <a:lvl4pPr marL="1371600" algn="l" defTabSz="914400" rtl="0" eaLnBrk="1" latinLnBrk="0" hangingPunct="1">
+      <a:lvl4pPr marL="1371600" algn="l" defTabSz="457200" rtl="0" eaLnBrk="1" latinLnBrk="0" hangingPunct="1">
         <a:defRPr sz="1800" kern="1200">
           <a:solidFill>
             <a:schemeClr val="tx1"/>
@@ -4303,7 +6522,7 @@
           <a:cs typeface="+mn-cs"/>
         </a:defRPr>
       </a:lvl4pPr>
-      <a:lvl5pPr marL="1828800" algn="l" defTabSz="914400" rtl="0" eaLnBrk="1" latinLnBrk="0" hangingPunct="1">
+      <a:lvl5pPr marL="1828800" algn="l" defTabSz="457200" rtl="0" eaLnBrk="1" latinLnBrk="0" hangingPunct="1">
         <a:defRPr sz="1800" kern="1200">
           <a:solidFill>
             <a:schemeClr val="tx1"/>
@@ -4313,7 +6532,7 @@
           <a:cs typeface="+mn-cs"/>
         </a:defRPr>
       </a:lvl5pPr>
-      <a:lvl6pPr marL="2286000" algn="l" defTabSz="914400" rtl="0" eaLnBrk="1" latinLnBrk="0" hangingPunct="1">
+      <a:lvl6pPr marL="2286000" algn="l" defTabSz="457200" rtl="0" eaLnBrk="1" latinLnBrk="0" hangingPunct="1">
         <a:defRPr sz="1800" kern="1200">
           <a:solidFill>
             <a:schemeClr val="tx1"/>
@@ -4323,7 +6542,7 @@
           <a:cs typeface="+mn-cs"/>
         </a:defRPr>
       </a:lvl6pPr>
-      <a:lvl7pPr marL="2743200" algn="l" defTabSz="914400" rtl="0" eaLnBrk="1" latinLnBrk="0" hangingPunct="1">
+      <a:lvl7pPr marL="2743200" algn="l" defTabSz="457200" rtl="0" eaLnBrk="1" latinLnBrk="0" hangingPunct="1">
         <a:defRPr sz="1800" kern="1200">
           <a:solidFill>
             <a:schemeClr val="tx1"/>
@@ -4333,7 +6552,7 @@
           <a:cs typeface="+mn-cs"/>
         </a:defRPr>
       </a:lvl7pPr>
-      <a:lvl8pPr marL="3200400" algn="l" defTabSz="914400" rtl="0" eaLnBrk="1" latinLnBrk="0" hangingPunct="1">
+      <a:lvl8pPr marL="3200400" algn="l" defTabSz="457200" rtl="0" eaLnBrk="1" latinLnBrk="0" hangingPunct="1">
         <a:defRPr sz="1800" kern="1200">
           <a:solidFill>
             <a:schemeClr val="tx1"/>
@@ -4343,7 +6562,7 @@
           <a:cs typeface="+mn-cs"/>
         </a:defRPr>
       </a:lvl8pPr>
-      <a:lvl9pPr marL="3657600" algn="l" defTabSz="914400" rtl="0" eaLnBrk="1" latinLnBrk="0" hangingPunct="1">
+      <a:lvl9pPr marL="3657600" algn="l" defTabSz="457200" rtl="0" eaLnBrk="1" latinLnBrk="0" hangingPunct="1">
         <a:defRPr sz="1800" kern="1200">
           <a:solidFill>
             <a:schemeClr val="tx1"/>
@@ -4363,25 +6582,9 @@
   <p:cSld>
     <p:bg>
       <p:bgPr>
-        <a:gradFill rotWithShape="1">
-          <a:gsLst>
-            <a:gs pos="0">
-              <a:schemeClr val="bg2">
-                <a:tint val="94000"/>
-                <a:satMod val="80000"/>
-                <a:lumMod val="106000"/>
-              </a:schemeClr>
-            </a:gs>
-            <a:gs pos="100000">
-              <a:schemeClr val="bg2">
-                <a:shade val="80000"/>
-              </a:schemeClr>
-            </a:gs>
-          </a:gsLst>
-          <a:path path="circle">
-            <a:fillToRect l="43000" r="43000" b="100000"/>
-          </a:path>
-        </a:gradFill>
+        <a:solidFill>
+          <a:schemeClr val="bg1"/>
+        </a:solidFill>
         <a:effectLst/>
       </p:bgPr>
     </p:bg>
@@ -4414,35 +6617,212 @@
           <p:nvPr/>
         </p:nvPicPr>
         <p:blipFill rotWithShape="1">
-          <a:blip r:embed="rId2"/>
-          <a:srcRect l="9091" t="23390"/>
+          <a:blip r:embed="rId2">
+            <a:duotone>
+              <a:prstClr val="black"/>
+              <a:prstClr val="white"/>
+            </a:duotone>
+          </a:blip>
+          <a:srcRect l="30545" t="9091" r="6711"/>
           <a:stretch/>
         </p:blipFill>
         <p:spPr>
           <a:xfrm>
-            <a:off x="305" y="10"/>
-            <a:ext cx="12191695" cy="6857990"/>
+            <a:off x="5097780" y="-1"/>
+            <a:ext cx="7091044" cy="6858001"/>
           </a:xfrm>
-          <a:prstGeom prst="rect">
+          <a:custGeom>
             <a:avLst/>
-          </a:prstGeom>
+            <a:gdLst/>
+            <a:ahLst/>
+            <a:cxnLst/>
+            <a:rect l="l" t="t" r="r" b="b"/>
+            <a:pathLst>
+              <a:path w="7091044" h="6858001">
+                <a:moveTo>
+                  <a:pt x="405750" y="0"/>
+                </a:moveTo>
+                <a:lnTo>
+                  <a:pt x="7091044" y="0"/>
+                </a:lnTo>
+                <a:lnTo>
+                  <a:pt x="7091044" y="6858001"/>
+                </a:lnTo>
+                <a:lnTo>
+                  <a:pt x="53572" y="6858001"/>
+                </a:lnTo>
+                <a:lnTo>
+                  <a:pt x="1828991" y="4521201"/>
+                </a:lnTo>
+                <a:close/>
+                <a:moveTo>
+                  <a:pt x="0" y="0"/>
+                </a:moveTo>
+                <a:lnTo>
+                  <a:pt x="405750" y="0"/>
+                </a:lnTo>
+                <a:lnTo>
+                  <a:pt x="0" y="434"/>
+                </a:lnTo>
+                <a:close/>
+              </a:path>
+            </a:pathLst>
+          </a:custGeom>
         </p:spPr>
       </p:pic>
       <p:sp>
         <p:nvSpPr>
-          <p:cNvPr id="22" name="Rectangle 21">
+          <p:cNvPr id="2" name="Titolo 1">
             <a:extLst>
               <a:ext uri="{FF2B5EF4-FFF2-40B4-BE49-F238E27FC236}">
-                <a16:creationId xmlns:a16="http://schemas.microsoft.com/office/drawing/2014/main" id="{A4092ECB-D375-4A85-AD6E-85644D2A99E5}"/>
+                <a16:creationId xmlns:a16="http://schemas.microsoft.com/office/drawing/2014/main" id="{BDC46568-2DE6-5722-C01E-3C82959B937E}"/>
+              </a:ext>
+            </a:extLst>
+          </p:cNvPr>
+          <p:cNvSpPr>
+            <a:spLocks noGrp="1"/>
+          </p:cNvSpPr>
+          <p:nvPr>
+            <p:ph type="ctrTitle"/>
+          </p:nvPr>
+        </p:nvSpPr>
+        <p:spPr>
+          <a:xfrm>
+            <a:off x="668866" y="1678666"/>
+            <a:ext cx="5123515" cy="2369093"/>
+          </a:xfrm>
+        </p:spPr>
+        <p:txBody>
+          <a:bodyPr>
+            <a:normAutofit/>
+          </a:bodyPr>
+          <a:lstStyle/>
+          <a:p>
+            <a:r>
+              <a:rPr lang="en-US" sz="4800" b="1" dirty="0">
+                <a:solidFill>
+                  <a:schemeClr val="accent2">
+                    <a:lumMod val="75000"/>
+                  </a:schemeClr>
+                </a:solidFill>
+              </a:rPr>
+              <a:t>CHESS COMPILER</a:t>
+            </a:r>
+          </a:p>
+        </p:txBody>
+      </p:sp>
+      <p:sp>
+        <p:nvSpPr>
+          <p:cNvPr id="3" name="Sottotitolo 2">
+            <a:extLst>
+              <a:ext uri="{FF2B5EF4-FFF2-40B4-BE49-F238E27FC236}">
+                <a16:creationId xmlns:a16="http://schemas.microsoft.com/office/drawing/2014/main" id="{3D8C50D5-5625-B175-29AB-80ABC44BF9FC}"/>
+              </a:ext>
+            </a:extLst>
+          </p:cNvPr>
+          <p:cNvSpPr>
+            <a:spLocks noGrp="1"/>
+          </p:cNvSpPr>
+          <p:nvPr>
+            <p:ph type="subTitle" idx="1"/>
+          </p:nvPr>
+        </p:nvSpPr>
+        <p:spPr>
+          <a:xfrm>
+            <a:off x="677335" y="4050831"/>
+            <a:ext cx="5113217" cy="1096901"/>
+          </a:xfrm>
+        </p:spPr>
+        <p:txBody>
+          <a:bodyPr>
+            <a:normAutofit/>
+          </a:bodyPr>
+          <a:lstStyle/>
+          <a:p>
+            <a:r>
+              <a:rPr lang="en-US" sz="1600" dirty="0" err="1">
+                <a:solidFill>
+                  <a:schemeClr val="tx1">
+                    <a:lumMod val="75000"/>
+                    <a:lumOff val="25000"/>
+                  </a:schemeClr>
+                </a:solidFill>
+              </a:rPr>
+              <a:t>Compilatore</a:t>
+            </a:r>
+            <a:r>
+              <a:rPr lang="en-US" sz="1600" dirty="0">
+                <a:solidFill>
+                  <a:schemeClr val="tx1">
+                    <a:lumMod val="75000"/>
+                    <a:lumOff val="25000"/>
+                  </a:schemeClr>
+                </a:solidFill>
+              </a:rPr>
+              <a:t> da PGN a </a:t>
+            </a:r>
+            <a:r>
+              <a:rPr lang="en-US" sz="1600" dirty="0" err="1">
+                <a:solidFill>
+                  <a:schemeClr val="tx1">
+                    <a:lumMod val="75000"/>
+                    <a:lumOff val="25000"/>
+                  </a:schemeClr>
+                </a:solidFill>
+              </a:rPr>
+              <a:t>visualizzazione</a:t>
+            </a:r>
+            <a:r>
+              <a:rPr lang="en-US" sz="1600" dirty="0">
+                <a:solidFill>
+                  <a:schemeClr val="tx1">
+                    <a:lumMod val="75000"/>
+                    <a:lumOff val="25000"/>
+                  </a:schemeClr>
+                </a:solidFill>
+              </a:rPr>
+              <a:t> </a:t>
+            </a:r>
+            <a:r>
+              <a:rPr lang="en-US" sz="1600" dirty="0" err="1">
+                <a:solidFill>
+                  <a:schemeClr val="tx1">
+                    <a:lumMod val="75000"/>
+                    <a:lumOff val="25000"/>
+                  </a:schemeClr>
+                </a:solidFill>
+              </a:rPr>
+              <a:t>grafica</a:t>
+            </a:r>
+            <a:r>
+              <a:rPr lang="en-US" sz="1600" dirty="0">
+                <a:solidFill>
+                  <a:schemeClr val="tx1">
+                    <a:lumMod val="75000"/>
+                    <a:lumOff val="25000"/>
+                  </a:schemeClr>
+                </a:solidFill>
+              </a:rPr>
+              <a:t> </a:t>
+            </a:r>
+          </a:p>
+        </p:txBody>
+      </p:sp>
+      <p:cxnSp>
+        <p:nvCxnSpPr>
+          <p:cNvPr id="31" name="Straight Connector 30">
+            <a:extLst>
+              <a:ext uri="{FF2B5EF4-FFF2-40B4-BE49-F238E27FC236}">
+                <a16:creationId xmlns:a16="http://schemas.microsoft.com/office/drawing/2014/main" id="{27A85E05-9D34-4977-8352-DB3956997445}"/>
               </a:ext>
               <a:ext uri="{C183D7F6-B498-43B3-948B-1728B52AA6E4}">
                 <adec:decorative xmlns:adec="http://schemas.microsoft.com/office/drawing/2017/decorative" val="1"/>
               </a:ext>
             </a:extLst>
           </p:cNvPr>
-          <p:cNvSpPr>
-            <a:spLocks noGrp="1" noRot="1" noChangeAspect="1" noMove="1" noResize="1" noEditPoints="1" noAdjustHandles="1" noChangeArrowheads="1" noChangeShapeType="1" noTextEdit="1"/>
-          </p:cNvSpPr>
+          <p:cNvCxnSpPr>
+            <a:cxnSpLocks noGrp="1" noRot="1" noChangeAspect="1" noMove="1" noResize="1" noEditPoints="1" noAdjustHandles="1" noChangeArrowheads="1" noChangeShapeType="1"/>
+          </p:cNvCxnSpPr>
           <p:nvPr>
             <p:extLst>
               <p:ext uri="{386F3935-93C4-4BCD-93E2-E3B085C9AB24}">
@@ -4450,23 +6830,156 @@
               </p:ext>
             </p:extLst>
           </p:nvPr>
-        </p:nvSpPr>
+        </p:nvCxnSpPr>
         <p:spPr>
           <a:xfrm>
-            <a:off x="-3177" y="3064931"/>
-            <a:ext cx="8293042" cy="2488568"/>
+            <a:off x="9371012" y="0"/>
+            <a:ext cx="1219200" cy="6858000"/>
           </a:xfrm>
-          <a:prstGeom prst="rect">
+          <a:prstGeom prst="line">
             <a:avLst/>
           </a:prstGeom>
+          <a:ln w="9525">
+            <a:solidFill>
+              <a:schemeClr val="bg1">
+                <a:lumMod val="75000"/>
+              </a:schemeClr>
+            </a:solidFill>
+          </a:ln>
+        </p:spPr>
+        <p:style>
+          <a:lnRef idx="2">
+            <a:schemeClr val="accent1"/>
+          </a:lnRef>
+          <a:fillRef idx="0">
+            <a:schemeClr val="accent1"/>
+          </a:fillRef>
+          <a:effectRef idx="1">
+            <a:schemeClr val="accent1"/>
+          </a:effectRef>
+          <a:fontRef idx="minor">
+            <a:schemeClr val="tx1"/>
+          </a:fontRef>
+        </p:style>
+      </p:cxnSp>
+      <p:cxnSp>
+        <p:nvCxnSpPr>
+          <p:cNvPr id="33" name="Straight Connector 32">
+            <a:extLst>
+              <a:ext uri="{FF2B5EF4-FFF2-40B4-BE49-F238E27FC236}">
+                <a16:creationId xmlns:a16="http://schemas.microsoft.com/office/drawing/2014/main" id="{5CDED616-E554-4DB6-9F28-08F38A64A940}"/>
+              </a:ext>
+              <a:ext uri="{C183D7F6-B498-43B3-948B-1728B52AA6E4}">
+                <adec:decorative xmlns:adec="http://schemas.microsoft.com/office/drawing/2017/decorative" val="1"/>
+              </a:ext>
+            </a:extLst>
+          </p:cNvPr>
+          <p:cNvCxnSpPr>
+            <a:cxnSpLocks noGrp="1" noRot="1" noChangeAspect="1" noMove="1" noResize="1" noEditPoints="1" noAdjustHandles="1" noChangeArrowheads="1" noChangeShapeType="1"/>
+          </p:cNvCxnSpPr>
+          <p:nvPr>
+            <p:extLst>
+              <p:ext uri="{386F3935-93C4-4BCD-93E2-E3B085C9AB24}">
+                <p16:designElem xmlns:p16="http://schemas.microsoft.com/office/powerpoint/2015/main" val="1"/>
+              </p:ext>
+            </p:extLst>
+          </p:nvPr>
+        </p:nvCxnSpPr>
+        <p:spPr>
+          <a:xfrm flipH="1">
+            <a:off x="7425267" y="3681413"/>
+            <a:ext cx="4763558" cy="3176587"/>
+          </a:xfrm>
+          <a:prstGeom prst="line">
+            <a:avLst/>
+          </a:prstGeom>
+          <a:ln w="9525">
+            <a:solidFill>
+              <a:schemeClr val="bg1">
+                <a:lumMod val="85000"/>
+              </a:schemeClr>
+            </a:solidFill>
+          </a:ln>
+        </p:spPr>
+        <p:style>
+          <a:lnRef idx="2">
+            <a:schemeClr val="accent1"/>
+          </a:lnRef>
+          <a:fillRef idx="0">
+            <a:schemeClr val="accent1"/>
+          </a:fillRef>
+          <a:effectRef idx="1">
+            <a:schemeClr val="accent1"/>
+          </a:effectRef>
+          <a:fontRef idx="minor">
+            <a:schemeClr val="tx1"/>
+          </a:fontRef>
+        </p:style>
+      </p:cxnSp>
+      <p:sp>
+        <p:nvSpPr>
+          <p:cNvPr id="35" name="Rectangle 23">
+            <a:extLst>
+              <a:ext uri="{FF2B5EF4-FFF2-40B4-BE49-F238E27FC236}">
+                <a16:creationId xmlns:a16="http://schemas.microsoft.com/office/drawing/2014/main" id="{8CDA3497-1EDA-4EB3-9C27-4D9835D30AAB}"/>
+              </a:ext>
+              <a:ext uri="{C183D7F6-B498-43B3-948B-1728B52AA6E4}">
+                <adec:decorative xmlns:adec="http://schemas.microsoft.com/office/drawing/2017/decorative" val="1"/>
+              </a:ext>
+            </a:extLst>
+          </p:cNvPr>
+          <p:cNvSpPr>
+            <a:spLocks noGrp="1" noRot="1" noChangeAspect="1" noMove="1" noResize="1" noEditPoints="1" noAdjustHandles="1" noChangeArrowheads="1" noChangeShapeType="1" noTextEdit="1"/>
+          </p:cNvSpPr>
+          <p:nvPr>
+            <p:extLst>
+              <p:ext uri="{386F3935-93C4-4BCD-93E2-E3B085C9AB24}">
+                <p16:designElem xmlns:p16="http://schemas.microsoft.com/office/powerpoint/2015/main" val="1"/>
+              </p:ext>
+            </p:extLst>
+          </p:nvPr>
+        </p:nvSpPr>
+        <p:spPr>
+          <a:xfrm>
+            <a:off x="9181476" y="-8467"/>
+            <a:ext cx="3007349" cy="6866467"/>
+          </a:xfrm>
+          <a:custGeom>
+            <a:avLst/>
+            <a:gdLst/>
+            <a:ahLst/>
+            <a:cxnLst/>
+            <a:rect l="l" t="t" r="r" b="b"/>
+            <a:pathLst>
+              <a:path w="3007349" h="6866467">
+                <a:moveTo>
+                  <a:pt x="2045532" y="0"/>
+                </a:moveTo>
+                <a:lnTo>
+                  <a:pt x="3007349" y="0"/>
+                </a:lnTo>
+                <a:lnTo>
+                  <a:pt x="3007349" y="6866467"/>
+                </a:lnTo>
+                <a:lnTo>
+                  <a:pt x="0" y="6866467"/>
+                </a:lnTo>
+                <a:lnTo>
+                  <a:pt x="2045532" y="0"/>
+                </a:lnTo>
+                <a:close/>
+              </a:path>
+            </a:pathLst>
+          </a:custGeom>
           <a:solidFill>
-            <a:srgbClr val="000001">
-              <a:alpha val="75000"/>
-            </a:srgbClr>
+            <a:schemeClr val="accent1">
+              <a:alpha val="30000"/>
+            </a:schemeClr>
           </a:solidFill>
           <a:ln>
             <a:noFill/>
           </a:ln>
+          <a:effectLst/>
         </p:spPr>
         <p:style>
           <a:lnRef idx="1">
@@ -4483,109 +6996,28 @@
           </a:fontRef>
         </p:style>
         <p:txBody>
-          <a:bodyPr rtlCol="0" anchor="ctr"/>
-          <a:lstStyle/>
-          <a:p>
-            <a:pPr algn="ctr"/>
+          <a:bodyPr/>
+          <a:lstStyle/>
+          <a:p>
             <a:endParaRPr lang="en-US"/>
           </a:p>
         </p:txBody>
       </p:sp>
       <p:sp>
         <p:nvSpPr>
-          <p:cNvPr id="2" name="Titolo 1">
+          <p:cNvPr id="37" name="Rectangle 25">
             <a:extLst>
               <a:ext uri="{FF2B5EF4-FFF2-40B4-BE49-F238E27FC236}">
-                <a16:creationId xmlns:a16="http://schemas.microsoft.com/office/drawing/2014/main" id="{BDC46568-2DE6-5722-C01E-3C82959B937E}"/>
-              </a:ext>
-            </a:extLst>
-          </p:cNvPr>
-          <p:cNvSpPr>
-            <a:spLocks noGrp="1"/>
-          </p:cNvSpPr>
-          <p:nvPr>
-            <p:ph type="ctrTitle"/>
-          </p:nvPr>
-        </p:nvSpPr>
-        <p:spPr>
-          <a:xfrm>
-            <a:off x="1300526" y="3236470"/>
-            <a:ext cx="6829044" cy="1252601"/>
-          </a:xfrm>
-        </p:spPr>
-        <p:txBody>
-          <a:bodyPr>
-            <a:normAutofit/>
-          </a:bodyPr>
-          <a:lstStyle/>
-          <a:p>
-            <a:pPr algn="r"/>
-            <a:r>
-              <a:rPr lang="en-US" sz="4400">
-                <a:solidFill>
-                  <a:srgbClr val="FFFFFE"/>
-                </a:solidFill>
-              </a:rPr>
-              <a:t>CHESS COMPILER</a:t>
-            </a:r>
-          </a:p>
-        </p:txBody>
-      </p:sp>
-      <p:sp>
-        <p:nvSpPr>
-          <p:cNvPr id="3" name="Sottotitolo 2">
-            <a:extLst>
-              <a:ext uri="{FF2B5EF4-FFF2-40B4-BE49-F238E27FC236}">
-                <a16:creationId xmlns:a16="http://schemas.microsoft.com/office/drawing/2014/main" id="{3D8C50D5-5625-B175-29AB-80ABC44BF9FC}"/>
-              </a:ext>
-            </a:extLst>
-          </p:cNvPr>
-          <p:cNvSpPr>
-            <a:spLocks noGrp="1"/>
-          </p:cNvSpPr>
-          <p:nvPr>
-            <p:ph type="subTitle" idx="1"/>
-          </p:nvPr>
-        </p:nvSpPr>
-        <p:spPr>
-          <a:xfrm>
-            <a:off x="1300525" y="4669144"/>
-            <a:ext cx="6829043" cy="716529"/>
-          </a:xfrm>
-        </p:spPr>
-        <p:txBody>
-          <a:bodyPr>
-            <a:normAutofit/>
-          </a:bodyPr>
-          <a:lstStyle/>
-          <a:p>
-            <a:pPr algn="r"/>
-            <a:r>
-              <a:rPr lang="en-US" sz="1600">
-                <a:solidFill>
-                  <a:srgbClr val="FFFFFE"/>
-                </a:solidFill>
-              </a:rPr>
-              <a:t>Compilatore da PGN a visualizzazione grafica </a:t>
-            </a:r>
-          </a:p>
-        </p:txBody>
-      </p:sp>
-      <p:cxnSp>
-        <p:nvCxnSpPr>
-          <p:cNvPr id="24" name="Straight Connector 23">
-            <a:extLst>
-              <a:ext uri="{FF2B5EF4-FFF2-40B4-BE49-F238E27FC236}">
-                <a16:creationId xmlns:a16="http://schemas.microsoft.com/office/drawing/2014/main" id="{B6C1711D-6DAC-4FE1-B7B6-AC8A81B84C08}"/>
+                <a16:creationId xmlns:a16="http://schemas.microsoft.com/office/drawing/2014/main" id="{41F9764E-9AA0-49A3-9EA2-885EE9914014}"/>
               </a:ext>
               <a:ext uri="{C183D7F6-B498-43B3-948B-1728B52AA6E4}">
                 <adec:decorative xmlns:adec="http://schemas.microsoft.com/office/drawing/2017/decorative" val="1"/>
               </a:ext>
             </a:extLst>
           </p:cNvPr>
-          <p:cNvCxnSpPr>
-            <a:cxnSpLocks noGrp="1" noRot="1" noChangeAspect="1" noMove="1" noResize="1" noEditPoints="1" noAdjustHandles="1" noChangeArrowheads="1" noChangeShapeType="1"/>
-          </p:cNvCxnSpPr>
+          <p:cNvSpPr>
+            <a:spLocks noGrp="1" noRot="1" noChangeAspect="1" noMove="1" noResize="1" noEditPoints="1" noAdjustHandles="1" noChangeArrowheads="1" noChangeShapeType="1" noTextEdit="1"/>
+          </p:cNvSpPr>
           <p:nvPr>
             <p:extLst>
               <p:ext uri="{386F3935-93C4-4BCD-93E2-E3B085C9AB24}">
@@ -4593,32 +7025,465 @@
               </p:ext>
             </p:extLst>
           </p:nvPr>
-        </p:nvCxnSpPr>
+        </p:nvSpPr>
         <p:spPr>
           <a:xfrm>
-            <a:off x="1300525" y="4666480"/>
-            <a:ext cx="6829043" cy="0"/>
+            <a:off x="9603442" y="-8467"/>
+            <a:ext cx="2588558" cy="6866467"/>
           </a:xfrm>
-          <a:prstGeom prst="line">
+          <a:custGeom>
             <a:avLst/>
-          </a:prstGeom>
-          <a:ln w="31750"/>
+            <a:gdLst/>
+            <a:ahLst/>
+            <a:cxnLst/>
+            <a:rect l="l" t="t" r="r" b="b"/>
+            <a:pathLst>
+              <a:path w="2573311" h="6866467">
+                <a:moveTo>
+                  <a:pt x="0" y="0"/>
+                </a:moveTo>
+                <a:lnTo>
+                  <a:pt x="2573311" y="0"/>
+                </a:lnTo>
+                <a:lnTo>
+                  <a:pt x="2573311" y="6866467"/>
+                </a:lnTo>
+                <a:lnTo>
+                  <a:pt x="1202336" y="6866467"/>
+                </a:lnTo>
+                <a:lnTo>
+                  <a:pt x="0" y="0"/>
+                </a:lnTo>
+                <a:close/>
+              </a:path>
+            </a:pathLst>
+          </a:custGeom>
+          <a:solidFill>
+            <a:schemeClr val="accent1">
+              <a:alpha val="20000"/>
+            </a:schemeClr>
+          </a:solidFill>
+          <a:ln>
+            <a:noFill/>
+          </a:ln>
+          <a:effectLst/>
         </p:spPr>
         <p:style>
-          <a:lnRef idx="3">
+          <a:lnRef idx="1">
             <a:schemeClr val="accent1"/>
           </a:lnRef>
-          <a:fillRef idx="0">
+          <a:fillRef idx="3">
             <a:schemeClr val="accent1"/>
           </a:fillRef>
           <a:effectRef idx="2">
             <a:schemeClr val="accent1"/>
           </a:effectRef>
           <a:fontRef idx="minor">
-            <a:schemeClr val="tx1"/>
+            <a:schemeClr val="lt1"/>
           </a:fontRef>
         </p:style>
-      </p:cxnSp>
+        <p:txBody>
+          <a:bodyPr/>
+          <a:lstStyle/>
+          <a:p>
+            <a:endParaRPr lang="en-US"/>
+          </a:p>
+        </p:txBody>
+      </p:sp>
+      <p:sp>
+        <p:nvSpPr>
+          <p:cNvPr id="39" name="Isosceles Triangle 24">
+            <a:extLst>
+              <a:ext uri="{FF2B5EF4-FFF2-40B4-BE49-F238E27FC236}">
+                <a16:creationId xmlns:a16="http://schemas.microsoft.com/office/drawing/2014/main" id="{FA3A4F4A-4DC4-43F2-AC2D-06211A812FC0}"/>
+              </a:ext>
+              <a:ext uri="{C183D7F6-B498-43B3-948B-1728B52AA6E4}">
+                <adec:decorative xmlns:adec="http://schemas.microsoft.com/office/drawing/2017/decorative" val="1"/>
+              </a:ext>
+            </a:extLst>
+          </p:cNvPr>
+          <p:cNvSpPr>
+            <a:spLocks noGrp="1" noRot="1" noChangeAspect="1" noMove="1" noResize="1" noEditPoints="1" noAdjustHandles="1" noChangeArrowheads="1" noChangeShapeType="1" noTextEdit="1"/>
+          </p:cNvSpPr>
+          <p:nvPr>
+            <p:extLst>
+              <p:ext uri="{386F3935-93C4-4BCD-93E2-E3B085C9AB24}">
+                <p16:designElem xmlns:p16="http://schemas.microsoft.com/office/powerpoint/2015/main" val="1"/>
+              </p:ext>
+            </p:extLst>
+          </p:nvPr>
+        </p:nvSpPr>
+        <p:spPr>
+          <a:xfrm>
+            <a:off x="8932333" y="3048000"/>
+            <a:ext cx="3259667" cy="3810000"/>
+          </a:xfrm>
+          <a:prstGeom prst="triangle">
+            <a:avLst>
+              <a:gd name="adj" fmla="val 100000"/>
+            </a:avLst>
+          </a:prstGeom>
+          <a:solidFill>
+            <a:schemeClr val="accent2">
+              <a:alpha val="72000"/>
+            </a:schemeClr>
+          </a:solidFill>
+          <a:ln>
+            <a:noFill/>
+          </a:ln>
+          <a:effectLst/>
+        </p:spPr>
+        <p:style>
+          <a:lnRef idx="1">
+            <a:schemeClr val="accent1"/>
+          </a:lnRef>
+          <a:fillRef idx="3">
+            <a:schemeClr val="accent1"/>
+          </a:fillRef>
+          <a:effectRef idx="2">
+            <a:schemeClr val="accent1"/>
+          </a:effectRef>
+          <a:fontRef idx="minor">
+            <a:schemeClr val="lt1"/>
+          </a:fontRef>
+        </p:style>
+        <p:txBody>
+          <a:bodyPr/>
+          <a:lstStyle/>
+          <a:p>
+            <a:endParaRPr lang="en-US"/>
+          </a:p>
+        </p:txBody>
+      </p:sp>
+      <p:sp>
+        <p:nvSpPr>
+          <p:cNvPr id="41" name="Rectangle 27">
+            <a:extLst>
+              <a:ext uri="{FF2B5EF4-FFF2-40B4-BE49-F238E27FC236}">
+                <a16:creationId xmlns:a16="http://schemas.microsoft.com/office/drawing/2014/main" id="{84CFB374-B343-457A-B567-B4D784B1FEAE}"/>
+              </a:ext>
+              <a:ext uri="{C183D7F6-B498-43B3-948B-1728B52AA6E4}">
+                <adec:decorative xmlns:adec="http://schemas.microsoft.com/office/drawing/2017/decorative" val="1"/>
+              </a:ext>
+            </a:extLst>
+          </p:cNvPr>
+          <p:cNvSpPr>
+            <a:spLocks noGrp="1" noRot="1" noChangeAspect="1" noMove="1" noResize="1" noEditPoints="1" noAdjustHandles="1" noChangeArrowheads="1" noChangeShapeType="1" noTextEdit="1"/>
+          </p:cNvSpPr>
+          <p:nvPr>
+            <p:extLst>
+              <p:ext uri="{386F3935-93C4-4BCD-93E2-E3B085C9AB24}">
+                <p16:designElem xmlns:p16="http://schemas.microsoft.com/office/powerpoint/2015/main" val="1"/>
+              </p:ext>
+            </p:extLst>
+          </p:nvPr>
+        </p:nvSpPr>
+        <p:spPr>
+          <a:xfrm>
+            <a:off x="9334500" y="-8467"/>
+            <a:ext cx="2854326" cy="6866467"/>
+          </a:xfrm>
+          <a:custGeom>
+            <a:avLst/>
+            <a:gdLst/>
+            <a:ahLst/>
+            <a:cxnLst/>
+            <a:rect l="l" t="t" r="r" b="b"/>
+            <a:pathLst>
+              <a:path w="2858013" h="6866467">
+                <a:moveTo>
+                  <a:pt x="0" y="0"/>
+                </a:moveTo>
+                <a:lnTo>
+                  <a:pt x="2858013" y="0"/>
+                </a:lnTo>
+                <a:lnTo>
+                  <a:pt x="2858013" y="6866467"/>
+                </a:lnTo>
+                <a:lnTo>
+                  <a:pt x="2473942" y="6866467"/>
+                </a:lnTo>
+                <a:lnTo>
+                  <a:pt x="0" y="0"/>
+                </a:lnTo>
+                <a:close/>
+              </a:path>
+            </a:pathLst>
+          </a:custGeom>
+          <a:solidFill>
+            <a:schemeClr val="accent2">
+              <a:lumMod val="75000"/>
+              <a:alpha val="47000"/>
+            </a:schemeClr>
+          </a:solidFill>
+          <a:ln>
+            <a:noFill/>
+          </a:ln>
+          <a:effectLst/>
+        </p:spPr>
+        <p:style>
+          <a:lnRef idx="1">
+            <a:schemeClr val="accent1"/>
+          </a:lnRef>
+          <a:fillRef idx="3">
+            <a:schemeClr val="accent1"/>
+          </a:fillRef>
+          <a:effectRef idx="2">
+            <a:schemeClr val="accent1"/>
+          </a:effectRef>
+          <a:fontRef idx="minor">
+            <a:schemeClr val="lt1"/>
+          </a:fontRef>
+        </p:style>
+        <p:txBody>
+          <a:bodyPr/>
+          <a:lstStyle/>
+          <a:p>
+            <a:endParaRPr lang="en-US"/>
+          </a:p>
+        </p:txBody>
+      </p:sp>
+      <p:sp>
+        <p:nvSpPr>
+          <p:cNvPr id="43" name="Rectangle 28">
+            <a:extLst>
+              <a:ext uri="{FF2B5EF4-FFF2-40B4-BE49-F238E27FC236}">
+                <a16:creationId xmlns:a16="http://schemas.microsoft.com/office/drawing/2014/main" id="{0597FEEE-1E11-4396-BB69-B43FA92F9580}"/>
+              </a:ext>
+              <a:ext uri="{C183D7F6-B498-43B3-948B-1728B52AA6E4}">
+                <adec:decorative xmlns:adec="http://schemas.microsoft.com/office/drawing/2017/decorative" val="1"/>
+              </a:ext>
+            </a:extLst>
+          </p:cNvPr>
+          <p:cNvSpPr>
+            <a:spLocks noGrp="1" noRot="1" noChangeAspect="1" noMove="1" noResize="1" noEditPoints="1" noAdjustHandles="1" noChangeArrowheads="1" noChangeShapeType="1" noTextEdit="1"/>
+          </p:cNvSpPr>
+          <p:nvPr>
+            <p:extLst>
+              <p:ext uri="{386F3935-93C4-4BCD-93E2-E3B085C9AB24}">
+                <p16:designElem xmlns:p16="http://schemas.microsoft.com/office/powerpoint/2015/main" val="1"/>
+              </p:ext>
+            </p:extLst>
+          </p:nvPr>
+        </p:nvSpPr>
+        <p:spPr>
+          <a:xfrm>
+            <a:off x="10898730" y="-8467"/>
+            <a:ext cx="1290094" cy="6866467"/>
+          </a:xfrm>
+          <a:custGeom>
+            <a:avLst/>
+            <a:gdLst/>
+            <a:ahLst/>
+            <a:cxnLst/>
+            <a:rect l="l" t="t" r="r" b="b"/>
+            <a:pathLst>
+              <a:path w="1290094" h="6858000">
+                <a:moveTo>
+                  <a:pt x="1019735" y="0"/>
+                </a:moveTo>
+                <a:lnTo>
+                  <a:pt x="1290094" y="0"/>
+                </a:lnTo>
+                <a:lnTo>
+                  <a:pt x="1290094" y="6858000"/>
+                </a:lnTo>
+                <a:lnTo>
+                  <a:pt x="0" y="6858000"/>
+                </a:lnTo>
+                <a:lnTo>
+                  <a:pt x="1019735" y="0"/>
+                </a:lnTo>
+                <a:close/>
+              </a:path>
+            </a:pathLst>
+          </a:custGeom>
+          <a:solidFill>
+            <a:schemeClr val="accent1">
+              <a:lumMod val="60000"/>
+              <a:lumOff val="40000"/>
+              <a:alpha val="70000"/>
+            </a:schemeClr>
+          </a:solidFill>
+          <a:ln>
+            <a:noFill/>
+          </a:ln>
+          <a:effectLst/>
+        </p:spPr>
+        <p:style>
+          <a:lnRef idx="1">
+            <a:schemeClr val="accent1"/>
+          </a:lnRef>
+          <a:fillRef idx="3">
+            <a:schemeClr val="accent1"/>
+          </a:fillRef>
+          <a:effectRef idx="2">
+            <a:schemeClr val="accent1"/>
+          </a:effectRef>
+          <a:fontRef idx="minor">
+            <a:schemeClr val="lt1"/>
+          </a:fontRef>
+        </p:style>
+        <p:txBody>
+          <a:bodyPr/>
+          <a:lstStyle/>
+          <a:p>
+            <a:endParaRPr lang="en-US"/>
+          </a:p>
+        </p:txBody>
+      </p:sp>
+      <p:sp>
+        <p:nvSpPr>
+          <p:cNvPr id="45" name="Rectangle 29">
+            <a:extLst>
+              <a:ext uri="{FF2B5EF4-FFF2-40B4-BE49-F238E27FC236}">
+                <a16:creationId xmlns:a16="http://schemas.microsoft.com/office/drawing/2014/main" id="{A2DB2F81-3E68-4044-B7C2-03DEEC50D8F5}"/>
+              </a:ext>
+              <a:ext uri="{C183D7F6-B498-43B3-948B-1728B52AA6E4}">
+                <adec:decorative xmlns:adec="http://schemas.microsoft.com/office/drawing/2017/decorative" val="1"/>
+              </a:ext>
+            </a:extLst>
+          </p:cNvPr>
+          <p:cNvSpPr>
+            <a:spLocks noGrp="1" noRot="1" noChangeAspect="1" noMove="1" noResize="1" noEditPoints="1" noAdjustHandles="1" noChangeArrowheads="1" noChangeShapeType="1" noTextEdit="1"/>
+          </p:cNvSpPr>
+          <p:nvPr>
+            <p:extLst>
+              <p:ext uri="{386F3935-93C4-4BCD-93E2-E3B085C9AB24}">
+                <p16:designElem xmlns:p16="http://schemas.microsoft.com/office/powerpoint/2015/main" val="1"/>
+              </p:ext>
+            </p:extLst>
+          </p:nvPr>
+        </p:nvSpPr>
+        <p:spPr>
+          <a:xfrm>
+            <a:off x="10938999" y="-8467"/>
+            <a:ext cx="1249825" cy="6866467"/>
+          </a:xfrm>
+          <a:custGeom>
+            <a:avLst/>
+            <a:gdLst/>
+            <a:ahLst/>
+            <a:cxnLst/>
+            <a:rect l="l" t="t" r="r" b="b"/>
+            <a:pathLst>
+              <a:path w="1249825" h="6858000">
+                <a:moveTo>
+                  <a:pt x="0" y="0"/>
+                </a:moveTo>
+                <a:lnTo>
+                  <a:pt x="1249825" y="0"/>
+                </a:lnTo>
+                <a:lnTo>
+                  <a:pt x="1249825" y="6858000"/>
+                </a:lnTo>
+                <a:lnTo>
+                  <a:pt x="1109382" y="6858000"/>
+                </a:lnTo>
+                <a:lnTo>
+                  <a:pt x="0" y="0"/>
+                </a:lnTo>
+                <a:close/>
+              </a:path>
+            </a:pathLst>
+          </a:custGeom>
+          <a:solidFill>
+            <a:schemeClr val="accent1">
+              <a:alpha val="65000"/>
+            </a:schemeClr>
+          </a:solidFill>
+          <a:ln>
+            <a:noFill/>
+          </a:ln>
+          <a:effectLst/>
+        </p:spPr>
+        <p:style>
+          <a:lnRef idx="1">
+            <a:schemeClr val="accent1"/>
+          </a:lnRef>
+          <a:fillRef idx="3">
+            <a:schemeClr val="accent1"/>
+          </a:fillRef>
+          <a:effectRef idx="2">
+            <a:schemeClr val="accent1"/>
+          </a:effectRef>
+          <a:fontRef idx="minor">
+            <a:schemeClr val="lt1"/>
+          </a:fontRef>
+        </p:style>
+        <p:txBody>
+          <a:bodyPr/>
+          <a:lstStyle/>
+          <a:p>
+            <a:endParaRPr lang="en-US"/>
+          </a:p>
+        </p:txBody>
+      </p:sp>
+      <p:sp>
+        <p:nvSpPr>
+          <p:cNvPr id="47" name="Isosceles Triangle 29">
+            <a:extLst>
+              <a:ext uri="{FF2B5EF4-FFF2-40B4-BE49-F238E27FC236}">
+                <a16:creationId xmlns:a16="http://schemas.microsoft.com/office/drawing/2014/main" id="{DC2F7294-2397-4C96-AB1E-E66CDEA3B5DF}"/>
+              </a:ext>
+              <a:ext uri="{C183D7F6-B498-43B3-948B-1728B52AA6E4}">
+                <adec:decorative xmlns:adec="http://schemas.microsoft.com/office/drawing/2017/decorative" val="1"/>
+              </a:ext>
+            </a:extLst>
+          </p:cNvPr>
+          <p:cNvSpPr>
+            <a:spLocks noGrp="1" noRot="1" noChangeAspect="1" noMove="1" noResize="1" noEditPoints="1" noAdjustHandles="1" noChangeArrowheads="1" noChangeShapeType="1" noTextEdit="1"/>
+          </p:cNvSpPr>
+          <p:nvPr>
+            <p:extLst>
+              <p:ext uri="{386F3935-93C4-4BCD-93E2-E3B085C9AB24}">
+                <p16:designElem xmlns:p16="http://schemas.microsoft.com/office/powerpoint/2015/main" val="1"/>
+              </p:ext>
+            </p:extLst>
+          </p:nvPr>
+        </p:nvSpPr>
+        <p:spPr>
+          <a:xfrm>
+            <a:off x="10371666" y="3589867"/>
+            <a:ext cx="1817159" cy="3268133"/>
+          </a:xfrm>
+          <a:prstGeom prst="triangle">
+            <a:avLst>
+              <a:gd name="adj" fmla="val 100000"/>
+            </a:avLst>
+          </a:prstGeom>
+          <a:solidFill>
+            <a:schemeClr val="accent1">
+              <a:alpha val="80000"/>
+            </a:schemeClr>
+          </a:solidFill>
+          <a:ln>
+            <a:noFill/>
+          </a:ln>
+          <a:effectLst/>
+        </p:spPr>
+        <p:style>
+          <a:lnRef idx="1">
+            <a:schemeClr val="accent1"/>
+          </a:lnRef>
+          <a:fillRef idx="3">
+            <a:schemeClr val="accent1"/>
+          </a:fillRef>
+          <a:effectRef idx="2">
+            <a:schemeClr val="accent1"/>
+          </a:effectRef>
+          <a:fontRef idx="minor">
+            <a:schemeClr val="lt1"/>
+          </a:fontRef>
+        </p:style>
+        <p:txBody>
+          <a:bodyPr/>
+          <a:lstStyle/>
+          <a:p>
+            <a:endParaRPr lang="en-US"/>
+          </a:p>
+        </p:txBody>
+      </p:sp>
     </p:spTree>
     <p:extLst>
       <p:ext uri="{BB962C8B-B14F-4D97-AF65-F5344CB8AC3E}">
@@ -4665,13 +7530,26 @@
             <p:ph type="title"/>
           </p:nvPr>
         </p:nvSpPr>
-        <p:spPr/>
-        <p:txBody>
-          <a:bodyPr/>
-          <a:lstStyle/>
-          <a:p>
-            <a:r>
-              <a:rPr lang="en-US" dirty="0"/>
+        <p:spPr>
+          <a:xfrm>
+            <a:off x="639229" y="636467"/>
+            <a:ext cx="9603275" cy="599769"/>
+          </a:xfrm>
+        </p:spPr>
+        <p:txBody>
+          <a:bodyPr>
+            <a:noAutofit/>
+          </a:bodyPr>
+          <a:lstStyle/>
+          <a:p>
+            <a:r>
+              <a:rPr lang="en-US" b="1" dirty="0">
+                <a:solidFill>
+                  <a:schemeClr val="accent2">
+                    <a:lumMod val="75000"/>
+                  </a:schemeClr>
+                </a:solidFill>
+              </a:rPr>
               <a:t>CONTESTO</a:t>
             </a:r>
           </a:p>
@@ -4710,7 +7588,7 @@
         </p:blipFill>
         <p:spPr>
           <a:xfrm>
-            <a:off x="2610540" y="3519949"/>
+            <a:off x="1949191" y="3566612"/>
             <a:ext cx="658530" cy="658530"/>
           </a:xfrm>
         </p:spPr>
@@ -4746,7 +7624,7 @@
         </p:blipFill>
         <p:spPr>
           <a:xfrm>
-            <a:off x="1086465" y="3148550"/>
+            <a:off x="425116" y="3195213"/>
             <a:ext cx="2059858" cy="2059858"/>
           </a:xfrm>
           <a:prstGeom prst="rect">
@@ -4785,7 +7663,7 @@
         </p:blipFill>
         <p:spPr>
           <a:xfrm flipH="1">
-            <a:off x="2753033" y="3148550"/>
+            <a:off x="2091684" y="3195213"/>
             <a:ext cx="2059858" cy="2059858"/>
           </a:xfrm>
           <a:prstGeom prst="rect">
@@ -4824,7 +7702,7 @@
         </p:blipFill>
         <p:spPr>
           <a:xfrm>
-            <a:off x="6297562" y="3148550"/>
+            <a:off x="5626120" y="3258117"/>
             <a:ext cx="1814052" cy="1814052"/>
           </a:xfrm>
           <a:prstGeom prst="rect">
@@ -4846,7 +7724,7 @@
         </p:nvSpPr>
         <p:spPr>
           <a:xfrm>
-            <a:off x="2959510" y="2548782"/>
+            <a:off x="2542383" y="2620297"/>
             <a:ext cx="3519949" cy="599768"/>
           </a:xfrm>
           <a:prstGeom prst="curvedDownArrow">
@@ -4900,7 +7778,7 @@
         </p:nvSpPr>
         <p:spPr>
           <a:xfrm>
-            <a:off x="3494725" y="2179450"/>
+            <a:off x="3241906" y="2175720"/>
             <a:ext cx="2120902" cy="369332"/>
           </a:xfrm>
           <a:prstGeom prst="rect">
@@ -4935,8 +7813,8 @@
         </p:nvSpPr>
         <p:spPr>
           <a:xfrm>
-            <a:off x="9150165" y="3809147"/>
-            <a:ext cx="1904689" cy="369332"/>
+            <a:off x="8351951" y="2825881"/>
+            <a:ext cx="1612182" cy="369332"/>
           </a:xfrm>
           <a:prstGeom prst="rect">
             <a:avLst/>
@@ -4944,38 +7822,169 @@
           <a:noFill/>
         </p:spPr>
         <p:txBody>
-          <a:bodyPr wrap="none" rtlCol="0">
+          <a:bodyPr wrap="square" rtlCol="0">
             <a:spAutoFit/>
           </a:bodyPr>
           <a:lstStyle/>
           <a:p>
             <a:r>
-              <a:rPr lang="en-US" dirty="0">
-                <a:solidFill>
-                  <a:srgbClr val="FF0000"/>
-                </a:solidFill>
-              </a:rPr>
-              <a:t>E il </a:t>
-            </a:r>
-            <a:r>
-              <a:rPr lang="en-US" dirty="0" err="1">
-                <a:solidFill>
-                  <a:srgbClr val="FF0000"/>
-                </a:solidFill>
-              </a:rPr>
-              <a:t>contrario</a:t>
-            </a:r>
-            <a:r>
-              <a:rPr lang="en-US" dirty="0">
-                <a:solidFill>
-                  <a:srgbClr val="FF0000"/>
-                </a:solidFill>
-              </a:rPr>
-              <a:t>?!?!?!?</a:t>
-            </a:r>
-          </a:p>
-        </p:txBody>
-      </p:sp>
+              <a:rPr lang="en-US" dirty="0" err="1"/>
+              <a:t>Complesso</a:t>
+            </a:r>
+            <a:r>
+              <a:rPr lang="en-US" dirty="0"/>
+              <a:t>…</a:t>
+            </a:r>
+          </a:p>
+        </p:txBody>
+      </p:sp>
+      <p:sp>
+        <p:nvSpPr>
+          <p:cNvPr id="3" name="CasellaDiTesto 2">
+            <a:extLst>
+              <a:ext uri="{FF2B5EF4-FFF2-40B4-BE49-F238E27FC236}">
+                <a16:creationId xmlns:a16="http://schemas.microsoft.com/office/drawing/2014/main" id="{94F55C1A-5E8F-D773-20C1-2ADCACB176F2}"/>
+              </a:ext>
+            </a:extLst>
+          </p:cNvPr>
+          <p:cNvSpPr txBox="1"/>
+          <p:nvPr/>
+        </p:nvSpPr>
+        <p:spPr>
+          <a:xfrm>
+            <a:off x="8351951" y="4225142"/>
+            <a:ext cx="1664605" cy="1477328"/>
+          </a:xfrm>
+          <a:prstGeom prst="rect">
+            <a:avLst/>
+          </a:prstGeom>
+          <a:noFill/>
+        </p:spPr>
+        <p:txBody>
+          <a:bodyPr wrap="square" rtlCol="0">
+            <a:spAutoFit/>
+          </a:bodyPr>
+          <a:lstStyle/>
+          <a:p>
+            <a:r>
+              <a:rPr lang="en-US" dirty="0"/>
+              <a:t>Non </a:t>
+            </a:r>
+            <a:r>
+              <a:rPr lang="en-US" dirty="0" err="1"/>
+              <a:t>facilmente</a:t>
+            </a:r>
+            <a:r>
+              <a:rPr lang="en-US" dirty="0"/>
+              <a:t> </a:t>
+            </a:r>
+            <a:r>
+              <a:rPr lang="en-US" dirty="0" err="1"/>
+              <a:t>intuibile</a:t>
+            </a:r>
+            <a:r>
+              <a:rPr lang="en-US" dirty="0"/>
+              <a:t> da un </a:t>
+            </a:r>
+            <a:r>
+              <a:rPr lang="en-US" dirty="0" err="1"/>
+              <a:t>essere</a:t>
+            </a:r>
+            <a:r>
+              <a:rPr lang="en-US" dirty="0"/>
+              <a:t> </a:t>
+            </a:r>
+            <a:r>
+              <a:rPr lang="en-US" dirty="0" err="1"/>
+              <a:t>umano</a:t>
+            </a:r>
+            <a:r>
+              <a:rPr lang="en-US" dirty="0"/>
+              <a:t>…</a:t>
+            </a:r>
+          </a:p>
+        </p:txBody>
+      </p:sp>
+      <p:cxnSp>
+        <p:nvCxnSpPr>
+          <p:cNvPr id="6" name="Connettore curvo 5">
+            <a:extLst>
+              <a:ext uri="{FF2B5EF4-FFF2-40B4-BE49-F238E27FC236}">
+                <a16:creationId xmlns:a16="http://schemas.microsoft.com/office/drawing/2014/main" id="{5A2BAE34-2DC7-623F-A122-BBDB826D3F80}"/>
+              </a:ext>
+            </a:extLst>
+          </p:cNvPr>
+          <p:cNvCxnSpPr/>
+          <p:nvPr/>
+        </p:nvCxnSpPr>
+        <p:spPr>
+          <a:xfrm rot="10800000" flipV="1">
+            <a:off x="7283389" y="3061849"/>
+            <a:ext cx="1014761" cy="860687"/>
+          </a:xfrm>
+          <a:prstGeom prst="curvedConnector3">
+            <a:avLst/>
+          </a:prstGeom>
+          <a:ln>
+            <a:tailEnd type="triangle"/>
+          </a:ln>
+        </p:spPr>
+        <p:style>
+          <a:lnRef idx="3">
+            <a:schemeClr val="accent2"/>
+          </a:lnRef>
+          <a:fillRef idx="0">
+            <a:schemeClr val="accent2"/>
+          </a:fillRef>
+          <a:effectRef idx="2">
+            <a:schemeClr val="accent2"/>
+          </a:effectRef>
+          <a:fontRef idx="minor">
+            <a:schemeClr val="tx1"/>
+          </a:fontRef>
+        </p:style>
+      </p:cxnSp>
+      <p:cxnSp>
+        <p:nvCxnSpPr>
+          <p:cNvPr id="9" name="Connettore curvo 8">
+            <a:extLst>
+              <a:ext uri="{FF2B5EF4-FFF2-40B4-BE49-F238E27FC236}">
+                <a16:creationId xmlns:a16="http://schemas.microsoft.com/office/drawing/2014/main" id="{401FADCF-58F1-88F1-5D68-B67233AC3172}"/>
+              </a:ext>
+            </a:extLst>
+          </p:cNvPr>
+          <p:cNvCxnSpPr>
+            <a:cxnSpLocks/>
+          </p:cNvCxnSpPr>
+          <p:nvPr/>
+        </p:nvCxnSpPr>
+        <p:spPr>
+          <a:xfrm rot="10800000">
+            <a:off x="7283388" y="4134697"/>
+            <a:ext cx="1112731" cy="911893"/>
+          </a:xfrm>
+          <a:prstGeom prst="curvedConnector3">
+            <a:avLst/>
+          </a:prstGeom>
+          <a:ln>
+            <a:tailEnd type="triangle"/>
+          </a:ln>
+        </p:spPr>
+        <p:style>
+          <a:lnRef idx="3">
+            <a:schemeClr val="accent2"/>
+          </a:lnRef>
+          <a:fillRef idx="0">
+            <a:schemeClr val="accent2"/>
+          </a:fillRef>
+          <a:effectRef idx="2">
+            <a:schemeClr val="accent2"/>
+          </a:effectRef>
+          <a:fontRef idx="minor">
+            <a:schemeClr val="tx1"/>
+          </a:fontRef>
+        </p:style>
+      </p:cxnSp>
     </p:spTree>
     <p:extLst>
       <p:ext uri="{BB962C8B-B14F-4D97-AF65-F5344CB8AC3E}">
@@ -5028,8 +8037,14 @@
           <a:lstStyle/>
           <a:p>
             <a:r>
-              <a:rPr lang="en-US" dirty="0"/>
-              <a:t>COSA FACCIAMO</a:t>
+              <a:rPr lang="en-US" b="1" dirty="0">
+                <a:solidFill>
+                  <a:schemeClr val="accent2">
+                    <a:lumMod val="75000"/>
+                  </a:schemeClr>
+                </a:solidFill>
+              </a:rPr>
+              <a:t>COMPILER CHECKER</a:t>
             </a:r>
           </a:p>
         </p:txBody>
@@ -5065,7 +8080,7 @@
         </p:blipFill>
         <p:spPr>
           <a:xfrm>
-            <a:off x="1548581" y="3040395"/>
+            <a:off x="571934" y="3062698"/>
             <a:ext cx="1814052" cy="1814052"/>
           </a:xfrm>
           <a:prstGeom prst="rect">
@@ -5087,7 +8102,7 @@
         </p:nvSpPr>
         <p:spPr>
           <a:xfrm>
-            <a:off x="2959510" y="2548782"/>
+            <a:off x="2022807" y="2571085"/>
             <a:ext cx="4542503" cy="599768"/>
           </a:xfrm>
           <a:prstGeom prst="curvedDownArrow">
@@ -5141,7 +8156,7 @@
         </p:nvSpPr>
         <p:spPr>
           <a:xfrm>
-            <a:off x="3982065" y="2179450"/>
+            <a:off x="3045362" y="2201753"/>
             <a:ext cx="1888466" cy="369332"/>
           </a:xfrm>
           <a:prstGeom prst="rect">
@@ -5193,7 +8208,7 @@
         </p:blipFill>
         <p:spPr>
           <a:xfrm>
-            <a:off x="7290620" y="2187447"/>
+            <a:off x="6353917" y="2209750"/>
             <a:ext cx="3519948" cy="3519948"/>
           </a:xfrm>
           <a:prstGeom prst="rect">
@@ -5230,7 +8245,7 @@
         </p:blipFill>
         <p:spPr bwMode="auto">
           <a:xfrm>
-            <a:off x="8166920" y="2794819"/>
+            <a:off x="7230217" y="2817122"/>
             <a:ext cx="1802990" cy="1802990"/>
           </a:xfrm>
           <a:prstGeom prst="rect">
@@ -5279,7 +8294,7 @@
         </p:blipFill>
         <p:spPr>
           <a:xfrm>
-            <a:off x="4667865" y="2583195"/>
+            <a:off x="3731162" y="2605498"/>
             <a:ext cx="914400" cy="914400"/>
           </a:xfrm>
           <a:prstGeom prst="rect">
@@ -5339,7 +8354,13 @@
           <a:lstStyle/>
           <a:p>
             <a:r>
-              <a:rPr lang="en-US" dirty="0"/>
+              <a:rPr lang="en-US" b="1" dirty="0">
+                <a:solidFill>
+                  <a:schemeClr val="accent2">
+                    <a:lumMod val="75000"/>
+                  </a:schemeClr>
+                </a:solidFill>
+              </a:rPr>
               <a:t>VANTAGGI</a:t>
             </a:r>
           </a:p>
@@ -5347,63 +8368,371 @@
       </p:sp>
       <p:sp>
         <p:nvSpPr>
-          <p:cNvPr id="3" name="Segnaposto contenuto 2">
+          <p:cNvPr id="4" name="CasellaDiTesto 3">
             <a:extLst>
               <a:ext uri="{FF2B5EF4-FFF2-40B4-BE49-F238E27FC236}">
-                <a16:creationId xmlns:a16="http://schemas.microsoft.com/office/drawing/2014/main" id="{68FA1B05-F04F-6C1D-7883-4C25651D3EB6}"/>
+                <a16:creationId xmlns:a16="http://schemas.microsoft.com/office/drawing/2014/main" id="{74B9394D-E582-379C-FBB7-893C195D8B79}"/>
               </a:ext>
             </a:extLst>
           </p:cNvPr>
-          <p:cNvSpPr>
-            <a:spLocks noGrp="1"/>
-          </p:cNvSpPr>
-          <p:nvPr>
-            <p:ph idx="1"/>
-          </p:nvPr>
-        </p:nvSpPr>
-        <p:spPr/>
-        <p:txBody>
-          <a:bodyPr/>
-          <a:lstStyle/>
-          <a:p>
-            <a:r>
-              <a:rPr lang="en-US" dirty="0" err="1"/>
-              <a:t>Rappresentazione</a:t>
-            </a:r>
+          <p:cNvSpPr txBox="1"/>
+          <p:nvPr/>
+        </p:nvSpPr>
+        <p:spPr>
+          <a:xfrm>
+            <a:off x="1344458" y="1745734"/>
+            <a:ext cx="3147080" cy="369332"/>
+          </a:xfrm>
+          <a:prstGeom prst="rect">
+            <a:avLst/>
+          </a:prstGeom>
+          <a:noFill/>
+        </p:spPr>
+        <p:txBody>
+          <a:bodyPr wrap="none" rtlCol="0">
+            <a:spAutoFit/>
+          </a:bodyPr>
+          <a:lstStyle/>
+          <a:p>
             <a:r>
               <a:rPr lang="en-US" dirty="0"/>
-              <a:t> </a:t>
-            </a:r>
-            <a:r>
-              <a:rPr lang="en-US" dirty="0" err="1"/>
-              <a:t>chiara</a:t>
+              <a:t>RAPPRESENTAZIONE CHIARA</a:t>
+            </a:r>
+          </a:p>
+        </p:txBody>
+      </p:sp>
+      <p:sp>
+        <p:nvSpPr>
+          <p:cNvPr id="5" name="CasellaDiTesto 4">
+            <a:extLst>
+              <a:ext uri="{FF2B5EF4-FFF2-40B4-BE49-F238E27FC236}">
+                <a16:creationId xmlns:a16="http://schemas.microsoft.com/office/drawing/2014/main" id="{B495E90D-4880-9F17-6EE6-D68B1A96BC92}"/>
+              </a:ext>
+            </a:extLst>
+          </p:cNvPr>
+          <p:cNvSpPr txBox="1"/>
+          <p:nvPr/>
+        </p:nvSpPr>
+        <p:spPr>
+          <a:xfrm>
+            <a:off x="6106380" y="1701800"/>
+            <a:ext cx="2353145" cy="369332"/>
+          </a:xfrm>
+          <a:prstGeom prst="rect">
+            <a:avLst/>
+          </a:prstGeom>
+          <a:noFill/>
+        </p:spPr>
+        <p:txBody>
+          <a:bodyPr wrap="none" rtlCol="0">
+            <a:spAutoFit/>
+          </a:bodyPr>
+          <a:lstStyle/>
+          <a:p>
+            <a:r>
+              <a:rPr lang="en-US" dirty="0"/>
+              <a:t>FACILIT</a:t>
+            </a:r>
+            <a:r>
+              <a:rPr lang="it-IT" dirty="0"/>
+              <a:t>À</a:t>
+            </a:r>
+            <a:r>
+              <a:rPr lang="en-US" dirty="0"/>
+              <a:t> DI UTILIZZO</a:t>
+            </a:r>
+          </a:p>
+        </p:txBody>
+      </p:sp>
+      <p:sp>
+        <p:nvSpPr>
+          <p:cNvPr id="6" name="CasellaDiTesto 5">
+            <a:extLst>
+              <a:ext uri="{FF2B5EF4-FFF2-40B4-BE49-F238E27FC236}">
+                <a16:creationId xmlns:a16="http://schemas.microsoft.com/office/drawing/2014/main" id="{4B37FECC-2E9A-8723-8118-965694888AEB}"/>
+              </a:ext>
+            </a:extLst>
+          </p:cNvPr>
+          <p:cNvSpPr txBox="1"/>
+          <p:nvPr/>
+        </p:nvSpPr>
+        <p:spPr>
+          <a:xfrm>
+            <a:off x="1344458" y="2424202"/>
+            <a:ext cx="1943161" cy="369332"/>
+          </a:xfrm>
+          <a:prstGeom prst="rect">
+            <a:avLst/>
+          </a:prstGeom>
+          <a:noFill/>
+        </p:spPr>
+        <p:txBody>
+          <a:bodyPr wrap="none" rtlCol="0">
+            <a:spAutoFit/>
+          </a:bodyPr>
+          <a:lstStyle/>
+          <a:p>
+            <a:r>
+              <a:rPr lang="en-US" dirty="0"/>
+              <a:t>INTERNAZIONALE</a:t>
+            </a:r>
+          </a:p>
+        </p:txBody>
+      </p:sp>
+      <p:sp>
+        <p:nvSpPr>
+          <p:cNvPr id="7" name="CasellaDiTesto 6">
+            <a:extLst>
+              <a:ext uri="{FF2B5EF4-FFF2-40B4-BE49-F238E27FC236}">
+                <a16:creationId xmlns:a16="http://schemas.microsoft.com/office/drawing/2014/main" id="{CD78B02B-AE68-4613-5674-5DD4C4ED27DA}"/>
+              </a:ext>
+            </a:extLst>
+          </p:cNvPr>
+          <p:cNvSpPr txBox="1"/>
+          <p:nvPr/>
+        </p:nvSpPr>
+        <p:spPr>
+          <a:xfrm>
+            <a:off x="6127139" y="2380268"/>
+            <a:ext cx="1488036" cy="369332"/>
+          </a:xfrm>
+          <a:prstGeom prst="rect">
+            <a:avLst/>
+          </a:prstGeom>
+          <a:noFill/>
+        </p:spPr>
+        <p:txBody>
+          <a:bodyPr wrap="none" rtlCol="0">
+            <a:spAutoFit/>
+          </a:bodyPr>
+          <a:lstStyle/>
+          <a:p>
+            <a:r>
+              <a:rPr lang="en-US" dirty="0"/>
+              <a:t>PORTABILIT</a:t>
+            </a:r>
+            <a:r>
+              <a:rPr lang="it-IT" dirty="0"/>
+              <a:t>À</a:t>
             </a:r>
             <a:endParaRPr lang="en-US" dirty="0"/>
           </a:p>
-          <a:p>
-            <a:r>
-              <a:rPr lang="en-US" dirty="0" err="1"/>
-              <a:t>Facilità</a:t>
-            </a:r>
-            <a:r>
-              <a:rPr lang="en-US" dirty="0"/>
-              <a:t> di </a:t>
-            </a:r>
-            <a:r>
-              <a:rPr lang="en-US" dirty="0" err="1"/>
-              <a:t>utilizzo</a:t>
-            </a:r>
-            <a:endParaRPr lang="en-US" dirty="0"/>
-          </a:p>
-          <a:p>
-            <a:r>
-              <a:rPr lang="en-US" dirty="0" err="1"/>
-              <a:t>Internazionale</a:t>
-            </a:r>
-            <a:endParaRPr lang="en-US" dirty="0"/>
-          </a:p>
-        </p:txBody>
-      </p:sp>
+        </p:txBody>
+      </p:sp>
+      <p:sp>
+        <p:nvSpPr>
+          <p:cNvPr id="10" name="Stella a 4 punte 9">
+            <a:extLst>
+              <a:ext uri="{FF2B5EF4-FFF2-40B4-BE49-F238E27FC236}">
+                <a16:creationId xmlns:a16="http://schemas.microsoft.com/office/drawing/2014/main" id="{E9EA786C-423B-5098-3784-96F4323D6DD9}"/>
+              </a:ext>
+            </a:extLst>
+          </p:cNvPr>
+          <p:cNvSpPr/>
+          <p:nvPr/>
+        </p:nvSpPr>
+        <p:spPr>
+          <a:xfrm>
+            <a:off x="927023" y="1686312"/>
+            <a:ext cx="417435" cy="457200"/>
+          </a:xfrm>
+          <a:prstGeom prst="star4">
+            <a:avLst/>
+          </a:prstGeom>
+        </p:spPr>
+        <p:style>
+          <a:lnRef idx="2">
+            <a:schemeClr val="accent1">
+              <a:shade val="15000"/>
+            </a:schemeClr>
+          </a:lnRef>
+          <a:fillRef idx="1">
+            <a:schemeClr val="accent1"/>
+          </a:fillRef>
+          <a:effectRef idx="0">
+            <a:schemeClr val="accent1"/>
+          </a:effectRef>
+          <a:fontRef idx="minor">
+            <a:schemeClr val="lt1"/>
+          </a:fontRef>
+        </p:style>
+        <p:txBody>
+          <a:bodyPr rtlCol="0" anchor="ctr"/>
+          <a:lstStyle/>
+          <a:p>
+            <a:pPr algn="ctr"/>
+            <a:endParaRPr lang="en-US"/>
+          </a:p>
+        </p:txBody>
+      </p:sp>
+      <p:sp>
+        <p:nvSpPr>
+          <p:cNvPr id="11" name="Stella a 4 punte 10">
+            <a:extLst>
+              <a:ext uri="{FF2B5EF4-FFF2-40B4-BE49-F238E27FC236}">
+                <a16:creationId xmlns:a16="http://schemas.microsoft.com/office/drawing/2014/main" id="{1E7D05D2-38E4-9D3E-3BD3-37307DD84DAE}"/>
+              </a:ext>
+            </a:extLst>
+          </p:cNvPr>
+          <p:cNvSpPr/>
+          <p:nvPr/>
+        </p:nvSpPr>
+        <p:spPr>
+          <a:xfrm>
+            <a:off x="5688945" y="1657866"/>
+            <a:ext cx="417435" cy="457200"/>
+          </a:xfrm>
+          <a:prstGeom prst="star4">
+            <a:avLst/>
+          </a:prstGeom>
+        </p:spPr>
+        <p:style>
+          <a:lnRef idx="2">
+            <a:schemeClr val="accent1">
+              <a:shade val="15000"/>
+            </a:schemeClr>
+          </a:lnRef>
+          <a:fillRef idx="1">
+            <a:schemeClr val="accent1"/>
+          </a:fillRef>
+          <a:effectRef idx="0">
+            <a:schemeClr val="accent1"/>
+          </a:effectRef>
+          <a:fontRef idx="minor">
+            <a:schemeClr val="lt1"/>
+          </a:fontRef>
+        </p:style>
+        <p:txBody>
+          <a:bodyPr rtlCol="0" anchor="ctr"/>
+          <a:lstStyle/>
+          <a:p>
+            <a:pPr algn="ctr"/>
+            <a:endParaRPr lang="en-US"/>
+          </a:p>
+        </p:txBody>
+      </p:sp>
+      <p:sp>
+        <p:nvSpPr>
+          <p:cNvPr id="12" name="Stella a 4 punte 11">
+            <a:extLst>
+              <a:ext uri="{FF2B5EF4-FFF2-40B4-BE49-F238E27FC236}">
+                <a16:creationId xmlns:a16="http://schemas.microsoft.com/office/drawing/2014/main" id="{E259BD5B-C7C3-2A67-12CD-D845FA1383D6}"/>
+              </a:ext>
+            </a:extLst>
+          </p:cNvPr>
+          <p:cNvSpPr/>
+          <p:nvPr/>
+        </p:nvSpPr>
+        <p:spPr>
+          <a:xfrm>
+            <a:off x="927023" y="2380268"/>
+            <a:ext cx="417435" cy="457200"/>
+          </a:xfrm>
+          <a:prstGeom prst="star4">
+            <a:avLst/>
+          </a:prstGeom>
+        </p:spPr>
+        <p:style>
+          <a:lnRef idx="2">
+            <a:schemeClr val="accent1">
+              <a:shade val="15000"/>
+            </a:schemeClr>
+          </a:lnRef>
+          <a:fillRef idx="1">
+            <a:schemeClr val="accent1"/>
+          </a:fillRef>
+          <a:effectRef idx="0">
+            <a:schemeClr val="accent1"/>
+          </a:effectRef>
+          <a:fontRef idx="minor">
+            <a:schemeClr val="lt1"/>
+          </a:fontRef>
+        </p:style>
+        <p:txBody>
+          <a:bodyPr rtlCol="0" anchor="ctr"/>
+          <a:lstStyle/>
+          <a:p>
+            <a:pPr algn="ctr"/>
+            <a:endParaRPr lang="en-US"/>
+          </a:p>
+        </p:txBody>
+      </p:sp>
+      <p:sp>
+        <p:nvSpPr>
+          <p:cNvPr id="13" name="Stella a 4 punte 12">
+            <a:extLst>
+              <a:ext uri="{FF2B5EF4-FFF2-40B4-BE49-F238E27FC236}">
+                <a16:creationId xmlns:a16="http://schemas.microsoft.com/office/drawing/2014/main" id="{15607DD0-DAEC-238E-20B9-03FAA80C1D7B}"/>
+              </a:ext>
+            </a:extLst>
+          </p:cNvPr>
+          <p:cNvSpPr/>
+          <p:nvPr/>
+        </p:nvSpPr>
+        <p:spPr>
+          <a:xfrm>
+            <a:off x="5688945" y="2336334"/>
+            <a:ext cx="417435" cy="457200"/>
+          </a:xfrm>
+          <a:prstGeom prst="star4">
+            <a:avLst/>
+          </a:prstGeom>
+        </p:spPr>
+        <p:style>
+          <a:lnRef idx="2">
+            <a:schemeClr val="accent1">
+              <a:shade val="15000"/>
+            </a:schemeClr>
+          </a:lnRef>
+          <a:fillRef idx="1">
+            <a:schemeClr val="accent1"/>
+          </a:fillRef>
+          <a:effectRef idx="0">
+            <a:schemeClr val="accent1"/>
+          </a:effectRef>
+          <a:fontRef idx="minor">
+            <a:schemeClr val="lt1"/>
+          </a:fontRef>
+        </p:style>
+        <p:txBody>
+          <a:bodyPr rtlCol="0" anchor="ctr"/>
+          <a:lstStyle/>
+          <a:p>
+            <a:pPr algn="ctr"/>
+            <a:endParaRPr lang="en-US"/>
+          </a:p>
+        </p:txBody>
+      </p:sp>
+      <p:pic>
+        <p:nvPicPr>
+          <p:cNvPr id="14" name="Picture 1" descr="A screenshot of a computer game&#10;&#10;Description automatically generated">
+            <a:extLst>
+              <a:ext uri="{FF2B5EF4-FFF2-40B4-BE49-F238E27FC236}">
+                <a16:creationId xmlns:a16="http://schemas.microsoft.com/office/drawing/2014/main" id="{0B5C89BE-39F0-C460-7C54-F07AB22A4BBC}"/>
+              </a:ext>
+            </a:extLst>
+          </p:cNvPr>
+          <p:cNvPicPr>
+            <a:picLocks noChangeAspect="1"/>
+          </p:cNvPicPr>
+          <p:nvPr/>
+        </p:nvPicPr>
+        <p:blipFill>
+          <a:blip r:embed="rId2"/>
+          <a:stretch>
+            <a:fillRect/>
+          </a:stretch>
+        </p:blipFill>
+        <p:spPr>
+          <a:xfrm>
+            <a:off x="1344458" y="2980638"/>
+            <a:ext cx="5953643" cy="3612462"/>
+          </a:xfrm>
+          <a:prstGeom prst="rect">
+            <a:avLst/>
+          </a:prstGeom>
+        </p:spPr>
+      </p:pic>
     </p:spTree>
     <p:extLst>
       <p:ext uri="{BB962C8B-B14F-4D97-AF65-F5344CB8AC3E}">
@@ -5456,7 +8785,13 @@
           <a:lstStyle/>
           <a:p>
             <a:r>
-              <a:rPr lang="en-US" dirty="0"/>
+              <a:rPr lang="en-US" b="1" dirty="0">
+                <a:solidFill>
+                  <a:schemeClr val="accent2">
+                    <a:lumMod val="75000"/>
+                  </a:schemeClr>
+                </a:solidFill>
+              </a:rPr>
               <a:t>TRADE OFF</a:t>
             </a:r>
           </a:p>
@@ -5485,35 +8820,43 @@
           <a:p>
             <a:r>
               <a:rPr lang="en-US" dirty="0" err="1"/>
+              <a:t>Conoscenza</a:t>
+            </a:r>
+            <a:r>
+              <a:rPr lang="en-US" dirty="0"/>
+              <a:t> </a:t>
+            </a:r>
+            <a:r>
+              <a:rPr lang="en-US" dirty="0" err="1"/>
+              <a:t>della</a:t>
+            </a:r>
+            <a:r>
+              <a:rPr lang="en-US" dirty="0"/>
+              <a:t> Portable Game Notation</a:t>
+            </a:r>
+          </a:p>
+          <a:p>
+            <a:r>
+              <a:rPr lang="en-US" dirty="0" err="1"/>
               <a:t>Precisione</a:t>
             </a:r>
             <a:r>
               <a:rPr lang="en-US" dirty="0"/>
-              <a:t> del </a:t>
+              <a:t> </a:t>
+            </a:r>
+            <a:r>
+              <a:rPr lang="en-US" dirty="0" err="1"/>
+              <a:t>nel</a:t>
+            </a:r>
+            <a:r>
+              <a:rPr lang="en-US" dirty="0"/>
+              <a:t> </a:t>
             </a:r>
             <a:r>
               <a:rPr lang="en-US" dirty="0" err="1"/>
               <a:t>linguaggio</a:t>
             </a:r>
-            <a:r>
-              <a:rPr lang="en-US" dirty="0"/>
-              <a:t> di </a:t>
-            </a:r>
-            <a:r>
-              <a:rPr lang="en-US" dirty="0" err="1"/>
-              <a:t>compilazione</a:t>
-            </a:r>
             <a:endParaRPr lang="en-US" dirty="0"/>
-          </a:p>
-          <a:p>
-            <a:r>
-              <a:rPr lang="en-US" dirty="0" err="1"/>
-              <a:t>Conoscenza</a:t>
-            </a:r>
-            <a:r>
-              <a:rPr lang="en-US" dirty="0"/>
-              <a:t> del PGN</a:t>
-            </a:r>
           </a:p>
         </p:txBody>
       </p:sp>
@@ -5531,9 +8874,9 @@
 </file>
 
 <file path=ppt/theme/theme1.xml><?xml version="1.0" encoding="utf-8"?>
-<a:theme xmlns:a="http://schemas.openxmlformats.org/drawingml/2006/main" name="Raccolta">
+<a:theme xmlns:a="http://schemas.openxmlformats.org/drawingml/2006/main" name="Sfaccettatura">
   <a:themeElements>
-    <a:clrScheme name="Raccolta">
+    <a:clrScheme name="Sfaccettatura">
       <a:dk1>
         <a:sysClr val="windowText" lastClr="000000"/>
       </a:dk1>
@@ -5541,52 +8884,52 @@
         <a:sysClr val="window" lastClr="FFFFFF"/>
       </a:lt1>
       <a:dk2>
-        <a:srgbClr val="454545"/>
+        <a:srgbClr val="2C3C43"/>
       </a:dk2>
       <a:lt2>
-        <a:srgbClr val="DFDBD5"/>
+        <a:srgbClr val="EBEBEB"/>
       </a:lt2>
       <a:accent1>
-        <a:srgbClr val="B71E42"/>
+        <a:srgbClr val="5FCBEF"/>
       </a:accent1>
       <a:accent2>
-        <a:srgbClr val="DE478E"/>
+        <a:srgbClr val="2E83C3"/>
       </a:accent2>
       <a:accent3>
-        <a:srgbClr val="BC72F0"/>
+        <a:srgbClr val="42D0A2"/>
       </a:accent3>
       <a:accent4>
-        <a:srgbClr val="795FAF"/>
+        <a:srgbClr val="2E946B"/>
       </a:accent4>
       <a:accent5>
-        <a:srgbClr val="586EA6"/>
+        <a:srgbClr val="42B051"/>
       </a:accent5>
       <a:accent6>
-        <a:srgbClr val="6892A0"/>
+        <a:srgbClr val="96D141"/>
       </a:accent6>
       <a:hlink>
-        <a:srgbClr val="FA2B5C"/>
+        <a:srgbClr val="3FCDE7"/>
       </a:hlink>
       <a:folHlink>
-        <a:srgbClr val="BC658E"/>
+        <a:srgbClr val="A9D3E1"/>
       </a:folHlink>
     </a:clrScheme>
-    <a:fontScheme name="Raccolta">
+    <a:fontScheme name="Sfaccettatura">
       <a:majorFont>
-        <a:latin typeface="Gill Sans MT" panose="020B0502020104020203"/>
+        <a:latin typeface="Trebuchet MS" panose="020B0603020202020204"/>
         <a:ea typeface=""/>
         <a:cs typeface=""/>
-        <a:font script="Jpan" typeface="游ゴシック Light"/>
+        <a:font script="Jpan" typeface="メイリオ"/>
         <a:font script="Hang" typeface="맑은 고딕"/>
-        <a:font script="Hans" typeface="等线 Light"/>
-        <a:font script="Hant" typeface="新細明體"/>
-        <a:font script="Arab" typeface="Times New Roman"/>
-        <a:font script="Hebr" typeface="Times New Roman"/>
-        <a:font script="Thai" typeface="Angsana New"/>
+        <a:font script="Hans" typeface="方正姚体"/>
+        <a:font script="Hant" typeface="微軟正黑體"/>
+        <a:font script="Arab" typeface="Tahoma"/>
+        <a:font script="Hebr" typeface="Arial"/>
+        <a:font script="Thai" typeface="Cordia New"/>
         <a:font script="Ethi" typeface="Nyala"/>
         <a:font script="Beng" typeface="Vrinda"/>
         <a:font script="Gujr" typeface="Shruti"/>
-        <a:font script="Khmr" typeface="MoolBoran"/>
+        <a:font script="Khmr" typeface="DaunPenh"/>
         <a:font script="Knda" typeface="Tunga"/>
         <a:font script="Guru" typeface="Raavi"/>
         <a:font script="Cans" typeface="Euphemia"/>
@@ -5603,21 +8946,21 @@
         <a:font script="Laoo" typeface="DokChampa"/>
         <a:font script="Sinh" typeface="Iskoola Pota"/>
         <a:font script="Mong" typeface="Mongolian Baiti"/>
-        <a:font script="Viet" typeface="Times New Roman"/>
+        <a:font script="Viet" typeface="Tahoma"/>
         <a:font script="Uigh" typeface="Microsoft Uighur"/>
         <a:font script="Geor" typeface="Sylfaen"/>
       </a:majorFont>
       <a:minorFont>
-        <a:latin typeface="Gill Sans MT" panose="020B0502020104020203"/>
+        <a:latin typeface="Trebuchet MS" panose="020B0603020202020204"/>
         <a:ea typeface=""/>
         <a:cs typeface=""/>
-        <a:font script="Jpan" typeface="游ゴシック"/>
-        <a:font script="Hang" typeface="맑은 고딕"/>
-        <a:font script="Hans" typeface="等线"/>
-        <a:font script="Hant" typeface="新細明體"/>
-        <a:font script="Arab" typeface="Arial"/>
-        <a:font script="Hebr" typeface="Arial"/>
-        <a:font script="Thai" typeface="Cordia New"/>
+        <a:font script="Jpan" typeface="メイリオ"/>
+        <a:font script="Hang" typeface="HY그래픽M"/>
+        <a:font script="Hans" typeface="华文新魏"/>
+        <a:font script="Hant" typeface="微軟正黑體"/>
+        <a:font script="Arab" typeface="Tahoma"/>
+        <a:font script="Hebr" typeface="Gisha"/>
+        <a:font script="Thai" typeface="IrisUPC"/>
         <a:font script="Ethi" typeface="Nyala"/>
         <a:font script="Beng" typeface="Vrinda"/>
         <a:font script="Gujr" typeface="Shruti"/>
@@ -5643,7 +8986,7 @@
         <a:font script="Geor" typeface="Sylfaen"/>
       </a:minorFont>
     </a:fontScheme>
-    <a:fmtScheme name="Raccolta">
+    <a:fmtScheme name="Sfaccettatura">
       <a:fillStyleLst>
         <a:solidFill>
           <a:schemeClr val="phClr"/>
@@ -5652,18 +8995,13 @@
           <a:gsLst>
             <a:gs pos="0">
               <a:schemeClr val="phClr">
-                <a:tint val="54000"/>
-                <a:alpha val="100000"/>
-                <a:satMod val="105000"/>
+                <a:tint val="65000"/>
                 <a:lumMod val="110000"/>
               </a:schemeClr>
             </a:gs>
-            <a:gs pos="100000">
+            <a:gs pos="88000">
               <a:schemeClr val="phClr">
-                <a:tint val="78000"/>
-                <a:alpha val="92000"/>
-                <a:satMod val="109000"/>
-                <a:lumMod val="100000"/>
+                <a:tint val="90000"/>
               </a:schemeClr>
             </a:gs>
           </a:gsLst>
@@ -5673,23 +9011,14 @@
           <a:gsLst>
             <a:gs pos="0">
               <a:schemeClr val="phClr">
-                <a:tint val="98000"/>
-                <a:satMod val="110000"/>
-                <a:lumMod val="104000"/>
+                <a:tint val="96000"/>
+                <a:lumMod val="100000"/>
               </a:schemeClr>
             </a:gs>
-            <a:gs pos="69000">
+            <a:gs pos="78000">
               <a:schemeClr val="phClr">
-                <a:shade val="88000"/>
-                <a:satMod val="130000"/>
-                <a:lumMod val="92000"/>
-              </a:schemeClr>
-            </a:gs>
-            <a:gs pos="100000">
-              <a:schemeClr val="phClr">
-                <a:shade val="78000"/>
-                <a:satMod val="130000"/>
-                <a:lumMod val="92000"/>
+                <a:shade val="94000"/>
+                <a:lumMod val="94000"/>
               </a:schemeClr>
             </a:gs>
           </a:gsLst>
@@ -5697,19 +9026,19 @@
         </a:gradFill>
       </a:fillStyleLst>
       <a:lnStyleLst>
-        <a:ln w="9525" cap="flat" cmpd="sng" algn="ctr">
+        <a:ln w="12700" cap="rnd" cmpd="sng" algn="ctr">
           <a:solidFill>
             <a:schemeClr val="phClr"/>
           </a:solidFill>
           <a:prstDash val="solid"/>
         </a:ln>
-        <a:ln w="15875" cap="flat" cmpd="sng" algn="ctr">
+        <a:ln w="19050" cap="rnd" cmpd="sng" algn="ctr">
           <a:solidFill>
             <a:schemeClr val="phClr"/>
           </a:solidFill>
           <a:prstDash val="solid"/>
         </a:ln>
-        <a:ln w="22225" cap="flat" cmpd="sng" algn="ctr">
+        <a:ln w="25400" cap="rnd" cmpd="sng" algn="ctr">
           <a:solidFill>
             <a:schemeClr val="phClr"/>
           </a:solidFill>
@@ -5721,13 +9050,19 @@
           <a:effectLst/>
         </a:effectStyle>
         <a:effectStyle>
-          <a:effectLst/>
+          <a:effectLst>
+            <a:outerShdw blurRad="38100" dist="25400" dir="5400000" rotWithShape="0">
+              <a:srgbClr val="000000">
+                <a:alpha val="35000"/>
+              </a:srgbClr>
+            </a:outerShdw>
+          </a:effectLst>
         </a:effectStyle>
         <a:effectStyle>
           <a:effectLst>
-            <a:outerShdw blurRad="50800" dist="50800" dir="5400000" sx="96000" sy="96000" rotWithShape="0">
+            <a:outerShdw blurRad="50800" dist="38100" dir="5400000" rotWithShape="0">
               <a:srgbClr val="000000">
-                <a:alpha val="48000"/>
+                <a:alpha val="35000"/>
               </a:srgbClr>
             </a:outerShdw>
           </a:effectLst>
@@ -5735,12 +9070,10 @@
             <a:camera prst="orthographicFront">
               <a:rot lat="0" lon="0" rev="0"/>
             </a:camera>
-            <a:lightRig rig="balanced" dir="t">
-              <a:rot lat="0" lon="0" rev="1080000"/>
-            </a:lightRig>
+            <a:lightRig rig="threePt" dir="tl"/>
           </a:scene3d>
-          <a:sp3d>
-            <a:bevelT w="38100" h="12700" prst="softRound"/>
+          <a:sp3d prstMaterial="plastic">
+            <a:bevelT w="0" h="0"/>
           </a:sp3d>
         </a:effectStyle>
       </a:effectStyleLst>
@@ -5748,26 +9081,40 @@
         <a:solidFill>
           <a:schemeClr val="phClr"/>
         </a:solidFill>
-        <a:solidFill>
-          <a:schemeClr val="phClr"/>
-        </a:solidFill>
         <a:gradFill rotWithShape="1">
           <a:gsLst>
             <a:gs pos="0">
               <a:schemeClr val="phClr">
-                <a:tint val="94000"/>
-                <a:satMod val="80000"/>
-                <a:lumMod val="106000"/>
+                <a:tint val="90000"/>
+                <a:lumMod val="104000"/>
+              </a:schemeClr>
+            </a:gs>
+            <a:gs pos="94000">
+              <a:schemeClr val="phClr">
+                <a:shade val="96000"/>
+                <a:lumMod val="82000"/>
+              </a:schemeClr>
+            </a:gs>
+          </a:gsLst>
+          <a:lin ang="5400000" scaled="0"/>
+        </a:gradFill>
+        <a:gradFill rotWithShape="1">
+          <a:gsLst>
+            <a:gs pos="0">
+              <a:schemeClr val="phClr">
+                <a:tint val="90000"/>
+                <a:lumMod val="110000"/>
               </a:schemeClr>
             </a:gs>
             <a:gs pos="100000">
               <a:schemeClr val="phClr">
-                <a:shade val="80000"/>
+                <a:shade val="94000"/>
+                <a:lumMod val="96000"/>
               </a:schemeClr>
             </a:gs>
           </a:gsLst>
           <a:path path="circle">
-            <a:fillToRect l="43000" r="43000" b="100000"/>
+            <a:fillToRect l="50000" t="50000" r="100000" b="100000"/>
           </a:path>
         </a:gradFill>
       </a:bgFillStyleLst>
@@ -5777,7 +9124,7 @@
   <a:extraClrSchemeLst/>
   <a:extLst>
     <a:ext uri="{05A4C25C-085E-4340-85A3-A5531E510DB2}">
-      <thm15:themeFamily xmlns:thm15="http://schemas.microsoft.com/office/thememl/2012/main" name="Gallery" id="{BBFCD31E-59A1-489D-B089-A3EAD7CAE12E}" vid="{F5E91637-A7B6-4E27-B710-77DA7014EE1E}"/>
+      <thm15:themeFamily xmlns:thm15="http://schemas.microsoft.com/office/thememl/2012/main" name="Facet" id="{C0C680CD-088A-49FC-A102-D699147F32B2}" vid="{0B5AB586-D108-4FC1-8368-649FE654B894}"/>
     </a:ext>
   </a:extLst>
 </a:theme>

--- a/Docs/Pitch Elevator.pptx
+++ b/Docs/Pitch Elevator.pptx
@@ -201,7 +201,7 @@
           <a:p>
             <a:fld id="{F732C8F8-94B2-4901-97F1-14CD2CB2304E}" type="datetimeFigureOut">
               <a:rPr lang="en-US" smtClean="0"/>
-              <a:t>5/13/2024</a:t>
+              <a:t>5/15/2024</a:t>
             </a:fld>
             <a:endParaRPr lang="en-US"/>
           </a:p>
@@ -360,7 +360,7 @@
           <a:p>
             <a:fld id="{DA93B19C-6283-4B1D-BB6B-5371C777A1A4}" type="slidenum">
               <a:rPr lang="en-US" smtClean="0"/>
-              <a:t>‹N›</a:t>
+              <a:t>‹#›</a:t>
             </a:fld>
             <a:endParaRPr lang="en-US"/>
           </a:p>
@@ -1612,7 +1612,7 @@
           <a:p>
             <a:fld id="{79546B8C-AF94-4D0A-A6DF-58207F78CBCB}" type="datetimeFigureOut">
               <a:rPr lang="en-US" smtClean="0"/>
-              <a:t>5/13/2024</a:t>
+              <a:t>5/15/2024</a:t>
             </a:fld>
             <a:endParaRPr lang="en-US"/>
           </a:p>
@@ -1654,7 +1654,7 @@
           <a:p>
             <a:fld id="{E54C31AE-3679-42CE-90C9-217D2AD38BBC}" type="slidenum">
               <a:rPr lang="en-US" smtClean="0"/>
-              <a:t>‹N›</a:t>
+              <a:t>‹#›</a:t>
             </a:fld>
             <a:endParaRPr lang="en-US"/>
           </a:p>
@@ -1863,7 +1863,7 @@
           <a:p>
             <a:fld id="{79546B8C-AF94-4D0A-A6DF-58207F78CBCB}" type="datetimeFigureOut">
               <a:rPr lang="en-US" smtClean="0"/>
-              <a:t>5/13/2024</a:t>
+              <a:t>5/15/2024</a:t>
             </a:fld>
             <a:endParaRPr lang="en-US"/>
           </a:p>
@@ -1905,7 +1905,7 @@
           <a:p>
             <a:fld id="{E54C31AE-3679-42CE-90C9-217D2AD38BBC}" type="slidenum">
               <a:rPr lang="en-US" smtClean="0"/>
-              <a:t>‹N›</a:t>
+              <a:t>‹#›</a:t>
             </a:fld>
             <a:endParaRPr lang="en-US"/>
           </a:p>
@@ -2177,7 +2177,7 @@
           <a:p>
             <a:fld id="{79546B8C-AF94-4D0A-A6DF-58207F78CBCB}" type="datetimeFigureOut">
               <a:rPr lang="en-US" smtClean="0"/>
-              <a:t>5/13/2024</a:t>
+              <a:t>5/15/2024</a:t>
             </a:fld>
             <a:endParaRPr lang="en-US"/>
           </a:p>
@@ -2219,7 +2219,7 @@
           <a:p>
             <a:fld id="{E54C31AE-3679-42CE-90C9-217D2AD38BBC}" type="slidenum">
               <a:rPr lang="en-US" smtClean="0"/>
-              <a:t>‹N›</a:t>
+              <a:t>‹#›</a:t>
             </a:fld>
             <a:endParaRPr lang="en-US"/>
           </a:p>
@@ -2510,7 +2510,7 @@
           <a:p>
             <a:fld id="{79546B8C-AF94-4D0A-A6DF-58207F78CBCB}" type="datetimeFigureOut">
               <a:rPr lang="en-US" smtClean="0"/>
-              <a:t>5/13/2024</a:t>
+              <a:t>5/15/2024</a:t>
             </a:fld>
             <a:endParaRPr lang="en-US"/>
           </a:p>
@@ -2552,7 +2552,7 @@
           <a:p>
             <a:fld id="{E54C31AE-3679-42CE-90C9-217D2AD38BBC}" type="slidenum">
               <a:rPr lang="en-US" smtClean="0"/>
-              <a:t>‹N›</a:t>
+              <a:t>‹#›</a:t>
             </a:fld>
             <a:endParaRPr lang="en-US"/>
           </a:p>
@@ -2824,7 +2824,7 @@
           <a:p>
             <a:fld id="{79546B8C-AF94-4D0A-A6DF-58207F78CBCB}" type="datetimeFigureOut">
               <a:rPr lang="en-US" smtClean="0"/>
-              <a:t>5/13/2024</a:t>
+              <a:t>5/15/2024</a:t>
             </a:fld>
             <a:endParaRPr lang="en-US"/>
           </a:p>
@@ -2866,7 +2866,7 @@
           <a:p>
             <a:fld id="{E54C31AE-3679-42CE-90C9-217D2AD38BBC}" type="slidenum">
               <a:rPr lang="en-US" smtClean="0"/>
-              <a:t>‹N›</a:t>
+              <a:t>‹#›</a:t>
             </a:fld>
             <a:endParaRPr lang="en-US"/>
           </a:p>
@@ -3217,7 +3217,7 @@
           <a:p>
             <a:fld id="{79546B8C-AF94-4D0A-A6DF-58207F78CBCB}" type="datetimeFigureOut">
               <a:rPr lang="en-US" smtClean="0"/>
-              <a:t>5/13/2024</a:t>
+              <a:t>5/15/2024</a:t>
             </a:fld>
             <a:endParaRPr lang="en-US"/>
           </a:p>
@@ -3259,7 +3259,7 @@
           <a:p>
             <a:fld id="{E54C31AE-3679-42CE-90C9-217D2AD38BBC}" type="slidenum">
               <a:rPr lang="en-US" smtClean="0"/>
-              <a:t>‹N›</a:t>
+              <a:t>‹#›</a:t>
             </a:fld>
             <a:endParaRPr lang="en-US"/>
           </a:p>
@@ -3387,7 +3387,7 @@
           <a:p>
             <a:fld id="{79546B8C-AF94-4D0A-A6DF-58207F78CBCB}" type="datetimeFigureOut">
               <a:rPr lang="en-US" smtClean="0"/>
-              <a:t>5/13/2024</a:t>
+              <a:t>5/15/2024</a:t>
             </a:fld>
             <a:endParaRPr lang="en-US"/>
           </a:p>
@@ -3429,7 +3429,7 @@
           <a:p>
             <a:fld id="{E54C31AE-3679-42CE-90C9-217D2AD38BBC}" type="slidenum">
               <a:rPr lang="en-US" smtClean="0"/>
-              <a:t>‹N›</a:t>
+              <a:t>‹#›</a:t>
             </a:fld>
             <a:endParaRPr lang="en-US"/>
           </a:p>
@@ -3567,7 +3567,7 @@
           <a:p>
             <a:fld id="{79546B8C-AF94-4D0A-A6DF-58207F78CBCB}" type="datetimeFigureOut">
               <a:rPr lang="en-US" smtClean="0"/>
-              <a:t>5/13/2024</a:t>
+              <a:t>5/15/2024</a:t>
             </a:fld>
             <a:endParaRPr lang="en-US"/>
           </a:p>
@@ -3609,7 +3609,7 @@
           <a:p>
             <a:fld id="{E54C31AE-3679-42CE-90C9-217D2AD38BBC}" type="slidenum">
               <a:rPr lang="en-US" smtClean="0"/>
-              <a:t>‹N›</a:t>
+              <a:t>‹#›</a:t>
             </a:fld>
             <a:endParaRPr lang="en-US"/>
           </a:p>
@@ -3737,7 +3737,7 @@
           <a:p>
             <a:fld id="{79546B8C-AF94-4D0A-A6DF-58207F78CBCB}" type="datetimeFigureOut">
               <a:rPr lang="en-US" smtClean="0"/>
-              <a:t>5/13/2024</a:t>
+              <a:t>5/15/2024</a:t>
             </a:fld>
             <a:endParaRPr lang="en-US"/>
           </a:p>
@@ -3779,7 +3779,7 @@
           <a:p>
             <a:fld id="{E54C31AE-3679-42CE-90C9-217D2AD38BBC}" type="slidenum">
               <a:rPr lang="en-US" smtClean="0"/>
-              <a:t>‹N›</a:t>
+              <a:t>‹#›</a:t>
             </a:fld>
             <a:endParaRPr lang="en-US"/>
           </a:p>
@@ -3984,7 +3984,7 @@
           <a:p>
             <a:fld id="{79546B8C-AF94-4D0A-A6DF-58207F78CBCB}" type="datetimeFigureOut">
               <a:rPr lang="en-US" smtClean="0"/>
-              <a:t>5/13/2024</a:t>
+              <a:t>5/15/2024</a:t>
             </a:fld>
             <a:endParaRPr lang="en-US"/>
           </a:p>
@@ -4026,7 +4026,7 @@
           <a:p>
             <a:fld id="{E54C31AE-3679-42CE-90C9-217D2AD38BBC}" type="slidenum">
               <a:rPr lang="en-US" smtClean="0"/>
-              <a:t>‹N›</a:t>
+              <a:t>‹#›</a:t>
             </a:fld>
             <a:endParaRPr lang="en-US"/>
           </a:p>
@@ -4216,7 +4216,7 @@
           <a:p>
             <a:fld id="{79546B8C-AF94-4D0A-A6DF-58207F78CBCB}" type="datetimeFigureOut">
               <a:rPr lang="en-US" smtClean="0"/>
-              <a:t>5/13/2024</a:t>
+              <a:t>5/15/2024</a:t>
             </a:fld>
             <a:endParaRPr lang="en-US"/>
           </a:p>
@@ -4258,7 +4258,7 @@
           <a:p>
             <a:fld id="{E54C31AE-3679-42CE-90C9-217D2AD38BBC}" type="slidenum">
               <a:rPr lang="en-US" smtClean="0"/>
-              <a:t>‹N›</a:t>
+              <a:t>‹#›</a:t>
             </a:fld>
             <a:endParaRPr lang="en-US"/>
           </a:p>
@@ -4590,7 +4590,7 @@
           <a:p>
             <a:fld id="{79546B8C-AF94-4D0A-A6DF-58207F78CBCB}" type="datetimeFigureOut">
               <a:rPr lang="en-US" smtClean="0"/>
-              <a:t>5/13/2024</a:t>
+              <a:t>5/15/2024</a:t>
             </a:fld>
             <a:endParaRPr lang="en-US"/>
           </a:p>
@@ -4632,7 +4632,7 @@
           <a:p>
             <a:fld id="{E54C31AE-3679-42CE-90C9-217D2AD38BBC}" type="slidenum">
               <a:rPr lang="en-US" smtClean="0"/>
-              <a:t>‹N›</a:t>
+              <a:t>‹#›</a:t>
             </a:fld>
             <a:endParaRPr lang="en-US"/>
           </a:p>
@@ -4713,7 +4713,7 @@
           <a:p>
             <a:fld id="{79546B8C-AF94-4D0A-A6DF-58207F78CBCB}" type="datetimeFigureOut">
               <a:rPr lang="en-US" smtClean="0"/>
-              <a:t>5/13/2024</a:t>
+              <a:t>5/15/2024</a:t>
             </a:fld>
             <a:endParaRPr lang="en-US"/>
           </a:p>
@@ -4755,7 +4755,7 @@
           <a:p>
             <a:fld id="{E54C31AE-3679-42CE-90C9-217D2AD38BBC}" type="slidenum">
               <a:rPr lang="en-US" smtClean="0"/>
-              <a:t>‹N›</a:t>
+              <a:t>‹#›</a:t>
             </a:fld>
             <a:endParaRPr lang="en-US"/>
           </a:p>
@@ -4808,7 +4808,7 @@
           <a:p>
             <a:fld id="{79546B8C-AF94-4D0A-A6DF-58207F78CBCB}" type="datetimeFigureOut">
               <a:rPr lang="en-US" smtClean="0"/>
-              <a:t>5/13/2024</a:t>
+              <a:t>5/15/2024</a:t>
             </a:fld>
             <a:endParaRPr lang="en-US"/>
           </a:p>
@@ -4850,7 +4850,7 @@
           <a:p>
             <a:fld id="{E54C31AE-3679-42CE-90C9-217D2AD38BBC}" type="slidenum">
               <a:rPr lang="en-US" smtClean="0"/>
-              <a:t>‹N›</a:t>
+              <a:t>‹#›</a:t>
             </a:fld>
             <a:endParaRPr lang="en-US"/>
           </a:p>
@@ -5063,7 +5063,7 @@
           <a:p>
             <a:fld id="{79546B8C-AF94-4D0A-A6DF-58207F78CBCB}" type="datetimeFigureOut">
               <a:rPr lang="en-US" smtClean="0"/>
-              <a:t>5/13/2024</a:t>
+              <a:t>5/15/2024</a:t>
             </a:fld>
             <a:endParaRPr lang="en-US"/>
           </a:p>
@@ -5105,7 +5105,7 @@
           <a:p>
             <a:fld id="{E54C31AE-3679-42CE-90C9-217D2AD38BBC}" type="slidenum">
               <a:rPr lang="en-US" smtClean="0"/>
-              <a:t>‹N›</a:t>
+              <a:t>‹#›</a:t>
             </a:fld>
             <a:endParaRPr lang="en-US"/>
           </a:p>
@@ -5345,7 +5345,7 @@
           <a:p>
             <a:fld id="{E54C31AE-3679-42CE-90C9-217D2AD38BBC}" type="slidenum">
               <a:rPr lang="en-US" smtClean="0"/>
-              <a:t>‹N›</a:t>
+              <a:t>‹#›</a:t>
             </a:fld>
             <a:endParaRPr lang="en-US"/>
           </a:p>
@@ -5368,7 +5368,7 @@
           <a:p>
             <a:fld id="{79546B8C-AF94-4D0A-A6DF-58207F78CBCB}" type="datetimeFigureOut">
               <a:rPr lang="en-US" smtClean="0"/>
-              <a:t>5/13/2024</a:t>
+              <a:t>5/15/2024</a:t>
             </a:fld>
             <a:endParaRPr lang="en-US"/>
           </a:p>
@@ -6070,7 +6070,7 @@
           <a:p>
             <a:fld id="{79546B8C-AF94-4D0A-A6DF-58207F78CBCB}" type="datetimeFigureOut">
               <a:rPr lang="en-US" smtClean="0"/>
-              <a:t>5/13/2024</a:t>
+              <a:t>5/15/2024</a:t>
             </a:fld>
             <a:endParaRPr lang="en-US"/>
           </a:p>
@@ -6146,7 +6146,7 @@
           <a:p>
             <a:fld id="{E54C31AE-3679-42CE-90C9-217D2AD38BBC}" type="slidenum">
               <a:rPr lang="en-US" smtClean="0"/>
-              <a:t>‹N›</a:t>
+              <a:t>‹#›</a:t>
             </a:fld>
             <a:endParaRPr lang="en-US"/>
           </a:p>
@@ -8799,64 +8799,163 @@
       </p:sp>
       <p:sp>
         <p:nvSpPr>
-          <p:cNvPr id="3" name="Segnaposto contenuto 2">
+          <p:cNvPr id="4" name="CasellaDiTesto 3">
             <a:extLst>
               <a:ext uri="{FF2B5EF4-FFF2-40B4-BE49-F238E27FC236}">
-                <a16:creationId xmlns:a16="http://schemas.microsoft.com/office/drawing/2014/main" id="{EF8D2FF1-D2ED-C146-F2F3-F59041C417D0}"/>
+                <a16:creationId xmlns:a16="http://schemas.microsoft.com/office/drawing/2014/main" id="{D1BDCA9D-0759-2F8D-E1D2-6F9E609592CC}"/>
               </a:ext>
             </a:extLst>
           </p:cNvPr>
-          <p:cNvSpPr>
-            <a:spLocks noGrp="1"/>
-          </p:cNvSpPr>
-          <p:nvPr>
-            <p:ph idx="1"/>
-          </p:nvPr>
-        </p:nvSpPr>
-        <p:spPr/>
-        <p:txBody>
-          <a:bodyPr/>
-          <a:lstStyle/>
-          <a:p>
-            <a:r>
-              <a:rPr lang="en-US" dirty="0" err="1"/>
-              <a:t>Conoscenza</a:t>
-            </a:r>
+          <p:cNvSpPr txBox="1"/>
+          <p:nvPr/>
+        </p:nvSpPr>
+        <p:spPr>
+          <a:xfrm>
+            <a:off x="1094769" y="1989822"/>
+            <a:ext cx="5085303" cy="369332"/>
+          </a:xfrm>
+          <a:prstGeom prst="rect">
+            <a:avLst/>
+          </a:prstGeom>
+          <a:noFill/>
+        </p:spPr>
+        <p:txBody>
+          <a:bodyPr wrap="none" rtlCol="0">
+            <a:spAutoFit/>
+          </a:bodyPr>
+          <a:lstStyle/>
+          <a:p>
             <a:r>
               <a:rPr lang="en-US" dirty="0"/>
-              <a:t> </a:t>
-            </a:r>
-            <a:r>
-              <a:rPr lang="en-US" dirty="0" err="1"/>
-              <a:t>della</a:t>
-            </a:r>
+              <a:t>CONOSCENZA DELLA PORTABLE GAME NOTATION</a:t>
+            </a:r>
+          </a:p>
+        </p:txBody>
+      </p:sp>
+      <p:sp>
+        <p:nvSpPr>
+          <p:cNvPr id="5" name="CasellaDiTesto 5">
+            <a:extLst>
+              <a:ext uri="{FF2B5EF4-FFF2-40B4-BE49-F238E27FC236}">
+                <a16:creationId xmlns:a16="http://schemas.microsoft.com/office/drawing/2014/main" id="{C494D604-BC06-7C09-CF49-FCDF15C17DCB}"/>
+              </a:ext>
+            </a:extLst>
+          </p:cNvPr>
+          <p:cNvSpPr txBox="1"/>
+          <p:nvPr/>
+        </p:nvSpPr>
+        <p:spPr>
+          <a:xfrm>
+            <a:off x="1094769" y="2668290"/>
+            <a:ext cx="3191323" cy="369332"/>
+          </a:xfrm>
+          <a:prstGeom prst="rect">
+            <a:avLst/>
+          </a:prstGeom>
+          <a:noFill/>
+        </p:spPr>
+        <p:txBody>
+          <a:bodyPr wrap="none" rtlCol="0">
+            <a:spAutoFit/>
+          </a:bodyPr>
+          <a:lstStyle/>
+          <a:p>
             <a:r>
               <a:rPr lang="en-US" dirty="0"/>
-              <a:t> Portable Game Notation</a:t>
-            </a:r>
-          </a:p>
-          <a:p>
-            <a:r>
-              <a:rPr lang="en-US" dirty="0" err="1"/>
-              <a:t>Precisione</a:t>
-            </a:r>
-            <a:r>
-              <a:rPr lang="en-US" dirty="0"/>
-              <a:t> </a:t>
-            </a:r>
-            <a:r>
-              <a:rPr lang="en-US" dirty="0" err="1"/>
-              <a:t>nel</a:t>
-            </a:r>
-            <a:r>
-              <a:rPr lang="en-US" dirty="0"/>
-              <a:t> </a:t>
-            </a:r>
-            <a:r>
-              <a:rPr lang="en-US" dirty="0" err="1"/>
-              <a:t>linguaggio</a:t>
-            </a:r>
-            <a:endParaRPr lang="en-US" dirty="0"/>
+              <a:t>PRECISIONE NEL LINGUAGGIO</a:t>
+            </a:r>
+          </a:p>
+        </p:txBody>
+      </p:sp>
+      <p:sp>
+        <p:nvSpPr>
+          <p:cNvPr id="6" name="Stella a 4 punte 9">
+            <a:extLst>
+              <a:ext uri="{FF2B5EF4-FFF2-40B4-BE49-F238E27FC236}">
+                <a16:creationId xmlns:a16="http://schemas.microsoft.com/office/drawing/2014/main" id="{C420330A-0C4F-9B79-04CE-AC8089468B90}"/>
+              </a:ext>
+            </a:extLst>
+          </p:cNvPr>
+          <p:cNvSpPr/>
+          <p:nvPr/>
+        </p:nvSpPr>
+        <p:spPr>
+          <a:xfrm>
+            <a:off x="677334" y="1930400"/>
+            <a:ext cx="417435" cy="457200"/>
+          </a:xfrm>
+          <a:prstGeom prst="star4">
+            <a:avLst/>
+          </a:prstGeom>
+        </p:spPr>
+        <p:style>
+          <a:lnRef idx="2">
+            <a:schemeClr val="accent1">
+              <a:shade val="15000"/>
+            </a:schemeClr>
+          </a:lnRef>
+          <a:fillRef idx="1">
+            <a:schemeClr val="accent1"/>
+          </a:fillRef>
+          <a:effectRef idx="0">
+            <a:schemeClr val="accent1"/>
+          </a:effectRef>
+          <a:fontRef idx="minor">
+            <a:schemeClr val="lt1"/>
+          </a:fontRef>
+        </p:style>
+        <p:txBody>
+          <a:bodyPr rtlCol="0" anchor="ctr"/>
+          <a:lstStyle/>
+          <a:p>
+            <a:pPr algn="ctr"/>
+            <a:endParaRPr lang="en-US"/>
+          </a:p>
+        </p:txBody>
+      </p:sp>
+      <p:sp>
+        <p:nvSpPr>
+          <p:cNvPr id="7" name="Stella a 4 punte 11">
+            <a:extLst>
+              <a:ext uri="{FF2B5EF4-FFF2-40B4-BE49-F238E27FC236}">
+                <a16:creationId xmlns:a16="http://schemas.microsoft.com/office/drawing/2014/main" id="{B1BC6643-5456-532B-8970-ECA34491AB63}"/>
+              </a:ext>
+            </a:extLst>
+          </p:cNvPr>
+          <p:cNvSpPr/>
+          <p:nvPr/>
+        </p:nvSpPr>
+        <p:spPr>
+          <a:xfrm>
+            <a:off x="677334" y="2624356"/>
+            <a:ext cx="417435" cy="457200"/>
+          </a:xfrm>
+          <a:prstGeom prst="star4">
+            <a:avLst/>
+          </a:prstGeom>
+        </p:spPr>
+        <p:style>
+          <a:lnRef idx="2">
+            <a:schemeClr val="accent1">
+              <a:shade val="15000"/>
+            </a:schemeClr>
+          </a:lnRef>
+          <a:fillRef idx="1">
+            <a:schemeClr val="accent1"/>
+          </a:fillRef>
+          <a:effectRef idx="0">
+            <a:schemeClr val="accent1"/>
+          </a:effectRef>
+          <a:fontRef idx="minor">
+            <a:schemeClr val="lt1"/>
+          </a:fontRef>
+        </p:style>
+        <p:txBody>
+          <a:bodyPr rtlCol="0" anchor="ctr"/>
+          <a:lstStyle/>
+          <a:p>
+            <a:pPr algn="ctr"/>
+            <a:endParaRPr lang="en-US"/>
           </a:p>
         </p:txBody>
       </p:sp>
